--- a/PowerPoint/Capstone Project.pptx
+++ b/PowerPoint/Capstone Project.pptx
@@ -1,13 +1,22 @@
 
 <file path=ppt/presentation.xml><?xml version="1.0" encoding="utf-8"?>
-<p:presentation xmlns:a="http://schemas.openxmlformats.org/drawingml/2006/main" xmlns:r="http://schemas.openxmlformats.org/officeDocument/2006/relationships" xmlns:p="http://schemas.openxmlformats.org/presentationml/2006/main" saveSubsetFonts="1">
+<p:presentation xmlns:a="http://schemas.openxmlformats.org/drawingml/2006/main" xmlns:r="http://schemas.openxmlformats.org/officeDocument/2006/relationships" xmlns:p="http://schemas.openxmlformats.org/presentationml/2006/main" saveSubsetFonts="1" autoCompressPictures="0">
   <p:sldMasterIdLst>
-    <p:sldMasterId id="2147483648" r:id="rId1"/>
+    <p:sldMasterId id="2147483924" r:id="rId1"/>
   </p:sldMasterIdLst>
+  <p:notesMasterIdLst>
+    <p:notesMasterId r:id="rId6"/>
+  </p:notesMasterIdLst>
+  <p:handoutMasterIdLst>
+    <p:handoutMasterId r:id="rId7"/>
+  </p:handoutMasterIdLst>
   <p:sldIdLst>
-    <p:sldId id="256" r:id="rId2"/>
+    <p:sldId id="268" r:id="rId2"/>
+    <p:sldId id="270" r:id="rId3"/>
+    <p:sldId id="269" r:id="rId4"/>
+    <p:sldId id="275" r:id="rId5"/>
   </p:sldIdLst>
-  <p:sldSz cx="12192000" cy="6858000"/>
+  <p:sldSz cx="12188825" cy="6858000"/>
   <p:notesSz cx="6858000" cy="9144000"/>
   <p:defaultTextStyle>
     <a:defPPr>
@@ -104,11 +113,901 @@
       </a:defRPr>
     </a:lvl9pPr>
   </p:defaultTextStyle>
+  <p:extLst>
+    <p:ext uri="{EFAFB233-063F-42B5-8137-9DF3F51BA10A}">
+      <p15:sldGuideLst xmlns:p15="http://schemas.microsoft.com/office/powerpoint/2012/main">
+        <p15:guide id="1" orient="horz" pos="2160">
+          <p15:clr>
+            <a:srgbClr val="A4A3A4"/>
+          </p15:clr>
+        </p15:guide>
+        <p15:guide id="2" orient="horz" pos="384">
+          <p15:clr>
+            <a:srgbClr val="A4A3A4"/>
+          </p15:clr>
+        </p15:guide>
+        <p15:guide id="3" orient="horz" pos="3792">
+          <p15:clr>
+            <a:srgbClr val="A4A3A4"/>
+          </p15:clr>
+        </p15:guide>
+        <p15:guide id="4" pos="959">
+          <p15:clr>
+            <a:srgbClr val="A4A3A4"/>
+          </p15:clr>
+        </p15:guide>
+        <p15:guide id="5" pos="6719">
+          <p15:clr>
+            <a:srgbClr val="A4A3A4"/>
+          </p15:clr>
+        </p15:guide>
+      </p15:sldGuideLst>
+    </p:ext>
+    <p:ext uri="{2D200454-40CA-4A62-9FC3-DE9A4176ACB9}">
+      <p15:notesGuideLst xmlns:p15="http://schemas.microsoft.com/office/powerpoint/2012/main">
+        <p15:guide id="1" orient="horz" pos="2880">
+          <p15:clr>
+            <a:srgbClr val="A4A3A4"/>
+          </p15:clr>
+        </p15:guide>
+        <p15:guide id="2" pos="2160">
+          <p15:clr>
+            <a:srgbClr val="A4A3A4"/>
+          </p15:clr>
+        </p15:guide>
+      </p15:notesGuideLst>
+    </p:ext>
+  </p:extLst>
 </p:presentation>
 </file>
 
+<file path=ppt/handoutMasters/handoutMaster1.xml><?xml version="1.0" encoding="utf-8"?>
+<p:handoutMaster xmlns:a="http://schemas.openxmlformats.org/drawingml/2006/main" xmlns:r="http://schemas.openxmlformats.org/officeDocument/2006/relationships" xmlns:p="http://schemas.openxmlformats.org/presentationml/2006/main">
+  <p:cSld>
+    <p:bg>
+      <p:bgRef idx="1001">
+        <a:schemeClr val="bg1"/>
+      </p:bgRef>
+    </p:bg>
+    <p:spTree>
+      <p:nvGrpSpPr>
+        <p:cNvPr id="1" name=""/>
+        <p:cNvGrpSpPr/>
+        <p:nvPr/>
+      </p:nvGrpSpPr>
+      <p:grpSpPr>
+        <a:xfrm>
+          <a:off x="0" y="0"/>
+          <a:ext cx="0" cy="0"/>
+          <a:chOff x="0" y="0"/>
+          <a:chExt cx="0" cy="0"/>
+        </a:xfrm>
+      </p:grpSpPr>
+      <p:sp>
+        <p:nvSpPr>
+          <p:cNvPr id="2" name="Header Placeholder 1"/>
+          <p:cNvSpPr>
+            <a:spLocks noGrp="1"/>
+          </p:cNvSpPr>
+          <p:nvPr>
+            <p:ph type="hdr" sz="quarter"/>
+          </p:nvPr>
+        </p:nvSpPr>
+        <p:spPr>
+          <a:xfrm>
+            <a:off x="0" y="0"/>
+            <a:ext cx="2971800" cy="457200"/>
+          </a:xfrm>
+          <a:prstGeom prst="rect">
+            <a:avLst/>
+          </a:prstGeom>
+        </p:spPr>
+        <p:txBody>
+          <a:bodyPr vert="horz" lIns="91440" tIns="45720" rIns="91440" bIns="45720" rtlCol="0"/>
+          <a:lstStyle>
+            <a:lvl1pPr algn="l">
+              <a:defRPr sz="1200"/>
+            </a:lvl1pPr>
+          </a:lstStyle>
+          <a:p>
+            <a:endParaRPr dirty="0"/>
+          </a:p>
+        </p:txBody>
+      </p:sp>
+      <p:sp>
+        <p:nvSpPr>
+          <p:cNvPr id="3" name="Date Placeholder 2"/>
+          <p:cNvSpPr>
+            <a:spLocks noGrp="1"/>
+          </p:cNvSpPr>
+          <p:nvPr>
+            <p:ph type="dt" sz="quarter" idx="1"/>
+          </p:nvPr>
+        </p:nvSpPr>
+        <p:spPr>
+          <a:xfrm>
+            <a:off x="3884613" y="0"/>
+            <a:ext cx="2971800" cy="457200"/>
+          </a:xfrm>
+          <a:prstGeom prst="rect">
+            <a:avLst/>
+          </a:prstGeom>
+        </p:spPr>
+        <p:txBody>
+          <a:bodyPr vert="horz" lIns="91440" tIns="45720" rIns="91440" bIns="45720" rtlCol="0"/>
+          <a:lstStyle>
+            <a:lvl1pPr algn="r">
+              <a:defRPr sz="1200"/>
+            </a:lvl1pPr>
+          </a:lstStyle>
+          <a:p>
+            <a:fld id="{BEA74EB7-856E-45FD-83F0-5F7C6F3E4372}" type="datetimeFigureOut">
+              <a:rPr lang="en-US"/>
+              <a:t>8/9/2018</a:t>
+            </a:fld>
+            <a:endParaRPr dirty="0"/>
+          </a:p>
+        </p:txBody>
+      </p:sp>
+      <p:sp>
+        <p:nvSpPr>
+          <p:cNvPr id="4" name="Footer Placeholder 3"/>
+          <p:cNvSpPr>
+            <a:spLocks noGrp="1"/>
+          </p:cNvSpPr>
+          <p:nvPr>
+            <p:ph type="ftr" sz="quarter" idx="2"/>
+          </p:nvPr>
+        </p:nvSpPr>
+        <p:spPr>
+          <a:xfrm>
+            <a:off x="0" y="8685213"/>
+            <a:ext cx="2971800" cy="457200"/>
+          </a:xfrm>
+          <a:prstGeom prst="rect">
+            <a:avLst/>
+          </a:prstGeom>
+        </p:spPr>
+        <p:txBody>
+          <a:bodyPr vert="horz" lIns="91440" tIns="45720" rIns="91440" bIns="45720" rtlCol="0" anchor="b"/>
+          <a:lstStyle>
+            <a:lvl1pPr algn="l">
+              <a:defRPr sz="1200"/>
+            </a:lvl1pPr>
+          </a:lstStyle>
+          <a:p>
+            <a:endParaRPr dirty="0"/>
+          </a:p>
+        </p:txBody>
+      </p:sp>
+      <p:sp>
+        <p:nvSpPr>
+          <p:cNvPr id="5" name="Slide Number Placeholder 4"/>
+          <p:cNvSpPr>
+            <a:spLocks noGrp="1"/>
+          </p:cNvSpPr>
+          <p:nvPr>
+            <p:ph type="sldNum" sz="quarter" idx="3"/>
+          </p:nvPr>
+        </p:nvSpPr>
+        <p:spPr>
+          <a:xfrm>
+            <a:off x="3884613" y="8685213"/>
+            <a:ext cx="2971800" cy="457200"/>
+          </a:xfrm>
+          <a:prstGeom prst="rect">
+            <a:avLst/>
+          </a:prstGeom>
+        </p:spPr>
+        <p:txBody>
+          <a:bodyPr vert="horz" lIns="91440" tIns="45720" rIns="91440" bIns="45720" rtlCol="0" anchor="b"/>
+          <a:lstStyle>
+            <a:lvl1pPr algn="r">
+              <a:defRPr sz="1200"/>
+            </a:lvl1pPr>
+          </a:lstStyle>
+          <a:p>
+            <a:fld id="{14886E15-F82A-4596-A46C-375C6D3981E1}" type="slidenum">
+              <a:rPr/>
+              <a:t>‹#›</a:t>
+            </a:fld>
+            <a:endParaRPr dirty="0"/>
+          </a:p>
+        </p:txBody>
+      </p:sp>
+    </p:spTree>
+    <p:extLst>
+      <p:ext uri="{BB962C8B-B14F-4D97-AF65-F5344CB8AC3E}">
+        <p14:creationId xmlns:p14="http://schemas.microsoft.com/office/powerpoint/2010/main" val="868308102"/>
+      </p:ext>
+    </p:extLst>
+  </p:cSld>
+  <p:clrMap bg1="lt1" tx1="dk1" bg2="lt2" tx2="dk2" accent1="accent1" accent2="accent2" accent3="accent3" accent4="accent4" accent5="accent5" accent6="accent6" hlink="hlink" folHlink="folHlink"/>
+</p:handoutMaster>
+</file>
+
+<file path=ppt/notesMasters/notesMaster1.xml><?xml version="1.0" encoding="utf-8"?>
+<p:notesMaster xmlns:a="http://schemas.openxmlformats.org/drawingml/2006/main" xmlns:r="http://schemas.openxmlformats.org/officeDocument/2006/relationships" xmlns:p="http://schemas.openxmlformats.org/presentationml/2006/main">
+  <p:cSld>
+    <p:bg>
+      <p:bgRef idx="1001">
+        <a:schemeClr val="bg1"/>
+      </p:bgRef>
+    </p:bg>
+    <p:spTree>
+      <p:nvGrpSpPr>
+        <p:cNvPr id="1" name=""/>
+        <p:cNvGrpSpPr/>
+        <p:nvPr/>
+      </p:nvGrpSpPr>
+      <p:grpSpPr>
+        <a:xfrm>
+          <a:off x="0" y="0"/>
+          <a:ext cx="0" cy="0"/>
+          <a:chOff x="0" y="0"/>
+          <a:chExt cx="0" cy="0"/>
+        </a:xfrm>
+      </p:grpSpPr>
+      <p:sp>
+        <p:nvSpPr>
+          <p:cNvPr id="2" name="Header Placeholder 1"/>
+          <p:cNvSpPr>
+            <a:spLocks noGrp="1"/>
+          </p:cNvSpPr>
+          <p:nvPr>
+            <p:ph type="hdr" sz="quarter"/>
+          </p:nvPr>
+        </p:nvSpPr>
+        <p:spPr>
+          <a:xfrm>
+            <a:off x="0" y="0"/>
+            <a:ext cx="2971800" cy="457200"/>
+          </a:xfrm>
+          <a:prstGeom prst="rect">
+            <a:avLst/>
+          </a:prstGeom>
+        </p:spPr>
+        <p:txBody>
+          <a:bodyPr vert="horz" lIns="91440" tIns="45720" rIns="91440" bIns="45720" rtlCol="0"/>
+          <a:lstStyle>
+            <a:lvl1pPr algn="l">
+              <a:defRPr sz="1200"/>
+            </a:lvl1pPr>
+          </a:lstStyle>
+          <a:p>
+            <a:endParaRPr dirty="0"/>
+          </a:p>
+        </p:txBody>
+      </p:sp>
+      <p:sp>
+        <p:nvSpPr>
+          <p:cNvPr id="3" name="Date Placeholder 2"/>
+          <p:cNvSpPr>
+            <a:spLocks noGrp="1"/>
+          </p:cNvSpPr>
+          <p:nvPr>
+            <p:ph type="dt" idx="1"/>
+          </p:nvPr>
+        </p:nvSpPr>
+        <p:spPr>
+          <a:xfrm>
+            <a:off x="3884613" y="0"/>
+            <a:ext cx="2971800" cy="457200"/>
+          </a:xfrm>
+          <a:prstGeom prst="rect">
+            <a:avLst/>
+          </a:prstGeom>
+        </p:spPr>
+        <p:txBody>
+          <a:bodyPr vert="horz" lIns="91440" tIns="45720" rIns="91440" bIns="45720" rtlCol="0"/>
+          <a:lstStyle>
+            <a:lvl1pPr algn="r">
+              <a:defRPr sz="1200"/>
+            </a:lvl1pPr>
+          </a:lstStyle>
+          <a:p>
+            <a:fld id="{C61B0E40-8125-41F8-BB6C-139D8D531A4F}" type="datetimeFigureOut">
+              <a:rPr lang="en-US"/>
+              <a:t>8/9/2018</a:t>
+            </a:fld>
+            <a:endParaRPr dirty="0"/>
+          </a:p>
+        </p:txBody>
+      </p:sp>
+      <p:sp>
+        <p:nvSpPr>
+          <p:cNvPr id="4" name="Slide Image Placeholder 3"/>
+          <p:cNvSpPr>
+            <a:spLocks noGrp="1" noRot="1" noChangeAspect="1"/>
+          </p:cNvSpPr>
+          <p:nvPr>
+            <p:ph type="sldImg" idx="2"/>
+          </p:nvPr>
+        </p:nvSpPr>
+        <p:spPr>
+          <a:xfrm>
+            <a:off x="382588" y="685800"/>
+            <a:ext cx="6092825" cy="3429000"/>
+          </a:xfrm>
+          <a:prstGeom prst="rect">
+            <a:avLst/>
+          </a:prstGeom>
+          <a:noFill/>
+          <a:ln w="12700">
+            <a:solidFill>
+              <a:prstClr val="black"/>
+            </a:solidFill>
+          </a:ln>
+        </p:spPr>
+        <p:txBody>
+          <a:bodyPr vert="horz" lIns="91440" tIns="45720" rIns="91440" bIns="45720" rtlCol="0" anchor="ctr"/>
+          <a:lstStyle/>
+          <a:p>
+            <a:endParaRPr dirty="0"/>
+          </a:p>
+        </p:txBody>
+      </p:sp>
+      <p:sp>
+        <p:nvSpPr>
+          <p:cNvPr id="5" name="Notes Placeholder 4"/>
+          <p:cNvSpPr>
+            <a:spLocks noGrp="1"/>
+          </p:cNvSpPr>
+          <p:nvPr>
+            <p:ph type="body" sz="quarter" idx="3"/>
+          </p:nvPr>
+        </p:nvSpPr>
+        <p:spPr>
+          <a:xfrm>
+            <a:off x="685800" y="4343400"/>
+            <a:ext cx="5486400" cy="4114800"/>
+          </a:xfrm>
+          <a:prstGeom prst="rect">
+            <a:avLst/>
+          </a:prstGeom>
+        </p:spPr>
+        <p:txBody>
+          <a:bodyPr vert="horz" lIns="91440" tIns="45720" rIns="91440" bIns="45720" rtlCol="0"/>
+          <a:lstStyle/>
+          <a:p>
+            <a:pPr lvl="0"/>
+            <a:r>
+              <a:t>Click to edit Master text styles</a:t>
+            </a:r>
+          </a:p>
+          <a:p>
+            <a:pPr lvl="1"/>
+            <a:r>
+              <a:t>Second level</a:t>
+            </a:r>
+          </a:p>
+          <a:p>
+            <a:pPr lvl="2"/>
+            <a:r>
+              <a:t>Third level</a:t>
+            </a:r>
+          </a:p>
+          <a:p>
+            <a:pPr lvl="3"/>
+            <a:r>
+              <a:t>Fourth level</a:t>
+            </a:r>
+          </a:p>
+          <a:p>
+            <a:pPr lvl="4"/>
+            <a:r>
+              <a:t>Fifth level</a:t>
+            </a:r>
+          </a:p>
+        </p:txBody>
+      </p:sp>
+      <p:sp>
+        <p:nvSpPr>
+          <p:cNvPr id="6" name="Footer Placeholder 5"/>
+          <p:cNvSpPr>
+            <a:spLocks noGrp="1"/>
+          </p:cNvSpPr>
+          <p:nvPr>
+            <p:ph type="ftr" sz="quarter" idx="4"/>
+          </p:nvPr>
+        </p:nvSpPr>
+        <p:spPr>
+          <a:xfrm>
+            <a:off x="0" y="8685213"/>
+            <a:ext cx="2971800" cy="457200"/>
+          </a:xfrm>
+          <a:prstGeom prst="rect">
+            <a:avLst/>
+          </a:prstGeom>
+        </p:spPr>
+        <p:txBody>
+          <a:bodyPr vert="horz" lIns="91440" tIns="45720" rIns="91440" bIns="45720" rtlCol="0" anchor="b"/>
+          <a:lstStyle>
+            <a:lvl1pPr algn="l">
+              <a:defRPr sz="1200"/>
+            </a:lvl1pPr>
+          </a:lstStyle>
+          <a:p>
+            <a:endParaRPr dirty="0"/>
+          </a:p>
+        </p:txBody>
+      </p:sp>
+      <p:sp>
+        <p:nvSpPr>
+          <p:cNvPr id="7" name="Slide Number Placeholder 6"/>
+          <p:cNvSpPr>
+            <a:spLocks noGrp="1"/>
+          </p:cNvSpPr>
+          <p:nvPr>
+            <p:ph type="sldNum" sz="quarter" idx="5"/>
+          </p:nvPr>
+        </p:nvSpPr>
+        <p:spPr>
+          <a:xfrm>
+            <a:off x="3884613" y="8685213"/>
+            <a:ext cx="2971800" cy="457200"/>
+          </a:xfrm>
+          <a:prstGeom prst="rect">
+            <a:avLst/>
+          </a:prstGeom>
+        </p:spPr>
+        <p:txBody>
+          <a:bodyPr vert="horz" lIns="91440" tIns="45720" rIns="91440" bIns="45720" rtlCol="0" anchor="b"/>
+          <a:lstStyle>
+            <a:lvl1pPr algn="r">
+              <a:defRPr sz="1200"/>
+            </a:lvl1pPr>
+          </a:lstStyle>
+          <a:p>
+            <a:fld id="{BF105DB2-FD3E-441D-8B7E-7AE83ECE27B3}" type="slidenum">
+              <a:rPr/>
+              <a:t>‹#›</a:t>
+            </a:fld>
+            <a:endParaRPr dirty="0"/>
+          </a:p>
+        </p:txBody>
+      </p:sp>
+    </p:spTree>
+    <p:extLst>
+      <p:ext uri="{BB962C8B-B14F-4D97-AF65-F5344CB8AC3E}">
+        <p14:creationId xmlns:p14="http://schemas.microsoft.com/office/powerpoint/2010/main" val="2894720530"/>
+      </p:ext>
+    </p:extLst>
+  </p:cSld>
+  <p:clrMap bg1="lt1" tx1="dk1" bg2="lt2" tx2="dk2" accent1="accent1" accent2="accent2" accent3="accent3" accent4="accent4" accent5="accent5" accent6="accent6" hlink="hlink" folHlink="folHlink"/>
+  <p:notesStyle>
+    <a:lvl1pPr marL="0" algn="l" defTabSz="914400" rtl="0" eaLnBrk="1" latinLnBrk="0" hangingPunct="1">
+      <a:defRPr sz="1200" kern="1200">
+        <a:solidFill>
+          <a:schemeClr val="tx1"/>
+        </a:solidFill>
+        <a:latin typeface="+mn-lt"/>
+        <a:ea typeface="+mn-ea"/>
+        <a:cs typeface="+mn-cs"/>
+      </a:defRPr>
+    </a:lvl1pPr>
+    <a:lvl2pPr marL="457200" algn="l" defTabSz="914400" rtl="0" eaLnBrk="1" latinLnBrk="0" hangingPunct="1">
+      <a:defRPr sz="1200" kern="1200">
+        <a:solidFill>
+          <a:schemeClr val="tx1"/>
+        </a:solidFill>
+        <a:latin typeface="+mn-lt"/>
+        <a:ea typeface="+mn-ea"/>
+        <a:cs typeface="+mn-cs"/>
+      </a:defRPr>
+    </a:lvl2pPr>
+    <a:lvl3pPr marL="914400" algn="l" defTabSz="914400" rtl="0" eaLnBrk="1" latinLnBrk="0" hangingPunct="1">
+      <a:defRPr sz="1200" kern="1200">
+        <a:solidFill>
+          <a:schemeClr val="tx1"/>
+        </a:solidFill>
+        <a:latin typeface="+mn-lt"/>
+        <a:ea typeface="+mn-ea"/>
+        <a:cs typeface="+mn-cs"/>
+      </a:defRPr>
+    </a:lvl3pPr>
+    <a:lvl4pPr marL="1371600" algn="l" defTabSz="914400" rtl="0" eaLnBrk="1" latinLnBrk="0" hangingPunct="1">
+      <a:defRPr sz="1200" kern="1200">
+        <a:solidFill>
+          <a:schemeClr val="tx1"/>
+        </a:solidFill>
+        <a:latin typeface="+mn-lt"/>
+        <a:ea typeface="+mn-ea"/>
+        <a:cs typeface="+mn-cs"/>
+      </a:defRPr>
+    </a:lvl4pPr>
+    <a:lvl5pPr marL="1828800" algn="l" defTabSz="914400" rtl="0" eaLnBrk="1" latinLnBrk="0" hangingPunct="1">
+      <a:defRPr sz="1200" kern="1200">
+        <a:solidFill>
+          <a:schemeClr val="tx1"/>
+        </a:solidFill>
+        <a:latin typeface="+mn-lt"/>
+        <a:ea typeface="+mn-ea"/>
+        <a:cs typeface="+mn-cs"/>
+      </a:defRPr>
+    </a:lvl5pPr>
+    <a:lvl6pPr marL="2286000" algn="l" defTabSz="914400" rtl="0" eaLnBrk="1" latinLnBrk="0" hangingPunct="1">
+      <a:defRPr sz="1200" kern="1200">
+        <a:solidFill>
+          <a:schemeClr val="tx1"/>
+        </a:solidFill>
+        <a:latin typeface="+mn-lt"/>
+        <a:ea typeface="+mn-ea"/>
+        <a:cs typeface="+mn-cs"/>
+      </a:defRPr>
+    </a:lvl6pPr>
+    <a:lvl7pPr marL="2743200" algn="l" defTabSz="914400" rtl="0" eaLnBrk="1" latinLnBrk="0" hangingPunct="1">
+      <a:defRPr sz="1200" kern="1200">
+        <a:solidFill>
+          <a:schemeClr val="tx1"/>
+        </a:solidFill>
+        <a:latin typeface="+mn-lt"/>
+        <a:ea typeface="+mn-ea"/>
+        <a:cs typeface="+mn-cs"/>
+      </a:defRPr>
+    </a:lvl7pPr>
+    <a:lvl8pPr marL="3200400" algn="l" defTabSz="914400" rtl="0" eaLnBrk="1" latinLnBrk="0" hangingPunct="1">
+      <a:defRPr sz="1200" kern="1200">
+        <a:solidFill>
+          <a:schemeClr val="tx1"/>
+        </a:solidFill>
+        <a:latin typeface="+mn-lt"/>
+        <a:ea typeface="+mn-ea"/>
+        <a:cs typeface="+mn-cs"/>
+      </a:defRPr>
+    </a:lvl8pPr>
+    <a:lvl9pPr marL="3657600" algn="l" defTabSz="914400" rtl="0" eaLnBrk="1" latinLnBrk="0" hangingPunct="1">
+      <a:defRPr sz="1200" kern="1200">
+        <a:solidFill>
+          <a:schemeClr val="tx1"/>
+        </a:solidFill>
+        <a:latin typeface="+mn-lt"/>
+        <a:ea typeface="+mn-ea"/>
+        <a:cs typeface="+mn-cs"/>
+      </a:defRPr>
+    </a:lvl9pPr>
+  </p:notesStyle>
+</p:notesMaster>
+</file>
+
+<file path=ppt/notesSlides/notesSlide1.xml><?xml version="1.0" encoding="utf-8"?>
+<p:notes xmlns:a="http://schemas.openxmlformats.org/drawingml/2006/main" xmlns:r="http://schemas.openxmlformats.org/officeDocument/2006/relationships" xmlns:p="http://schemas.openxmlformats.org/presentationml/2006/main">
+  <p:cSld>
+    <p:spTree>
+      <p:nvGrpSpPr>
+        <p:cNvPr id="1" name=""/>
+        <p:cNvGrpSpPr/>
+        <p:nvPr/>
+      </p:nvGrpSpPr>
+      <p:grpSpPr>
+        <a:xfrm>
+          <a:off x="0" y="0"/>
+          <a:ext cx="0" cy="0"/>
+          <a:chOff x="0" y="0"/>
+          <a:chExt cx="0" cy="0"/>
+        </a:xfrm>
+      </p:grpSpPr>
+      <p:sp>
+        <p:nvSpPr>
+          <p:cNvPr id="2" name="Slide Image Placeholder 1"/>
+          <p:cNvSpPr>
+            <a:spLocks noGrp="1" noRot="1" noChangeAspect="1"/>
+          </p:cNvSpPr>
+          <p:nvPr>
+            <p:ph type="sldImg"/>
+          </p:nvPr>
+        </p:nvSpPr>
+        <p:spPr/>
+      </p:sp>
+      <p:sp>
+        <p:nvSpPr>
+          <p:cNvPr id="3" name="Notes Placeholder 2"/>
+          <p:cNvSpPr>
+            <a:spLocks noGrp="1"/>
+          </p:cNvSpPr>
+          <p:nvPr>
+            <p:ph type="body" idx="1"/>
+          </p:nvPr>
+        </p:nvSpPr>
+        <p:spPr/>
+        <p:txBody>
+          <a:bodyPr/>
+          <a:lstStyle/>
+          <a:p>
+            <a:endParaRPr lang="en-US" dirty="0"/>
+          </a:p>
+        </p:txBody>
+      </p:sp>
+      <p:sp>
+        <p:nvSpPr>
+          <p:cNvPr id="4" name="Slide Number Placeholder 3"/>
+          <p:cNvSpPr>
+            <a:spLocks noGrp="1"/>
+          </p:cNvSpPr>
+          <p:nvPr>
+            <p:ph type="sldNum" sz="quarter" idx="10"/>
+          </p:nvPr>
+        </p:nvSpPr>
+        <p:spPr/>
+        <p:txBody>
+          <a:bodyPr/>
+          <a:lstStyle/>
+          <a:p>
+            <a:fld id="{BF105DB2-FD3E-441D-8B7E-7AE83ECE27B3}" type="slidenum">
+              <a:rPr lang="en-US" smtClean="0"/>
+              <a:t>1</a:t>
+            </a:fld>
+            <a:endParaRPr lang="en-US" dirty="0"/>
+          </a:p>
+        </p:txBody>
+      </p:sp>
+    </p:spTree>
+    <p:extLst>
+      <p:ext uri="{BB962C8B-B14F-4D97-AF65-F5344CB8AC3E}">
+        <p14:creationId xmlns:p14="http://schemas.microsoft.com/office/powerpoint/2010/main" val="4085276277"/>
+      </p:ext>
+    </p:extLst>
+  </p:cSld>
+  <p:clrMapOvr>
+    <a:masterClrMapping/>
+  </p:clrMapOvr>
+</p:notes>
+</file>
+
+<file path=ppt/notesSlides/notesSlide2.xml><?xml version="1.0" encoding="utf-8"?>
+<p:notes xmlns:a="http://schemas.openxmlformats.org/drawingml/2006/main" xmlns:r="http://schemas.openxmlformats.org/officeDocument/2006/relationships" xmlns:p="http://schemas.openxmlformats.org/presentationml/2006/main">
+  <p:cSld>
+    <p:spTree>
+      <p:nvGrpSpPr>
+        <p:cNvPr id="1" name=""/>
+        <p:cNvGrpSpPr/>
+        <p:nvPr/>
+      </p:nvGrpSpPr>
+      <p:grpSpPr>
+        <a:xfrm>
+          <a:off x="0" y="0"/>
+          <a:ext cx="0" cy="0"/>
+          <a:chOff x="0" y="0"/>
+          <a:chExt cx="0" cy="0"/>
+        </a:xfrm>
+      </p:grpSpPr>
+      <p:sp>
+        <p:nvSpPr>
+          <p:cNvPr id="2" name="Slide Image Placeholder 1"/>
+          <p:cNvSpPr>
+            <a:spLocks noGrp="1" noRot="1" noChangeAspect="1"/>
+          </p:cNvSpPr>
+          <p:nvPr>
+            <p:ph type="sldImg"/>
+          </p:nvPr>
+        </p:nvSpPr>
+        <p:spPr/>
+      </p:sp>
+      <p:sp>
+        <p:nvSpPr>
+          <p:cNvPr id="3" name="Notes Placeholder 2"/>
+          <p:cNvSpPr>
+            <a:spLocks noGrp="1"/>
+          </p:cNvSpPr>
+          <p:nvPr>
+            <p:ph type="body" idx="1"/>
+          </p:nvPr>
+        </p:nvSpPr>
+        <p:spPr/>
+        <p:txBody>
+          <a:bodyPr/>
+          <a:lstStyle/>
+          <a:p>
+            <a:endParaRPr lang="en-US"/>
+          </a:p>
+        </p:txBody>
+      </p:sp>
+      <p:sp>
+        <p:nvSpPr>
+          <p:cNvPr id="4" name="Slide Number Placeholder 3"/>
+          <p:cNvSpPr>
+            <a:spLocks noGrp="1"/>
+          </p:cNvSpPr>
+          <p:nvPr>
+            <p:ph type="sldNum" sz="quarter" idx="10"/>
+          </p:nvPr>
+        </p:nvSpPr>
+        <p:spPr/>
+        <p:txBody>
+          <a:bodyPr/>
+          <a:lstStyle/>
+          <a:p>
+            <a:fld id="{BF105DB2-FD3E-441D-8B7E-7AE83ECE27B3}" type="slidenum">
+              <a:rPr lang="en-US" smtClean="0"/>
+              <a:t>2</a:t>
+            </a:fld>
+            <a:endParaRPr lang="en-US" dirty="0"/>
+          </a:p>
+        </p:txBody>
+      </p:sp>
+    </p:spTree>
+    <p:extLst>
+      <p:ext uri="{BB962C8B-B14F-4D97-AF65-F5344CB8AC3E}">
+        <p14:creationId xmlns:p14="http://schemas.microsoft.com/office/powerpoint/2010/main" val="3546443938"/>
+      </p:ext>
+    </p:extLst>
+  </p:cSld>
+  <p:clrMapOvr>
+    <a:masterClrMapping/>
+  </p:clrMapOvr>
+</p:notes>
+</file>
+
+<file path=ppt/notesSlides/notesSlide3.xml><?xml version="1.0" encoding="utf-8"?>
+<p:notes xmlns:a="http://schemas.openxmlformats.org/drawingml/2006/main" xmlns:r="http://schemas.openxmlformats.org/officeDocument/2006/relationships" xmlns:p="http://schemas.openxmlformats.org/presentationml/2006/main">
+  <p:cSld>
+    <p:spTree>
+      <p:nvGrpSpPr>
+        <p:cNvPr id="1" name=""/>
+        <p:cNvGrpSpPr/>
+        <p:nvPr/>
+      </p:nvGrpSpPr>
+      <p:grpSpPr>
+        <a:xfrm>
+          <a:off x="0" y="0"/>
+          <a:ext cx="0" cy="0"/>
+          <a:chOff x="0" y="0"/>
+          <a:chExt cx="0" cy="0"/>
+        </a:xfrm>
+      </p:grpSpPr>
+      <p:sp>
+        <p:nvSpPr>
+          <p:cNvPr id="2" name="Slide Image Placeholder 1"/>
+          <p:cNvSpPr>
+            <a:spLocks noGrp="1" noRot="1" noChangeAspect="1"/>
+          </p:cNvSpPr>
+          <p:nvPr>
+            <p:ph type="sldImg"/>
+          </p:nvPr>
+        </p:nvSpPr>
+        <p:spPr/>
+      </p:sp>
+      <p:sp>
+        <p:nvSpPr>
+          <p:cNvPr id="3" name="Notes Placeholder 2"/>
+          <p:cNvSpPr>
+            <a:spLocks noGrp="1"/>
+          </p:cNvSpPr>
+          <p:nvPr>
+            <p:ph type="body" idx="1"/>
+          </p:nvPr>
+        </p:nvSpPr>
+        <p:spPr/>
+        <p:txBody>
+          <a:bodyPr/>
+          <a:lstStyle/>
+          <a:p>
+            <a:endParaRPr lang="en-US"/>
+          </a:p>
+        </p:txBody>
+      </p:sp>
+      <p:sp>
+        <p:nvSpPr>
+          <p:cNvPr id="4" name="Slide Number Placeholder 3"/>
+          <p:cNvSpPr>
+            <a:spLocks noGrp="1"/>
+          </p:cNvSpPr>
+          <p:nvPr>
+            <p:ph type="sldNum" sz="quarter" idx="10"/>
+          </p:nvPr>
+        </p:nvSpPr>
+        <p:spPr/>
+        <p:txBody>
+          <a:bodyPr/>
+          <a:lstStyle/>
+          <a:p>
+            <a:fld id="{BF105DB2-FD3E-441D-8B7E-7AE83ECE27B3}" type="slidenum">
+              <a:rPr lang="en-US" smtClean="0"/>
+              <a:t>3</a:t>
+            </a:fld>
+            <a:endParaRPr lang="en-US" dirty="0"/>
+          </a:p>
+        </p:txBody>
+      </p:sp>
+    </p:spTree>
+    <p:extLst>
+      <p:ext uri="{BB962C8B-B14F-4D97-AF65-F5344CB8AC3E}">
+        <p14:creationId xmlns:p14="http://schemas.microsoft.com/office/powerpoint/2010/main" val="2725600195"/>
+      </p:ext>
+    </p:extLst>
+  </p:cSld>
+  <p:clrMapOvr>
+    <a:masterClrMapping/>
+  </p:clrMapOvr>
+</p:notes>
+</file>
+
+<file path=ppt/notesSlides/notesSlide4.xml><?xml version="1.0" encoding="utf-8"?>
+<p:notes xmlns:a="http://schemas.openxmlformats.org/drawingml/2006/main" xmlns:r="http://schemas.openxmlformats.org/officeDocument/2006/relationships" xmlns:p="http://schemas.openxmlformats.org/presentationml/2006/main">
+  <p:cSld>
+    <p:spTree>
+      <p:nvGrpSpPr>
+        <p:cNvPr id="1" name=""/>
+        <p:cNvGrpSpPr/>
+        <p:nvPr/>
+      </p:nvGrpSpPr>
+      <p:grpSpPr>
+        <a:xfrm>
+          <a:off x="0" y="0"/>
+          <a:ext cx="0" cy="0"/>
+          <a:chOff x="0" y="0"/>
+          <a:chExt cx="0" cy="0"/>
+        </a:xfrm>
+      </p:grpSpPr>
+      <p:sp>
+        <p:nvSpPr>
+          <p:cNvPr id="2" name="Slide Image Placeholder 1"/>
+          <p:cNvSpPr>
+            <a:spLocks noGrp="1" noRot="1" noChangeAspect="1"/>
+          </p:cNvSpPr>
+          <p:nvPr>
+            <p:ph type="sldImg"/>
+          </p:nvPr>
+        </p:nvSpPr>
+        <p:spPr/>
+      </p:sp>
+      <p:sp>
+        <p:nvSpPr>
+          <p:cNvPr id="3" name="Notes Placeholder 2"/>
+          <p:cNvSpPr>
+            <a:spLocks noGrp="1"/>
+          </p:cNvSpPr>
+          <p:nvPr>
+            <p:ph type="body" idx="1"/>
+          </p:nvPr>
+        </p:nvSpPr>
+        <p:spPr/>
+        <p:txBody>
+          <a:bodyPr/>
+          <a:lstStyle/>
+          <a:p>
+            <a:endParaRPr lang="en-US"/>
+          </a:p>
+        </p:txBody>
+      </p:sp>
+      <p:sp>
+        <p:nvSpPr>
+          <p:cNvPr id="4" name="Slide Number Placeholder 3"/>
+          <p:cNvSpPr>
+            <a:spLocks noGrp="1"/>
+          </p:cNvSpPr>
+          <p:nvPr>
+            <p:ph type="sldNum" sz="quarter" idx="10"/>
+          </p:nvPr>
+        </p:nvSpPr>
+        <p:spPr/>
+        <p:txBody>
+          <a:bodyPr/>
+          <a:lstStyle/>
+          <a:p>
+            <a:fld id="{BF105DB2-FD3E-441D-8B7E-7AE83ECE27B3}" type="slidenum">
+              <a:rPr lang="en-US" smtClean="0"/>
+              <a:t>4</a:t>
+            </a:fld>
+            <a:endParaRPr lang="en-US" dirty="0"/>
+          </a:p>
+        </p:txBody>
+      </p:sp>
+    </p:spTree>
+    <p:extLst>
+      <p:ext uri="{BB962C8B-B14F-4D97-AF65-F5344CB8AC3E}">
+        <p14:creationId xmlns:p14="http://schemas.microsoft.com/office/powerpoint/2010/main" val="3358315363"/>
+      </p:ext>
+    </p:extLst>
+  </p:cSld>
+  <p:clrMapOvr>
+    <a:masterClrMapping/>
+  </p:clrMapOvr>
+</p:notes>
+</file>
+
 <file path=ppt/slideLayouts/slideLayout1.xml><?xml version="1.0" encoding="utf-8"?>
-<p:sldLayout xmlns:a="http://schemas.openxmlformats.org/drawingml/2006/main" xmlns:r="http://schemas.openxmlformats.org/officeDocument/2006/relationships" xmlns:p="http://schemas.openxmlformats.org/presentationml/2006/main" type="title" preserve="1">
+<p:sldLayout xmlns:a="http://schemas.openxmlformats.org/drawingml/2006/main" xmlns:r="http://schemas.openxmlformats.org/officeDocument/2006/relationships" xmlns:p="http://schemas.openxmlformats.org/presentationml/2006/main" showMasterSp="0" type="title" preserve="1">
   <p:cSld name="Title Slide">
     <p:spTree>
       <p:nvGrpSpPr>
@@ -126,101 +1025,515 @@
       </p:grpSpPr>
       <p:sp>
         <p:nvSpPr>
-          <p:cNvPr id="2" name="Title 1">
-            <a:extLst>
-              <a:ext uri="{FF2B5EF4-FFF2-40B4-BE49-F238E27FC236}">
-                <a16:creationId xmlns:a16="http://schemas.microsoft.com/office/drawing/2014/main" id="{62601DEF-A154-4B2B-97F3-D3A68D50FC2C}"/>
-              </a:ext>
-            </a:extLst>
-          </p:cNvPr>
+          <p:cNvPr id="16" name="title block"/>
+          <p:cNvSpPr/>
+          <p:nvPr/>
+        </p:nvSpPr>
+        <p:spPr bwMode="invGray">
+          <a:xfrm>
+            <a:off x="1141413" y="1600200"/>
+            <a:ext cx="11047412" cy="3276600"/>
+          </a:xfrm>
+          <a:prstGeom prst="rect">
+            <a:avLst/>
+          </a:prstGeom>
+          <a:solidFill>
+            <a:schemeClr val="accent1">
+              <a:lumMod val="50000"/>
+            </a:schemeClr>
+          </a:solidFill>
+          <a:ln>
+            <a:noFill/>
+          </a:ln>
+        </p:spPr>
+        <p:style>
+          <a:lnRef idx="2">
+            <a:schemeClr val="accent1">
+              <a:shade val="50000"/>
+            </a:schemeClr>
+          </a:lnRef>
+          <a:fillRef idx="1">
+            <a:schemeClr val="accent1"/>
+          </a:fillRef>
+          <a:effectRef idx="0">
+            <a:schemeClr val="accent1"/>
+          </a:effectRef>
+          <a:fontRef idx="minor">
+            <a:schemeClr val="lt1"/>
+          </a:fontRef>
+        </p:style>
+        <p:txBody>
+          <a:bodyPr rtlCol="0" anchor="ctr"/>
+          <a:lstStyle/>
+          <a:p>
+            <a:pPr algn="ctr"/>
+            <a:endParaRPr dirty="0"/>
+          </a:p>
+        </p:txBody>
+      </p:sp>
+      <p:grpSp>
+        <p:nvGrpSpPr>
+          <p:cNvPr id="7" name="top graphic"/>
+          <p:cNvGrpSpPr/>
+          <p:nvPr/>
+        </p:nvGrpSpPr>
+        <p:grpSpPr>
+          <a:xfrm>
+            <a:off x="1279" y="0"/>
+            <a:ext cx="12188952" cy="429768"/>
+            <a:chOff x="1279" y="0"/>
+            <a:chExt cx="12188952" cy="429768"/>
+          </a:xfrm>
+        </p:grpSpPr>
+        <p:sp>
+          <p:nvSpPr>
+            <p:cNvPr id="8" name="Rectangle 7"/>
+            <p:cNvSpPr/>
+            <p:nvPr/>
+          </p:nvSpPr>
+          <p:spPr>
+            <a:xfrm>
+              <a:off x="1279" y="0"/>
+              <a:ext cx="12188952" cy="228600"/>
+            </a:xfrm>
+            <a:prstGeom prst="rect">
+              <a:avLst/>
+            </a:prstGeom>
+            <a:solidFill>
+              <a:schemeClr val="tx1"/>
+            </a:solidFill>
+            <a:ln>
+              <a:noFill/>
+            </a:ln>
+          </p:spPr>
+          <p:style>
+            <a:lnRef idx="2">
+              <a:schemeClr val="accent1">
+                <a:shade val="50000"/>
+              </a:schemeClr>
+            </a:lnRef>
+            <a:fillRef idx="1">
+              <a:schemeClr val="accent1"/>
+            </a:fillRef>
+            <a:effectRef idx="0">
+              <a:schemeClr val="accent1"/>
+            </a:effectRef>
+            <a:fontRef idx="minor">
+              <a:schemeClr val="lt1"/>
+            </a:fontRef>
+          </p:style>
+          <p:txBody>
+            <a:bodyPr rtlCol="0" anchor="ctr"/>
+            <a:lstStyle/>
+            <a:p>
+              <a:pPr algn="ctr"/>
+              <a:endParaRPr dirty="0"/>
+            </a:p>
+          </p:txBody>
+        </p:sp>
+        <p:sp>
+          <p:nvSpPr>
+            <p:cNvPr id="9" name="Rectangle 8"/>
+            <p:cNvSpPr/>
+            <p:nvPr/>
+          </p:nvSpPr>
+          <p:spPr>
+            <a:xfrm>
+              <a:off x="1279" y="228600"/>
+              <a:ext cx="12188952" cy="201168"/>
+            </a:xfrm>
+            <a:prstGeom prst="rect">
+              <a:avLst/>
+            </a:prstGeom>
+            <a:solidFill>
+              <a:schemeClr val="tx2"/>
+            </a:solidFill>
+            <a:ln>
+              <a:noFill/>
+            </a:ln>
+          </p:spPr>
+          <p:style>
+            <a:lnRef idx="2">
+              <a:schemeClr val="accent1">
+                <a:shade val="50000"/>
+              </a:schemeClr>
+            </a:lnRef>
+            <a:fillRef idx="1">
+              <a:schemeClr val="accent1"/>
+            </a:fillRef>
+            <a:effectRef idx="0">
+              <a:schemeClr val="accent1"/>
+            </a:effectRef>
+            <a:fontRef idx="minor">
+              <a:schemeClr val="lt1"/>
+            </a:fontRef>
+          </p:style>
+          <p:txBody>
+            <a:bodyPr rtlCol="0" anchor="ctr"/>
+            <a:lstStyle/>
+            <a:p>
+              <a:pPr algn="ctr"/>
+              <a:endParaRPr dirty="0"/>
+            </a:p>
+          </p:txBody>
+        </p:sp>
+        <p:sp>
+          <p:nvSpPr>
+            <p:cNvPr id="10" name="Rectangle 9"/>
+            <p:cNvSpPr/>
+            <p:nvPr/>
+          </p:nvSpPr>
+          <p:spPr>
+            <a:xfrm>
+              <a:off x="1279" y="306324"/>
+              <a:ext cx="12188952" cy="45720"/>
+            </a:xfrm>
+            <a:prstGeom prst="rect">
+              <a:avLst/>
+            </a:prstGeom>
+            <a:solidFill>
+              <a:schemeClr val="bg1"/>
+            </a:solidFill>
+            <a:ln>
+              <a:noFill/>
+            </a:ln>
+          </p:spPr>
+          <p:style>
+            <a:lnRef idx="2">
+              <a:schemeClr val="accent1">
+                <a:shade val="50000"/>
+              </a:schemeClr>
+            </a:lnRef>
+            <a:fillRef idx="1">
+              <a:schemeClr val="accent1"/>
+            </a:fillRef>
+            <a:effectRef idx="0">
+              <a:schemeClr val="accent1"/>
+            </a:effectRef>
+            <a:fontRef idx="minor">
+              <a:schemeClr val="lt1"/>
+            </a:fontRef>
+          </p:style>
+          <p:txBody>
+            <a:bodyPr rtlCol="0" anchor="ctr"/>
+            <a:lstStyle/>
+            <a:p>
+              <a:pPr algn="ctr"/>
+              <a:endParaRPr dirty="0"/>
+            </a:p>
+          </p:txBody>
+        </p:sp>
+      </p:grpSp>
+      <p:grpSp>
+        <p:nvGrpSpPr>
+          <p:cNvPr id="23" name="bottom graphic"/>
+          <p:cNvGrpSpPr/>
+          <p:nvPr/>
+        </p:nvGrpSpPr>
+        <p:grpSpPr>
+          <a:xfrm>
+            <a:off x="0" y="6080760"/>
+            <a:ext cx="12190231" cy="777240"/>
+            <a:chOff x="0" y="6080760"/>
+            <a:chExt cx="12190231" cy="777240"/>
+          </a:xfrm>
+        </p:grpSpPr>
+        <p:sp>
+          <p:nvSpPr>
+            <p:cNvPr id="13" name="Rectangle 12"/>
+            <p:cNvSpPr/>
+            <p:nvPr/>
+          </p:nvSpPr>
+          <p:spPr>
+            <a:xfrm>
+              <a:off x="0" y="6217920"/>
+              <a:ext cx="12188825" cy="640080"/>
+            </a:xfrm>
+            <a:prstGeom prst="rect">
+              <a:avLst/>
+            </a:prstGeom>
+            <a:ln>
+              <a:noFill/>
+            </a:ln>
+          </p:spPr>
+          <p:style>
+            <a:lnRef idx="2">
+              <a:schemeClr val="accent1">
+                <a:shade val="50000"/>
+              </a:schemeClr>
+            </a:lnRef>
+            <a:fillRef idx="1003">
+              <a:schemeClr val="dk2"/>
+            </a:fillRef>
+            <a:effectRef idx="0">
+              <a:schemeClr val="accent1"/>
+            </a:effectRef>
+            <a:fontRef idx="minor">
+              <a:schemeClr val="lt1"/>
+            </a:fontRef>
+          </p:style>
+          <p:txBody>
+            <a:bodyPr rtlCol="0" anchor="ctr"/>
+            <a:lstStyle/>
+            <a:p>
+              <a:pPr algn="ctr"/>
+              <a:endParaRPr dirty="0"/>
+            </a:p>
+          </p:txBody>
+        </p:sp>
+        <p:sp>
+          <p:nvSpPr>
+            <p:cNvPr id="14" name="Rectangle 13"/>
+            <p:cNvSpPr/>
+            <p:nvPr/>
+          </p:nvSpPr>
+          <p:spPr>
+            <a:xfrm>
+              <a:off x="1279" y="6080760"/>
+              <a:ext cx="12188952" cy="97215"/>
+            </a:xfrm>
+            <a:prstGeom prst="rect">
+              <a:avLst/>
+            </a:prstGeom>
+            <a:solidFill>
+              <a:schemeClr val="tx2"/>
+            </a:solidFill>
+            <a:ln>
+              <a:noFill/>
+            </a:ln>
+          </p:spPr>
+          <p:style>
+            <a:lnRef idx="2">
+              <a:schemeClr val="accent1">
+                <a:shade val="50000"/>
+              </a:schemeClr>
+            </a:lnRef>
+            <a:fillRef idx="1">
+              <a:schemeClr val="accent1"/>
+            </a:fillRef>
+            <a:effectRef idx="0">
+              <a:schemeClr val="accent1"/>
+            </a:effectRef>
+            <a:fontRef idx="minor">
+              <a:schemeClr val="lt1"/>
+            </a:fontRef>
+          </p:style>
+          <p:txBody>
+            <a:bodyPr rtlCol="0" anchor="ctr"/>
+            <a:lstStyle/>
+            <a:p>
+              <a:pPr algn="ctr"/>
+              <a:endParaRPr dirty="0"/>
+            </a:p>
+          </p:txBody>
+        </p:sp>
+        <p:sp>
+          <p:nvSpPr>
+            <p:cNvPr id="15" name="Rectangle 14"/>
+            <p:cNvSpPr/>
+            <p:nvPr/>
+          </p:nvSpPr>
+          <p:spPr>
+            <a:xfrm>
+              <a:off x="1279" y="6172200"/>
+              <a:ext cx="12188952" cy="27432"/>
+            </a:xfrm>
+            <a:prstGeom prst="rect">
+              <a:avLst/>
+            </a:prstGeom>
+            <a:solidFill>
+              <a:schemeClr val="bg1"/>
+            </a:solidFill>
+            <a:ln>
+              <a:noFill/>
+            </a:ln>
+          </p:spPr>
+          <p:style>
+            <a:lnRef idx="2">
+              <a:schemeClr val="accent1">
+                <a:shade val="50000"/>
+              </a:schemeClr>
+            </a:lnRef>
+            <a:fillRef idx="1">
+              <a:schemeClr val="accent1"/>
+            </a:fillRef>
+            <a:effectRef idx="0">
+              <a:schemeClr val="accent1"/>
+            </a:effectRef>
+            <a:fontRef idx="minor">
+              <a:schemeClr val="lt1"/>
+            </a:fontRef>
+          </p:style>
+          <p:txBody>
+            <a:bodyPr rtlCol="0" anchor="ctr"/>
+            <a:lstStyle/>
+            <a:p>
+              <a:pPr algn="ctr"/>
+              <a:endParaRPr dirty="0"/>
+            </a:p>
+          </p:txBody>
+        </p:sp>
+      </p:grpSp>
+      <p:sp>
+        <p:nvSpPr>
+          <p:cNvPr id="2" name="Title 1"/>
           <p:cNvSpPr>
             <a:spLocks noGrp="1"/>
           </p:cNvSpPr>
           <p:nvPr>
             <p:ph type="ctrTitle"/>
+          </p:nvPr>
+        </p:nvSpPr>
+        <p:spPr bwMode="invGray">
+          <a:xfrm>
+            <a:off x="1522414" y="1905000"/>
+            <a:ext cx="9143998" cy="2667000"/>
+          </a:xfrm>
+        </p:spPr>
+        <p:txBody>
+          <a:bodyPr anchor="b">
+            <a:normAutofit/>
+          </a:bodyPr>
+          <a:lstStyle>
+            <a:lvl1pPr>
+              <a:lnSpc>
+                <a:spcPct val="80000"/>
+              </a:lnSpc>
+              <a:defRPr sz="6600">
+                <a:solidFill>
+                  <a:schemeClr val="bg1"/>
+                </a:solidFill>
+                <a:effectLst>
+                  <a:outerShdw blurRad="88900" algn="ctr" rotWithShape="0">
+                    <a:prstClr val="black">
+                      <a:alpha val="35000"/>
+                    </a:prstClr>
+                  </a:outerShdw>
+                </a:effectLst>
+              </a:defRPr>
+            </a:lvl1pPr>
+          </a:lstStyle>
+          <a:p>
+            <a:r>
+              <a:rPr lang="en-US"/>
+              <a:t>Click to edit Master title style</a:t>
+            </a:r>
+            <a:endParaRPr dirty="0"/>
+          </a:p>
+        </p:txBody>
+      </p:sp>
+      <p:sp>
+        <p:nvSpPr>
+          <p:cNvPr id="3" name="Subtitle 2"/>
+          <p:cNvSpPr>
+            <a:spLocks noGrp="1"/>
+          </p:cNvSpPr>
+          <p:nvPr>
+            <p:ph type="subTitle" idx="1"/>
           </p:nvPr>
         </p:nvSpPr>
         <p:spPr>
           <a:xfrm>
-            <a:off x="1524000" y="1122363"/>
-            <a:ext cx="9144000" cy="2387600"/>
+            <a:off x="1522413" y="5029200"/>
+            <a:ext cx="8229598" cy="838200"/>
           </a:xfrm>
         </p:spPr>
         <p:txBody>
-          <a:bodyPr anchor="b"/>
-          <a:lstStyle>
-            <a:lvl1pPr algn="ctr">
-              <a:defRPr sz="6000"/>
-            </a:lvl1pPr>
-          </a:lstStyle>
-          <a:p>
-            <a:r>
-              <a:rPr lang="en-US"/>
-              <a:t>Click to edit Master title style</a:t>
-            </a:r>
-          </a:p>
-        </p:txBody>
-      </p:sp>
-      <p:sp>
-        <p:nvSpPr>
-          <p:cNvPr id="3" name="Subtitle 2">
-            <a:extLst>
-              <a:ext uri="{FF2B5EF4-FFF2-40B4-BE49-F238E27FC236}">
-                <a16:creationId xmlns:a16="http://schemas.microsoft.com/office/drawing/2014/main" id="{A924DB85-6AE9-4ACC-9131-5D924942E657}"/>
-              </a:ext>
-            </a:extLst>
-          </p:cNvPr>
-          <p:cNvSpPr>
-            <a:spLocks noGrp="1"/>
-          </p:cNvSpPr>
-          <p:nvPr>
-            <p:ph type="subTitle" idx="1"/>
-          </p:nvPr>
-        </p:nvSpPr>
-        <p:spPr>
-          <a:xfrm>
-            <a:off x="1524000" y="3602038"/>
-            <a:ext cx="9144000" cy="1655762"/>
-          </a:xfrm>
-        </p:spPr>
-        <p:txBody>
           <a:bodyPr/>
           <a:lstStyle>
-            <a:lvl1pPr marL="0" indent="0" algn="ctr">
-              <a:buNone/>
-              <a:defRPr sz="2400"/>
+            <a:lvl1pPr marL="0" indent="0" algn="l">
+              <a:lnSpc>
+                <a:spcPct val="90000"/>
+              </a:lnSpc>
+              <a:spcBef>
+                <a:spcPts val="0"/>
+              </a:spcBef>
+              <a:buNone/>
+              <a:defRPr>
+                <a:solidFill>
+                  <a:schemeClr val="tx1"/>
+                </a:solidFill>
+              </a:defRPr>
             </a:lvl1pPr>
             <a:lvl2pPr marL="457200" indent="0" algn="ctr">
               <a:buNone/>
-              <a:defRPr sz="2000"/>
+              <a:defRPr>
+                <a:solidFill>
+                  <a:schemeClr val="tx1">
+                    <a:tint val="75000"/>
+                  </a:schemeClr>
+                </a:solidFill>
+              </a:defRPr>
             </a:lvl2pPr>
             <a:lvl3pPr marL="914400" indent="0" algn="ctr">
               <a:buNone/>
-              <a:defRPr sz="1800"/>
+              <a:defRPr>
+                <a:solidFill>
+                  <a:schemeClr val="tx1">
+                    <a:tint val="75000"/>
+                  </a:schemeClr>
+                </a:solidFill>
+              </a:defRPr>
             </a:lvl3pPr>
             <a:lvl4pPr marL="1371600" indent="0" algn="ctr">
               <a:buNone/>
-              <a:defRPr sz="1600"/>
+              <a:defRPr>
+                <a:solidFill>
+                  <a:schemeClr val="tx1">
+                    <a:tint val="75000"/>
+                  </a:schemeClr>
+                </a:solidFill>
+              </a:defRPr>
             </a:lvl4pPr>
             <a:lvl5pPr marL="1828800" indent="0" algn="ctr">
               <a:buNone/>
-              <a:defRPr sz="1600"/>
+              <a:defRPr>
+                <a:solidFill>
+                  <a:schemeClr val="tx1">
+                    <a:tint val="75000"/>
+                  </a:schemeClr>
+                </a:solidFill>
+              </a:defRPr>
             </a:lvl5pPr>
             <a:lvl6pPr marL="2286000" indent="0" algn="ctr">
               <a:buNone/>
-              <a:defRPr sz="1600"/>
+              <a:defRPr>
+                <a:solidFill>
+                  <a:schemeClr val="tx1">
+                    <a:tint val="75000"/>
+                  </a:schemeClr>
+                </a:solidFill>
+              </a:defRPr>
             </a:lvl6pPr>
             <a:lvl7pPr marL="2743200" indent="0" algn="ctr">
               <a:buNone/>
-              <a:defRPr sz="1600"/>
+              <a:defRPr>
+                <a:solidFill>
+                  <a:schemeClr val="tx1">
+                    <a:tint val="75000"/>
+                  </a:schemeClr>
+                </a:solidFill>
+              </a:defRPr>
             </a:lvl7pPr>
             <a:lvl8pPr marL="3200400" indent="0" algn="ctr">
               <a:buNone/>
-              <a:defRPr sz="1600"/>
+              <a:defRPr>
+                <a:solidFill>
+                  <a:schemeClr val="tx1">
+                    <a:tint val="75000"/>
+                  </a:schemeClr>
+                </a:solidFill>
+              </a:defRPr>
             </a:lvl8pPr>
             <a:lvl9pPr marL="3657600" indent="0" algn="ctr">
               <a:buNone/>
-              <a:defRPr sz="1600"/>
+              <a:defRPr>
+                <a:solidFill>
+                  <a:schemeClr val="tx1">
+                    <a:tint val="75000"/>
+                  </a:schemeClr>
+                </a:solidFill>
+              </a:defRPr>
             </a:lvl9pPr>
           </a:lstStyle>
           <a:p>
@@ -228,23 +1541,18 @@
               <a:rPr lang="en-US"/>
               <a:t>Click to edit Master subtitle style</a:t>
             </a:r>
-          </a:p>
-        </p:txBody>
-      </p:sp>
-      <p:sp>
-        <p:nvSpPr>
-          <p:cNvPr id="4" name="Date Placeholder 3">
-            <a:extLst>
-              <a:ext uri="{FF2B5EF4-FFF2-40B4-BE49-F238E27FC236}">
-                <a16:creationId xmlns:a16="http://schemas.microsoft.com/office/drawing/2014/main" id="{A1037089-7CCC-4C4A-AE8B-BD26D23E9BCC}"/>
-              </a:ext>
-            </a:extLst>
-          </p:cNvPr>
-          <p:cNvSpPr>
-            <a:spLocks noGrp="1"/>
-          </p:cNvSpPr>
-          <p:nvPr>
-            <p:ph type="dt" sz="half" idx="10"/>
+            <a:endParaRPr/>
+          </a:p>
+        </p:txBody>
+      </p:sp>
+      <p:sp>
+        <p:nvSpPr>
+          <p:cNvPr id="21" name="Footer Placeholder 20"/>
+          <p:cNvSpPr>
+            <a:spLocks noGrp="1"/>
+          </p:cNvSpPr>
+          <p:nvPr>
+            <p:ph type="ftr" sz="quarter" idx="11"/>
           </p:nvPr>
         </p:nvSpPr>
         <p:spPr/>
@@ -252,28 +1560,21 @@
           <a:bodyPr/>
           <a:lstStyle/>
           <a:p>
-            <a:fld id="{B35C612F-4AC4-4563-83CE-4CCA5C3DC222}" type="datetimeFigureOut">
-              <a:rPr lang="en-US" smtClean="0"/>
-              <a:t>8/8/2018</a:t>
-            </a:fld>
-            <a:endParaRPr lang="en-US"/>
-          </a:p>
-        </p:txBody>
-      </p:sp>
-      <p:sp>
-        <p:nvSpPr>
-          <p:cNvPr id="5" name="Footer Placeholder 4">
-            <a:extLst>
-              <a:ext uri="{FF2B5EF4-FFF2-40B4-BE49-F238E27FC236}">
-                <a16:creationId xmlns:a16="http://schemas.microsoft.com/office/drawing/2014/main" id="{A739AE77-C3AB-48A1-BC79-64325808DF87}"/>
-              </a:ext>
-            </a:extLst>
-          </p:cNvPr>
-          <p:cNvSpPr>
-            <a:spLocks noGrp="1"/>
-          </p:cNvSpPr>
-          <p:nvPr>
-            <p:ph type="ftr" sz="quarter" idx="11"/>
+            <a:r>
+              <a:rPr lang="en-US" dirty="0"/>
+              <a:t>Add a footer</a:t>
+            </a:r>
+          </a:p>
+        </p:txBody>
+      </p:sp>
+      <p:sp>
+        <p:nvSpPr>
+          <p:cNvPr id="20" name="Date Placeholder 19"/>
+          <p:cNvSpPr>
+            <a:spLocks noGrp="1"/>
+          </p:cNvSpPr>
+          <p:nvPr>
+            <p:ph type="dt" sz="half" idx="10"/>
           </p:nvPr>
         </p:nvSpPr>
         <p:spPr/>
@@ -281,19 +1582,17 @@
           <a:bodyPr/>
           <a:lstStyle/>
           <a:p>
-            <a:endParaRPr lang="en-US"/>
-          </a:p>
-        </p:txBody>
-      </p:sp>
-      <p:sp>
-        <p:nvSpPr>
-          <p:cNvPr id="6" name="Slide Number Placeholder 5">
-            <a:extLst>
-              <a:ext uri="{FF2B5EF4-FFF2-40B4-BE49-F238E27FC236}">
-                <a16:creationId xmlns:a16="http://schemas.microsoft.com/office/drawing/2014/main" id="{14A4F196-3511-429C-B576-EA788E22DCCF}"/>
-              </a:ext>
-            </a:extLst>
-          </p:cNvPr>
+            <a:fld id="{333B76B7-5811-4114-8A95-998148FFD529}" type="datetime1">
+              <a:rPr lang="en-US" smtClean="0"/>
+              <a:t>8/9/2018</a:t>
+            </a:fld>
+            <a:endParaRPr lang="en-US" dirty="0"/>
+          </a:p>
+        </p:txBody>
+      </p:sp>
+      <p:sp>
+        <p:nvSpPr>
+          <p:cNvPr id="22" name="Slide Number Placeholder 21"/>
           <p:cNvSpPr>
             <a:spLocks noGrp="1"/>
           </p:cNvSpPr>
@@ -306,24 +1605,37 @@
           <a:bodyPr/>
           <a:lstStyle/>
           <a:p>
-            <a:fld id="{00AA4107-D9FB-4ECC-A278-01A88F00319C}" type="slidenum">
+            <a:fld id="{DF28FB93-0A08-4E7D-8E63-9EFA29F1E093}" type="slidenum">
               <a:rPr lang="en-US" smtClean="0"/>
+              <a:pPr/>
               <a:t>‹#›</a:t>
             </a:fld>
-            <a:endParaRPr lang="en-US"/>
+            <a:endParaRPr lang="en-US" dirty="0"/>
           </a:p>
         </p:txBody>
       </p:sp>
     </p:spTree>
     <p:extLst>
       <p:ext uri="{BB962C8B-B14F-4D97-AF65-F5344CB8AC3E}">
-        <p14:creationId xmlns:p14="http://schemas.microsoft.com/office/powerpoint/2010/main" val="2181623628"/>
+        <p14:creationId xmlns:p14="http://schemas.microsoft.com/office/powerpoint/2010/main" val="4088169977"/>
       </p:ext>
     </p:extLst>
   </p:cSld>
   <p:clrMapOvr>
     <a:masterClrMapping/>
   </p:clrMapOvr>
+  <mc:AlternateContent xmlns:mc="http://schemas.openxmlformats.org/markup-compatibility/2006" xmlns:p14="http://schemas.microsoft.com/office/powerpoint/2010/main">
+    <mc:Choice Requires="p14">
+      <p:transition spd="med" p14:dur="700">
+        <p:fade/>
+      </p:transition>
+    </mc:Choice>
+    <mc:Fallback xmlns="">
+      <p:transition spd="med">
+        <p:fade/>
+      </p:transition>
+    </mc:Fallback>
+  </mc:AlternateContent>
 </p:sldLayout>
 </file>
 
@@ -346,13 +1658,7 @@
       </p:grpSpPr>
       <p:sp>
         <p:nvSpPr>
-          <p:cNvPr id="2" name="Title 1">
-            <a:extLst>
-              <a:ext uri="{FF2B5EF4-FFF2-40B4-BE49-F238E27FC236}">
-                <a16:creationId xmlns:a16="http://schemas.microsoft.com/office/drawing/2014/main" id="{D430698C-2D0B-4E95-B01C-B460D72D7362}"/>
-              </a:ext>
-            </a:extLst>
-          </p:cNvPr>
+          <p:cNvPr id="2" name="Title 1"/>
           <p:cNvSpPr>
             <a:spLocks noGrp="1"/>
           </p:cNvSpPr>
@@ -369,18 +1675,13 @@
               <a:rPr lang="en-US"/>
               <a:t>Click to edit Master title style</a:t>
             </a:r>
-          </a:p>
-        </p:txBody>
-      </p:sp>
-      <p:sp>
-        <p:nvSpPr>
-          <p:cNvPr id="3" name="Vertical Text Placeholder 2">
-            <a:extLst>
-              <a:ext uri="{FF2B5EF4-FFF2-40B4-BE49-F238E27FC236}">
-                <a16:creationId xmlns:a16="http://schemas.microsoft.com/office/drawing/2014/main" id="{A7A8E619-9768-4144-B85A-ADD7CE348FEB}"/>
-              </a:ext>
-            </a:extLst>
-          </p:cNvPr>
+            <a:endParaRPr/>
+          </a:p>
+        </p:txBody>
+      </p:sp>
+      <p:sp>
+        <p:nvSpPr>
+          <p:cNvPr id="3" name="Vertical Text Placeholder 2"/>
           <p:cNvSpPr>
             <a:spLocks noGrp="1"/>
           </p:cNvSpPr>
@@ -391,7 +1692,23 @@
         <p:spPr/>
         <p:txBody>
           <a:bodyPr vert="eaVert"/>
-          <a:lstStyle/>
+          <a:lstStyle>
+            <a:lvl5pPr>
+              <a:defRPr/>
+            </a:lvl5pPr>
+            <a:lvl6pPr>
+              <a:defRPr/>
+            </a:lvl6pPr>
+            <a:lvl7pPr>
+              <a:defRPr/>
+            </a:lvl7pPr>
+            <a:lvl8pPr>
+              <a:defRPr/>
+            </a:lvl8pPr>
+            <a:lvl9pPr>
+              <a:defRPr/>
+            </a:lvl9pPr>
+          </a:lstStyle>
           <a:p>
             <a:pPr lvl="0"/>
             <a:r>
@@ -426,23 +1743,18 @@
               <a:rPr lang="en-US"/>
               <a:t>Fifth level</a:t>
             </a:r>
-          </a:p>
-        </p:txBody>
-      </p:sp>
-      <p:sp>
-        <p:nvSpPr>
-          <p:cNvPr id="4" name="Date Placeholder 3">
-            <a:extLst>
-              <a:ext uri="{FF2B5EF4-FFF2-40B4-BE49-F238E27FC236}">
-                <a16:creationId xmlns:a16="http://schemas.microsoft.com/office/drawing/2014/main" id="{6FF8D8D5-D602-49B9-B2D1-DC0C6826DD4C}"/>
-              </a:ext>
-            </a:extLst>
-          </p:cNvPr>
-          <p:cNvSpPr>
-            <a:spLocks noGrp="1"/>
-          </p:cNvSpPr>
-          <p:nvPr>
-            <p:ph type="dt" sz="half" idx="10"/>
+            <a:endParaRPr/>
+          </a:p>
+        </p:txBody>
+      </p:sp>
+      <p:sp>
+        <p:nvSpPr>
+          <p:cNvPr id="5" name="Footer Placeholder 4"/>
+          <p:cNvSpPr>
+            <a:spLocks noGrp="1"/>
+          </p:cNvSpPr>
+          <p:nvPr>
+            <p:ph type="ftr" sz="quarter" idx="11"/>
           </p:nvPr>
         </p:nvSpPr>
         <p:spPr/>
@@ -450,28 +1762,21 @@
           <a:bodyPr/>
           <a:lstStyle/>
           <a:p>
-            <a:fld id="{B35C612F-4AC4-4563-83CE-4CCA5C3DC222}" type="datetimeFigureOut">
-              <a:rPr lang="en-US" smtClean="0"/>
-              <a:t>8/8/2018</a:t>
-            </a:fld>
-            <a:endParaRPr lang="en-US"/>
-          </a:p>
-        </p:txBody>
-      </p:sp>
-      <p:sp>
-        <p:nvSpPr>
-          <p:cNvPr id="5" name="Footer Placeholder 4">
-            <a:extLst>
-              <a:ext uri="{FF2B5EF4-FFF2-40B4-BE49-F238E27FC236}">
-                <a16:creationId xmlns:a16="http://schemas.microsoft.com/office/drawing/2014/main" id="{A2B886A4-ED55-4586-986E-317606281049}"/>
-              </a:ext>
-            </a:extLst>
-          </p:cNvPr>
-          <p:cNvSpPr>
-            <a:spLocks noGrp="1"/>
-          </p:cNvSpPr>
-          <p:nvPr>
-            <p:ph type="ftr" sz="quarter" idx="11"/>
+            <a:r>
+              <a:rPr lang="en-US" dirty="0"/>
+              <a:t>Add a footer</a:t>
+            </a:r>
+          </a:p>
+        </p:txBody>
+      </p:sp>
+      <p:sp>
+        <p:nvSpPr>
+          <p:cNvPr id="4" name="Date Placeholder 3"/>
+          <p:cNvSpPr>
+            <a:spLocks noGrp="1"/>
+          </p:cNvSpPr>
+          <p:nvPr>
+            <p:ph type="dt" sz="half" idx="10"/>
           </p:nvPr>
         </p:nvSpPr>
         <p:spPr/>
@@ -479,19 +1784,17 @@
           <a:bodyPr/>
           <a:lstStyle/>
           <a:p>
-            <a:endParaRPr lang="en-US"/>
-          </a:p>
-        </p:txBody>
-      </p:sp>
-      <p:sp>
-        <p:nvSpPr>
-          <p:cNvPr id="6" name="Slide Number Placeholder 5">
-            <a:extLst>
-              <a:ext uri="{FF2B5EF4-FFF2-40B4-BE49-F238E27FC236}">
-                <a16:creationId xmlns:a16="http://schemas.microsoft.com/office/drawing/2014/main" id="{875524F6-5901-45BD-99FB-C4644982520E}"/>
-              </a:ext>
-            </a:extLst>
-          </p:cNvPr>
+            <a:fld id="{175C077A-EF7A-41AA-8976-110EB7416C60}" type="datetime1">
+              <a:rPr lang="en-US" smtClean="0"/>
+              <a:t>8/9/2018</a:t>
+            </a:fld>
+            <a:endParaRPr lang="en-US" dirty="0"/>
+          </a:p>
+        </p:txBody>
+      </p:sp>
+      <p:sp>
+        <p:nvSpPr>
+          <p:cNvPr id="6" name="Slide Number Placeholder 5"/>
           <p:cNvSpPr>
             <a:spLocks noGrp="1"/>
           </p:cNvSpPr>
@@ -504,24 +1807,37 @@
           <a:bodyPr/>
           <a:lstStyle/>
           <a:p>
-            <a:fld id="{00AA4107-D9FB-4ECC-A278-01A88F00319C}" type="slidenum">
+            <a:fld id="{DF28FB93-0A08-4E7D-8E63-9EFA29F1E093}" type="slidenum">
               <a:rPr lang="en-US" smtClean="0"/>
+              <a:pPr/>
               <a:t>‹#›</a:t>
             </a:fld>
-            <a:endParaRPr lang="en-US"/>
+            <a:endParaRPr lang="en-US" dirty="0"/>
           </a:p>
         </p:txBody>
       </p:sp>
     </p:spTree>
     <p:extLst>
       <p:ext uri="{BB962C8B-B14F-4D97-AF65-F5344CB8AC3E}">
-        <p14:creationId xmlns:p14="http://schemas.microsoft.com/office/powerpoint/2010/main" val="338448231"/>
+        <p14:creationId xmlns:p14="http://schemas.microsoft.com/office/powerpoint/2010/main" val="2223790522"/>
       </p:ext>
     </p:extLst>
   </p:cSld>
   <p:clrMapOvr>
     <a:masterClrMapping/>
   </p:clrMapOvr>
+  <mc:AlternateContent xmlns:mc="http://schemas.openxmlformats.org/markup-compatibility/2006" xmlns:p14="http://schemas.microsoft.com/office/powerpoint/2010/main">
+    <mc:Choice Requires="p14">
+      <p:transition spd="med" p14:dur="700">
+        <p:fade/>
+      </p:transition>
+    </mc:Choice>
+    <mc:Fallback xmlns="">
+      <p:transition spd="med">
+        <p:fade/>
+      </p:transition>
+    </mc:Fallback>
+  </mc:AlternateContent>
 </p:sldLayout>
 </file>
 
@@ -544,13 +1860,7 @@
       </p:grpSpPr>
       <p:sp>
         <p:nvSpPr>
-          <p:cNvPr id="2" name="Vertical Title 1">
-            <a:extLst>
-              <a:ext uri="{FF2B5EF4-FFF2-40B4-BE49-F238E27FC236}">
-                <a16:creationId xmlns:a16="http://schemas.microsoft.com/office/drawing/2014/main" id="{659AD971-6415-4768-9969-43831E034C59}"/>
-              </a:ext>
-            </a:extLst>
-          </p:cNvPr>
+          <p:cNvPr id="2" name="Vertical Title 1"/>
           <p:cNvSpPr>
             <a:spLocks noGrp="1"/>
           </p:cNvSpPr>
@@ -560,8 +1870,8 @@
         </p:nvSpPr>
         <p:spPr>
           <a:xfrm>
-            <a:off x="8724900" y="365125"/>
-            <a:ext cx="2628900" cy="5811838"/>
+            <a:off x="9494507" y="609600"/>
+            <a:ext cx="1143001" cy="5410200"/>
           </a:xfrm>
         </p:spPr>
         <p:txBody>
@@ -572,18 +1882,13 @@
               <a:rPr lang="en-US"/>
               <a:t>Click to edit Master title style</a:t>
             </a:r>
-          </a:p>
-        </p:txBody>
-      </p:sp>
-      <p:sp>
-        <p:nvSpPr>
-          <p:cNvPr id="3" name="Vertical Text Placeholder 2">
-            <a:extLst>
-              <a:ext uri="{FF2B5EF4-FFF2-40B4-BE49-F238E27FC236}">
-                <a16:creationId xmlns:a16="http://schemas.microsoft.com/office/drawing/2014/main" id="{CB6D0D1B-746B-4880-B38E-2812D06651BA}"/>
-              </a:ext>
-            </a:extLst>
-          </p:cNvPr>
+            <a:endParaRPr/>
+          </a:p>
+        </p:txBody>
+      </p:sp>
+      <p:sp>
+        <p:nvSpPr>
+          <p:cNvPr id="3" name="Vertical Text Placeholder 2"/>
           <p:cNvSpPr>
             <a:spLocks noGrp="1"/>
           </p:cNvSpPr>
@@ -593,13 +1898,29 @@
         </p:nvSpPr>
         <p:spPr>
           <a:xfrm>
-            <a:off x="838200" y="365125"/>
-            <a:ext cx="7734300" cy="5811838"/>
+            <a:off x="1522413" y="609600"/>
+            <a:ext cx="7696198" cy="5410200"/>
           </a:xfrm>
         </p:spPr>
         <p:txBody>
           <a:bodyPr vert="eaVert"/>
-          <a:lstStyle/>
+          <a:lstStyle>
+            <a:lvl5pPr>
+              <a:defRPr/>
+            </a:lvl5pPr>
+            <a:lvl6pPr>
+              <a:defRPr/>
+            </a:lvl6pPr>
+            <a:lvl7pPr>
+              <a:defRPr/>
+            </a:lvl7pPr>
+            <a:lvl8pPr>
+              <a:defRPr/>
+            </a:lvl8pPr>
+            <a:lvl9pPr>
+              <a:defRPr/>
+            </a:lvl9pPr>
+          </a:lstStyle>
           <a:p>
             <a:pPr lvl="0"/>
             <a:r>
@@ -634,23 +1955,18 @@
               <a:rPr lang="en-US"/>
               <a:t>Fifth level</a:t>
             </a:r>
-          </a:p>
-        </p:txBody>
-      </p:sp>
-      <p:sp>
-        <p:nvSpPr>
-          <p:cNvPr id="4" name="Date Placeholder 3">
-            <a:extLst>
-              <a:ext uri="{FF2B5EF4-FFF2-40B4-BE49-F238E27FC236}">
-                <a16:creationId xmlns:a16="http://schemas.microsoft.com/office/drawing/2014/main" id="{6DBF3CE0-37B8-404E-865D-CC07A450B514}"/>
-              </a:ext>
-            </a:extLst>
-          </p:cNvPr>
-          <p:cNvSpPr>
-            <a:spLocks noGrp="1"/>
-          </p:cNvSpPr>
-          <p:nvPr>
-            <p:ph type="dt" sz="half" idx="10"/>
+            <a:endParaRPr/>
+          </a:p>
+        </p:txBody>
+      </p:sp>
+      <p:sp>
+        <p:nvSpPr>
+          <p:cNvPr id="5" name="Footer Placeholder 4"/>
+          <p:cNvSpPr>
+            <a:spLocks noGrp="1"/>
+          </p:cNvSpPr>
+          <p:nvPr>
+            <p:ph type="ftr" sz="quarter" idx="11"/>
           </p:nvPr>
         </p:nvSpPr>
         <p:spPr/>
@@ -658,28 +1974,21 @@
           <a:bodyPr/>
           <a:lstStyle/>
           <a:p>
-            <a:fld id="{B35C612F-4AC4-4563-83CE-4CCA5C3DC222}" type="datetimeFigureOut">
-              <a:rPr lang="en-US" smtClean="0"/>
-              <a:t>8/8/2018</a:t>
-            </a:fld>
-            <a:endParaRPr lang="en-US"/>
-          </a:p>
-        </p:txBody>
-      </p:sp>
-      <p:sp>
-        <p:nvSpPr>
-          <p:cNvPr id="5" name="Footer Placeholder 4">
-            <a:extLst>
-              <a:ext uri="{FF2B5EF4-FFF2-40B4-BE49-F238E27FC236}">
-                <a16:creationId xmlns:a16="http://schemas.microsoft.com/office/drawing/2014/main" id="{222BD07F-2B71-4862-9892-9B4021C77A43}"/>
-              </a:ext>
-            </a:extLst>
-          </p:cNvPr>
-          <p:cNvSpPr>
-            <a:spLocks noGrp="1"/>
-          </p:cNvSpPr>
-          <p:nvPr>
-            <p:ph type="ftr" sz="quarter" idx="11"/>
+            <a:r>
+              <a:rPr lang="en-US" dirty="0"/>
+              <a:t>Add a footer</a:t>
+            </a:r>
+          </a:p>
+        </p:txBody>
+      </p:sp>
+      <p:sp>
+        <p:nvSpPr>
+          <p:cNvPr id="4" name="Date Placeholder 3"/>
+          <p:cNvSpPr>
+            <a:spLocks noGrp="1"/>
+          </p:cNvSpPr>
+          <p:nvPr>
+            <p:ph type="dt" sz="half" idx="10"/>
           </p:nvPr>
         </p:nvSpPr>
         <p:spPr/>
@@ -687,19 +1996,17 @@
           <a:bodyPr/>
           <a:lstStyle/>
           <a:p>
-            <a:endParaRPr lang="en-US"/>
-          </a:p>
-        </p:txBody>
-      </p:sp>
-      <p:sp>
-        <p:nvSpPr>
-          <p:cNvPr id="6" name="Slide Number Placeholder 5">
-            <a:extLst>
-              <a:ext uri="{FF2B5EF4-FFF2-40B4-BE49-F238E27FC236}">
-                <a16:creationId xmlns:a16="http://schemas.microsoft.com/office/drawing/2014/main" id="{A12869D7-986A-492C-B607-8EB500E3C6FC}"/>
-              </a:ext>
-            </a:extLst>
-          </p:cNvPr>
+            <a:fld id="{CFF5912B-6681-4BDF-AE10-F59636249FF3}" type="datetime1">
+              <a:rPr lang="en-US" smtClean="0"/>
+              <a:t>8/9/2018</a:t>
+            </a:fld>
+            <a:endParaRPr lang="en-US" dirty="0"/>
+          </a:p>
+        </p:txBody>
+      </p:sp>
+      <p:sp>
+        <p:nvSpPr>
+          <p:cNvPr id="6" name="Slide Number Placeholder 5"/>
           <p:cNvSpPr>
             <a:spLocks noGrp="1"/>
           </p:cNvSpPr>
@@ -712,29 +2019,234 @@
           <a:bodyPr/>
           <a:lstStyle/>
           <a:p>
-            <a:fld id="{00AA4107-D9FB-4ECC-A278-01A88F00319C}" type="slidenum">
+            <a:fld id="{DF28FB93-0A08-4E7D-8E63-9EFA29F1E093}" type="slidenum">
               <a:rPr lang="en-US" smtClean="0"/>
+              <a:pPr/>
               <a:t>‹#›</a:t>
             </a:fld>
-            <a:endParaRPr lang="en-US"/>
+            <a:endParaRPr lang="en-US" dirty="0"/>
           </a:p>
         </p:txBody>
       </p:sp>
     </p:spTree>
     <p:extLst>
       <p:ext uri="{BB962C8B-B14F-4D97-AF65-F5344CB8AC3E}">
-        <p14:creationId xmlns:p14="http://schemas.microsoft.com/office/powerpoint/2010/main" val="128096480"/>
+        <p14:creationId xmlns:p14="http://schemas.microsoft.com/office/powerpoint/2010/main" val="2653419351"/>
       </p:ext>
     </p:extLst>
   </p:cSld>
   <p:clrMapOvr>
     <a:masterClrMapping/>
   </p:clrMapOvr>
+  <mc:AlternateContent xmlns:mc="http://schemas.openxmlformats.org/markup-compatibility/2006" xmlns:p14="http://schemas.microsoft.com/office/powerpoint/2010/main">
+    <mc:Choice Requires="p14">
+      <p:transition spd="med" p14:dur="700">
+        <p:fade/>
+      </p:transition>
+    </mc:Choice>
+    <mc:Fallback xmlns="">
+      <p:transition spd="med">
+        <p:fade/>
+      </p:transition>
+    </mc:Fallback>
+  </mc:AlternateContent>
+</p:sldLayout>
+</file>
+
+<file path=ppt/slideLayouts/slideLayout12.xml><?xml version="1.0" encoding="utf-8"?>
+<p:sldLayout xmlns:a="http://schemas.openxmlformats.org/drawingml/2006/main" xmlns:r="http://schemas.openxmlformats.org/officeDocument/2006/relationships" xmlns:p="http://schemas.openxmlformats.org/presentationml/2006/main" preserve="1" userDrawn="1">
+  <p:cSld name="1_Title and Content">
+    <p:spTree>
+      <p:nvGrpSpPr>
+        <p:cNvPr id="1" name=""/>
+        <p:cNvGrpSpPr/>
+        <p:nvPr/>
+      </p:nvGrpSpPr>
+      <p:grpSpPr>
+        <a:xfrm>
+          <a:off x="0" y="0"/>
+          <a:ext cx="0" cy="0"/>
+          <a:chOff x="0" y="0"/>
+          <a:chExt cx="0" cy="0"/>
+        </a:xfrm>
+      </p:grpSpPr>
+      <p:sp>
+        <p:nvSpPr>
+          <p:cNvPr id="2" name="Title 1"/>
+          <p:cNvSpPr>
+            <a:spLocks noGrp="1"/>
+          </p:cNvSpPr>
+          <p:nvPr>
+            <p:ph type="title"/>
+          </p:nvPr>
+        </p:nvSpPr>
+        <p:spPr/>
+        <p:txBody>
+          <a:bodyPr>
+            <a:normAutofit/>
+          </a:bodyPr>
+          <a:lstStyle>
+            <a:lvl1pPr algn="l">
+              <a:defRPr sz="3200"/>
+            </a:lvl1pPr>
+          </a:lstStyle>
+          <a:p>
+            <a:r>
+              <a:rPr lang="en-US"/>
+              <a:t>Click to edit Master title style</a:t>
+            </a:r>
+            <a:endParaRPr/>
+          </a:p>
+        </p:txBody>
+      </p:sp>
+      <p:sp>
+        <p:nvSpPr>
+          <p:cNvPr id="3" name="Content Placeholder 2"/>
+          <p:cNvSpPr>
+            <a:spLocks noGrp="1"/>
+          </p:cNvSpPr>
+          <p:nvPr>
+            <p:ph idx="1"/>
+          </p:nvPr>
+        </p:nvSpPr>
+        <p:spPr/>
+        <p:txBody>
+          <a:bodyPr/>
+          <a:lstStyle/>
+          <a:p>
+            <a:pPr lvl="0"/>
+            <a:r>
+              <a:rPr lang="en-US"/>
+              <a:t>Edit Master text styles</a:t>
+            </a:r>
+          </a:p>
+          <a:p>
+            <a:pPr lvl="1"/>
+            <a:r>
+              <a:rPr lang="en-US"/>
+              <a:t>Second level</a:t>
+            </a:r>
+          </a:p>
+          <a:p>
+            <a:pPr lvl="2"/>
+            <a:r>
+              <a:rPr lang="en-US"/>
+              <a:t>Third level</a:t>
+            </a:r>
+          </a:p>
+          <a:p>
+            <a:pPr lvl="3"/>
+            <a:r>
+              <a:rPr lang="en-US"/>
+              <a:t>Fourth level</a:t>
+            </a:r>
+          </a:p>
+          <a:p>
+            <a:pPr lvl="4"/>
+            <a:r>
+              <a:rPr lang="en-US"/>
+              <a:t>Fifth level</a:t>
+            </a:r>
+            <a:endParaRPr dirty="0"/>
+          </a:p>
+        </p:txBody>
+      </p:sp>
+      <p:sp>
+        <p:nvSpPr>
+          <p:cNvPr id="5" name="Footer Placeholder 4"/>
+          <p:cNvSpPr>
+            <a:spLocks noGrp="1"/>
+          </p:cNvSpPr>
+          <p:nvPr>
+            <p:ph type="ftr" sz="quarter" idx="11"/>
+          </p:nvPr>
+        </p:nvSpPr>
+        <p:spPr/>
+        <p:txBody>
+          <a:bodyPr/>
+          <a:lstStyle/>
+          <a:p>
+            <a:r>
+              <a:rPr lang="en-US" dirty="0"/>
+              <a:t>Add a footer</a:t>
+            </a:r>
+          </a:p>
+        </p:txBody>
+      </p:sp>
+      <p:sp>
+        <p:nvSpPr>
+          <p:cNvPr id="4" name="Date Placeholder 3"/>
+          <p:cNvSpPr>
+            <a:spLocks noGrp="1"/>
+          </p:cNvSpPr>
+          <p:nvPr>
+            <p:ph type="dt" sz="half" idx="10"/>
+          </p:nvPr>
+        </p:nvSpPr>
+        <p:spPr/>
+        <p:txBody>
+          <a:bodyPr/>
+          <a:lstStyle/>
+          <a:p>
+            <a:fld id="{905C8E22-D0BA-4CB4-9C32-B27533199514}" type="datetime1">
+              <a:rPr lang="en-US" smtClean="0"/>
+              <a:t>8/9/2018</a:t>
+            </a:fld>
+            <a:endParaRPr dirty="0"/>
+          </a:p>
+        </p:txBody>
+      </p:sp>
+      <p:sp>
+        <p:nvSpPr>
+          <p:cNvPr id="6" name="Slide Number Placeholder 5"/>
+          <p:cNvSpPr>
+            <a:spLocks noGrp="1"/>
+          </p:cNvSpPr>
+          <p:nvPr>
+            <p:ph type="sldNum" sz="quarter" idx="12"/>
+          </p:nvPr>
+        </p:nvSpPr>
+        <p:spPr/>
+        <p:txBody>
+          <a:bodyPr/>
+          <a:lstStyle/>
+          <a:p>
+            <a:fld id="{DF28FB93-0A08-4E7D-8E63-9EFA29F1E093}" type="slidenum">
+              <a:rPr/>
+              <a:pPr/>
+              <a:t>‹#›</a:t>
+            </a:fld>
+            <a:endParaRPr dirty="0"/>
+          </a:p>
+        </p:txBody>
+      </p:sp>
+    </p:spTree>
+    <p:extLst>
+      <p:ext uri="{BB962C8B-B14F-4D97-AF65-F5344CB8AC3E}">
+        <p14:creationId xmlns:p14="http://schemas.microsoft.com/office/powerpoint/2010/main" val="506475798"/>
+      </p:ext>
+    </p:extLst>
+  </p:cSld>
+  <p:clrMapOvr>
+    <a:masterClrMapping/>
+  </p:clrMapOvr>
+  <mc:AlternateContent xmlns:mc="http://schemas.openxmlformats.org/markup-compatibility/2006" xmlns:p14="http://schemas.microsoft.com/office/powerpoint/2010/main">
+    <mc:Choice Requires="p14">
+      <p:transition spd="med" p14:dur="700">
+        <p:fade/>
+      </p:transition>
+    </mc:Choice>
+    <mc:Fallback xmlns="">
+      <p:transition spd="med">
+        <p:fade/>
+      </p:transition>
+    </mc:Fallback>
+  </mc:AlternateContent>
 </p:sldLayout>
 </file>
 
 <file path=ppt/slideLayouts/slideLayout2.xml><?xml version="1.0" encoding="utf-8"?>
-<p:sldLayout xmlns:a="http://schemas.openxmlformats.org/drawingml/2006/main" xmlns:r="http://schemas.openxmlformats.org/officeDocument/2006/relationships" xmlns:p="http://schemas.openxmlformats.org/presentationml/2006/main" type="obj" preserve="1">
+<p:sldLayout xmlns:a="http://schemas.openxmlformats.org/drawingml/2006/main" xmlns:r="http://schemas.openxmlformats.org/officeDocument/2006/relationships" xmlns:p="http://schemas.openxmlformats.org/presentationml/2006/main" preserve="1">
   <p:cSld name="Title and Content">
     <p:spTree>
       <p:nvGrpSpPr>
@@ -752,18 +2264,41 @@
       </p:grpSpPr>
       <p:sp>
         <p:nvSpPr>
-          <p:cNvPr id="2" name="Title 1">
-            <a:extLst>
-              <a:ext uri="{FF2B5EF4-FFF2-40B4-BE49-F238E27FC236}">
-                <a16:creationId xmlns:a16="http://schemas.microsoft.com/office/drawing/2014/main" id="{423C893F-8B6B-4B7E-A876-36584CCD1B40}"/>
-              </a:ext>
-            </a:extLst>
-          </p:cNvPr>
+          <p:cNvPr id="2" name="Title 1"/>
           <p:cNvSpPr>
             <a:spLocks noGrp="1"/>
           </p:cNvSpPr>
           <p:nvPr>
             <p:ph type="title"/>
+          </p:nvPr>
+        </p:nvSpPr>
+        <p:spPr/>
+        <p:txBody>
+          <a:bodyPr>
+            <a:normAutofit/>
+          </a:bodyPr>
+          <a:lstStyle>
+            <a:lvl1pPr algn="l">
+              <a:defRPr sz="3200"/>
+            </a:lvl1pPr>
+          </a:lstStyle>
+          <a:p>
+            <a:r>
+              <a:rPr lang="en-US"/>
+              <a:t>Click to edit Master title style</a:t>
+            </a:r>
+            <a:endParaRPr/>
+          </a:p>
+        </p:txBody>
+      </p:sp>
+      <p:sp>
+        <p:nvSpPr>
+          <p:cNvPr id="3" name="Content Placeholder 2"/>
+          <p:cNvSpPr>
+            <a:spLocks noGrp="1"/>
+          </p:cNvSpPr>
+          <p:nvPr>
+            <p:ph idx="1"/>
           </p:nvPr>
         </p:nvSpPr>
         <p:spPr/>
@@ -771,27 +2306,51 @@
           <a:bodyPr/>
           <a:lstStyle/>
           <a:p>
+            <a:pPr lvl="0"/>
             <a:r>
               <a:rPr lang="en-US"/>
-              <a:t>Click to edit Master title style</a:t>
-            </a:r>
-          </a:p>
-        </p:txBody>
-      </p:sp>
-      <p:sp>
-        <p:nvSpPr>
-          <p:cNvPr id="3" name="Content Placeholder 2">
-            <a:extLst>
-              <a:ext uri="{FF2B5EF4-FFF2-40B4-BE49-F238E27FC236}">
-                <a16:creationId xmlns:a16="http://schemas.microsoft.com/office/drawing/2014/main" id="{DDCD75E5-A410-4207-9BC0-BD8B0333BE31}"/>
-              </a:ext>
-            </a:extLst>
-          </p:cNvPr>
-          <p:cNvSpPr>
-            <a:spLocks noGrp="1"/>
-          </p:cNvSpPr>
-          <p:nvPr>
-            <p:ph idx="1"/>
+              <a:t>Edit Master text styles</a:t>
+            </a:r>
+          </a:p>
+          <a:p>
+            <a:pPr lvl="1"/>
+            <a:r>
+              <a:rPr lang="en-US"/>
+              <a:t>Second level</a:t>
+            </a:r>
+          </a:p>
+          <a:p>
+            <a:pPr lvl="2"/>
+            <a:r>
+              <a:rPr lang="en-US"/>
+              <a:t>Third level</a:t>
+            </a:r>
+          </a:p>
+          <a:p>
+            <a:pPr lvl="3"/>
+            <a:r>
+              <a:rPr lang="en-US"/>
+              <a:t>Fourth level</a:t>
+            </a:r>
+          </a:p>
+          <a:p>
+            <a:pPr lvl="4"/>
+            <a:r>
+              <a:rPr lang="en-US"/>
+              <a:t>Fifth level</a:t>
+            </a:r>
+            <a:endParaRPr dirty="0"/>
+          </a:p>
+        </p:txBody>
+      </p:sp>
+      <p:sp>
+        <p:nvSpPr>
+          <p:cNvPr id="5" name="Footer Placeholder 4"/>
+          <p:cNvSpPr>
+            <a:spLocks noGrp="1"/>
+          </p:cNvSpPr>
+          <p:nvPr>
+            <p:ph type="ftr" sz="quarter" idx="11"/>
           </p:nvPr>
         </p:nvSpPr>
         <p:spPr/>
@@ -799,51 +2358,16 @@
           <a:bodyPr/>
           <a:lstStyle/>
           <a:p>
-            <a:pPr lvl="0"/>
-            <a:r>
-              <a:rPr lang="en-US"/>
-              <a:t>Edit Master text styles</a:t>
-            </a:r>
-          </a:p>
-          <a:p>
-            <a:pPr lvl="1"/>
-            <a:r>
-              <a:rPr lang="en-US"/>
-              <a:t>Second level</a:t>
-            </a:r>
-          </a:p>
-          <a:p>
-            <a:pPr lvl="2"/>
-            <a:r>
-              <a:rPr lang="en-US"/>
-              <a:t>Third level</a:t>
-            </a:r>
-          </a:p>
-          <a:p>
-            <a:pPr lvl="3"/>
-            <a:r>
-              <a:rPr lang="en-US"/>
-              <a:t>Fourth level</a:t>
-            </a:r>
-          </a:p>
-          <a:p>
-            <a:pPr lvl="4"/>
-            <a:r>
-              <a:rPr lang="en-US"/>
-              <a:t>Fifth level</a:t>
-            </a:r>
-          </a:p>
-        </p:txBody>
-      </p:sp>
-      <p:sp>
-        <p:nvSpPr>
-          <p:cNvPr id="4" name="Date Placeholder 3">
-            <a:extLst>
-              <a:ext uri="{FF2B5EF4-FFF2-40B4-BE49-F238E27FC236}">
-                <a16:creationId xmlns:a16="http://schemas.microsoft.com/office/drawing/2014/main" id="{CF833B98-4CD8-43E5-BD8A-8E45D77B4BEB}"/>
-              </a:ext>
-            </a:extLst>
-          </p:cNvPr>
+            <a:r>
+              <a:rPr lang="en-US" dirty="0"/>
+              <a:t>Add a footer</a:t>
+            </a:r>
+          </a:p>
+        </p:txBody>
+      </p:sp>
+      <p:sp>
+        <p:nvSpPr>
+          <p:cNvPr id="4" name="Date Placeholder 3"/>
           <p:cNvSpPr>
             <a:spLocks noGrp="1"/>
           </p:cNvSpPr>
@@ -856,28 +2380,22 @@
           <a:bodyPr/>
           <a:lstStyle/>
           <a:p>
-            <a:fld id="{B35C612F-4AC4-4563-83CE-4CCA5C3DC222}" type="datetimeFigureOut">
+            <a:fld id="{FC2180A9-7A83-412D-A8AC-5AF60A8AA507}" type="datetime1">
               <a:rPr lang="en-US" smtClean="0"/>
-              <a:t>8/8/2018</a:t>
+              <a:t>8/9/2018</a:t>
             </a:fld>
-            <a:endParaRPr lang="en-US"/>
-          </a:p>
-        </p:txBody>
-      </p:sp>
-      <p:sp>
-        <p:nvSpPr>
-          <p:cNvPr id="5" name="Footer Placeholder 4">
-            <a:extLst>
-              <a:ext uri="{FF2B5EF4-FFF2-40B4-BE49-F238E27FC236}">
-                <a16:creationId xmlns:a16="http://schemas.microsoft.com/office/drawing/2014/main" id="{0A9FD96F-30FF-46A9-B8D4-D9A8814D285B}"/>
-              </a:ext>
-            </a:extLst>
-          </p:cNvPr>
-          <p:cNvSpPr>
-            <a:spLocks noGrp="1"/>
-          </p:cNvSpPr>
-          <p:nvPr>
-            <p:ph type="ftr" sz="quarter" idx="11"/>
+            <a:endParaRPr lang="en-US" dirty="0"/>
+          </a:p>
+        </p:txBody>
+      </p:sp>
+      <p:sp>
+        <p:nvSpPr>
+          <p:cNvPr id="6" name="Slide Number Placeholder 5"/>
+          <p:cNvSpPr>
+            <a:spLocks noGrp="1"/>
+          </p:cNvSpPr>
+          <p:nvPr>
+            <p:ph type="sldNum" sz="quarter" idx="12"/>
           </p:nvPr>
         </p:nvSpPr>
         <p:spPr/>
@@ -885,54 +2403,42 @@
           <a:bodyPr/>
           <a:lstStyle/>
           <a:p>
-            <a:endParaRPr lang="en-US"/>
-          </a:p>
-        </p:txBody>
-      </p:sp>
-      <p:sp>
-        <p:nvSpPr>
-          <p:cNvPr id="6" name="Slide Number Placeholder 5">
-            <a:extLst>
-              <a:ext uri="{FF2B5EF4-FFF2-40B4-BE49-F238E27FC236}">
-                <a16:creationId xmlns:a16="http://schemas.microsoft.com/office/drawing/2014/main" id="{48B5BBA5-5121-4175-985E-FEF2A19203AB}"/>
-              </a:ext>
-            </a:extLst>
-          </p:cNvPr>
-          <p:cNvSpPr>
-            <a:spLocks noGrp="1"/>
-          </p:cNvSpPr>
-          <p:nvPr>
-            <p:ph type="sldNum" sz="quarter" idx="12"/>
-          </p:nvPr>
-        </p:nvSpPr>
-        <p:spPr/>
-        <p:txBody>
-          <a:bodyPr/>
-          <a:lstStyle/>
-          <a:p>
-            <a:fld id="{00AA4107-D9FB-4ECC-A278-01A88F00319C}" type="slidenum">
+            <a:fld id="{DF28FB93-0A08-4E7D-8E63-9EFA29F1E093}" type="slidenum">
               <a:rPr lang="en-US" smtClean="0"/>
+              <a:pPr/>
               <a:t>‹#›</a:t>
             </a:fld>
-            <a:endParaRPr lang="en-US"/>
+            <a:endParaRPr lang="en-US" dirty="0"/>
           </a:p>
         </p:txBody>
       </p:sp>
     </p:spTree>
     <p:extLst>
       <p:ext uri="{BB962C8B-B14F-4D97-AF65-F5344CB8AC3E}">
-        <p14:creationId xmlns:p14="http://schemas.microsoft.com/office/powerpoint/2010/main" val="971420421"/>
+        <p14:creationId xmlns:p14="http://schemas.microsoft.com/office/powerpoint/2010/main" val="894591149"/>
       </p:ext>
     </p:extLst>
   </p:cSld>
   <p:clrMapOvr>
     <a:masterClrMapping/>
   </p:clrMapOvr>
+  <mc:AlternateContent xmlns:mc="http://schemas.openxmlformats.org/markup-compatibility/2006" xmlns:p14="http://schemas.microsoft.com/office/powerpoint/2010/main">
+    <mc:Choice Requires="p14">
+      <p:transition spd="med" p14:dur="700">
+        <p:fade/>
+      </p:transition>
+    </mc:Choice>
+    <mc:Fallback xmlns="">
+      <p:transition spd="med">
+        <p:fade/>
+      </p:transition>
+    </mc:Fallback>
+  </mc:AlternateContent>
 </p:sldLayout>
 </file>
 
 <file path=ppt/slideLayouts/slideLayout3.xml><?xml version="1.0" encoding="utf-8"?>
-<p:sldLayout xmlns:a="http://schemas.openxmlformats.org/drawingml/2006/main" xmlns:r="http://schemas.openxmlformats.org/officeDocument/2006/relationships" xmlns:p="http://schemas.openxmlformats.org/presentationml/2006/main" type="secHead" preserve="1">
+<p:sldLayout xmlns:a="http://schemas.openxmlformats.org/drawingml/2006/main" xmlns:r="http://schemas.openxmlformats.org/officeDocument/2006/relationships" xmlns:p="http://schemas.openxmlformats.org/presentationml/2006/main" showMasterSp="0" type="secHead" preserve="1">
   <p:cSld name="Section Header">
     <p:spTree>
       <p:nvGrpSpPr>
@@ -950,13 +2456,7 @@
       </p:grpSpPr>
       <p:sp>
         <p:nvSpPr>
-          <p:cNvPr id="2" name="Title 1">
-            <a:extLst>
-              <a:ext uri="{FF2B5EF4-FFF2-40B4-BE49-F238E27FC236}">
-                <a16:creationId xmlns:a16="http://schemas.microsoft.com/office/drawing/2014/main" id="{523ED453-C869-4639-A7FE-0F106F61E838}"/>
-              </a:ext>
-            </a:extLst>
-          </p:cNvPr>
+          <p:cNvPr id="2" name="Title 1"/>
           <p:cNvSpPr>
             <a:spLocks noGrp="1"/>
           </p:cNvSpPr>
@@ -966,15 +2466,17 @@
         </p:nvSpPr>
         <p:spPr>
           <a:xfrm>
-            <a:off x="831850" y="1709738"/>
-            <a:ext cx="10515600" cy="2852737"/>
+            <a:off x="1522413" y="1905000"/>
+            <a:ext cx="9144000" cy="2667000"/>
           </a:xfrm>
         </p:spPr>
         <p:txBody>
-          <a:bodyPr anchor="b"/>
+          <a:bodyPr anchor="b">
+            <a:normAutofit/>
+          </a:bodyPr>
           <a:lstStyle>
-            <a:lvl1pPr>
-              <a:defRPr sz="6000"/>
+            <a:lvl1pPr algn="l">
+              <a:defRPr sz="5400" b="0" cap="none" baseline="0"/>
             </a:lvl1pPr>
           </a:lstStyle>
           <a:p>
@@ -982,18 +2484,13 @@
               <a:rPr lang="en-US"/>
               <a:t>Click to edit Master title style</a:t>
             </a:r>
-          </a:p>
-        </p:txBody>
-      </p:sp>
-      <p:sp>
-        <p:nvSpPr>
-          <p:cNvPr id="3" name="Text Placeholder 2">
-            <a:extLst>
-              <a:ext uri="{FF2B5EF4-FFF2-40B4-BE49-F238E27FC236}">
-                <a16:creationId xmlns:a16="http://schemas.microsoft.com/office/drawing/2014/main" id="{81E74FE3-22DE-460B-8C34-1A9CD576BE26}"/>
-              </a:ext>
-            </a:extLst>
-          </p:cNvPr>
+            <a:endParaRPr/>
+          </a:p>
+        </p:txBody>
+      </p:sp>
+      <p:sp>
+        <p:nvSpPr>
+          <p:cNvPr id="3" name="Text Placeholder 2"/>
           <p:cNvSpPr>
             <a:spLocks noGrp="1"/>
           </p:cNvSpPr>
@@ -1003,26 +2500,29 @@
         </p:nvSpPr>
         <p:spPr>
           <a:xfrm>
-            <a:off x="831850" y="4589463"/>
-            <a:ext cx="10515600" cy="1500187"/>
+            <a:off x="1522413" y="4876800"/>
+            <a:ext cx="8229598" cy="1143000"/>
           </a:xfrm>
         </p:spPr>
         <p:txBody>
-          <a:bodyPr/>
+          <a:bodyPr anchor="t">
+            <a:normAutofit/>
+          </a:bodyPr>
           <a:lstStyle>
             <a:lvl1pPr marL="0" indent="0">
+              <a:spcBef>
+                <a:spcPts val="0"/>
+              </a:spcBef>
               <a:buNone/>
               <a:defRPr sz="2400">
                 <a:solidFill>
-                  <a:schemeClr val="tx1">
-                    <a:tint val="75000"/>
-                  </a:schemeClr>
+                  <a:schemeClr val="tx1"/>
                 </a:solidFill>
               </a:defRPr>
             </a:lvl1pPr>
             <a:lvl2pPr marL="457200" indent="0">
               <a:buNone/>
-              <a:defRPr sz="2000">
+              <a:defRPr sz="1800">
                 <a:solidFill>
                   <a:schemeClr val="tx1">
                     <a:tint val="75000"/>
@@ -1032,7 +2532,7 @@
             </a:lvl2pPr>
             <a:lvl3pPr marL="914400" indent="0">
               <a:buNone/>
-              <a:defRPr sz="1800">
+              <a:defRPr sz="1600">
                 <a:solidFill>
                   <a:schemeClr val="tx1">
                     <a:tint val="75000"/>
@@ -1042,7 +2542,7 @@
             </a:lvl3pPr>
             <a:lvl4pPr marL="1371600" indent="0">
               <a:buNone/>
-              <a:defRPr sz="1600">
+              <a:defRPr sz="1400">
                 <a:solidFill>
                   <a:schemeClr val="tx1">
                     <a:tint val="75000"/>
@@ -1052,7 +2552,7 @@
             </a:lvl4pPr>
             <a:lvl5pPr marL="1828800" indent="0">
               <a:buNone/>
-              <a:defRPr sz="1600">
+              <a:defRPr sz="1400">
                 <a:solidFill>
                   <a:schemeClr val="tx1">
                     <a:tint val="75000"/>
@@ -1062,7 +2562,7 @@
             </a:lvl5pPr>
             <a:lvl6pPr marL="2286000" indent="0">
               <a:buNone/>
-              <a:defRPr sz="1600">
+              <a:defRPr sz="1400">
                 <a:solidFill>
                   <a:schemeClr val="tx1">
                     <a:tint val="75000"/>
@@ -1072,7 +2572,7 @@
             </a:lvl6pPr>
             <a:lvl7pPr marL="2743200" indent="0">
               <a:buNone/>
-              <a:defRPr sz="1600">
+              <a:defRPr sz="1400">
                 <a:solidFill>
                   <a:schemeClr val="tx1">
                     <a:tint val="75000"/>
@@ -1082,7 +2582,7 @@
             </a:lvl7pPr>
             <a:lvl8pPr marL="3200400" indent="0">
               <a:buNone/>
-              <a:defRPr sz="1600">
+              <a:defRPr sz="1400">
                 <a:solidFill>
                   <a:schemeClr val="tx1">
                     <a:tint val="75000"/>
@@ -1092,7 +2592,7 @@
             </a:lvl8pPr>
             <a:lvl9pPr marL="3657600" indent="0">
               <a:buNone/>
-              <a:defRPr sz="1600">
+              <a:defRPr sz="1400">
                 <a:solidFill>
                   <a:schemeClr val="tx1">
                     <a:tint val="75000"/>
@@ -1112,13 +2612,37 @@
       </p:sp>
       <p:sp>
         <p:nvSpPr>
-          <p:cNvPr id="4" name="Date Placeholder 3">
-            <a:extLst>
-              <a:ext uri="{FF2B5EF4-FFF2-40B4-BE49-F238E27FC236}">
-                <a16:creationId xmlns:a16="http://schemas.microsoft.com/office/drawing/2014/main" id="{89F12C91-C86D-4080-9FC4-53F8B99D0901}"/>
-              </a:ext>
-            </a:extLst>
-          </p:cNvPr>
+          <p:cNvPr id="5" name="Footer Placeholder 4"/>
+          <p:cNvSpPr>
+            <a:spLocks noGrp="1"/>
+          </p:cNvSpPr>
+          <p:nvPr>
+            <p:ph type="ftr" sz="quarter" idx="11"/>
+          </p:nvPr>
+        </p:nvSpPr>
+        <p:spPr/>
+        <p:txBody>
+          <a:bodyPr/>
+          <a:lstStyle>
+            <a:lvl1pPr>
+              <a:defRPr>
+                <a:solidFill>
+                  <a:schemeClr val="tx1"/>
+                </a:solidFill>
+              </a:defRPr>
+            </a:lvl1pPr>
+          </a:lstStyle>
+          <a:p>
+            <a:r>
+              <a:rPr lang="en-US" dirty="0"/>
+              <a:t>Add a footer</a:t>
+            </a:r>
+          </a:p>
+        </p:txBody>
+      </p:sp>
+      <p:sp>
+        <p:nvSpPr>
+          <p:cNvPr id="4" name="Date Placeholder 3"/>
           <p:cNvSpPr>
             <a:spLocks noGrp="1"/>
           </p:cNvSpPr>
@@ -1129,80 +2653,78 @@
         <p:spPr/>
         <p:txBody>
           <a:bodyPr/>
-          <a:lstStyle/>
-          <a:p>
-            <a:fld id="{B35C612F-4AC4-4563-83CE-4CCA5C3DC222}" type="datetimeFigureOut">
+          <a:lstStyle>
+            <a:lvl1pPr>
+              <a:defRPr>
+                <a:solidFill>
+                  <a:schemeClr val="tx1"/>
+                </a:solidFill>
+              </a:defRPr>
+            </a:lvl1pPr>
+          </a:lstStyle>
+          <a:p>
+            <a:fld id="{6A563DF0-FDDF-4143-9D8C-6AF41892E174}" type="datetime1">
               <a:rPr lang="en-US" smtClean="0"/>
-              <a:t>8/8/2018</a:t>
+              <a:t>8/9/2018</a:t>
             </a:fld>
-            <a:endParaRPr lang="en-US"/>
-          </a:p>
-        </p:txBody>
-      </p:sp>
-      <p:sp>
-        <p:nvSpPr>
-          <p:cNvPr id="5" name="Footer Placeholder 4">
-            <a:extLst>
-              <a:ext uri="{FF2B5EF4-FFF2-40B4-BE49-F238E27FC236}">
-                <a16:creationId xmlns:a16="http://schemas.microsoft.com/office/drawing/2014/main" id="{1E3DB8EC-119A-49D7-A630-D18BE46439E7}"/>
-              </a:ext>
-            </a:extLst>
-          </p:cNvPr>
-          <p:cNvSpPr>
-            <a:spLocks noGrp="1"/>
-          </p:cNvSpPr>
-          <p:nvPr>
-            <p:ph type="ftr" sz="quarter" idx="11"/>
+            <a:endParaRPr lang="en-US" dirty="0"/>
+          </a:p>
+        </p:txBody>
+      </p:sp>
+      <p:sp>
+        <p:nvSpPr>
+          <p:cNvPr id="6" name="Slide Number Placeholder 5"/>
+          <p:cNvSpPr>
+            <a:spLocks noGrp="1"/>
+          </p:cNvSpPr>
+          <p:nvPr>
+            <p:ph type="sldNum" sz="quarter" idx="12"/>
           </p:nvPr>
         </p:nvSpPr>
         <p:spPr/>
         <p:txBody>
           <a:bodyPr/>
-          <a:lstStyle/>
-          <a:p>
-            <a:endParaRPr lang="en-US"/>
-          </a:p>
-        </p:txBody>
-      </p:sp>
-      <p:sp>
-        <p:nvSpPr>
-          <p:cNvPr id="6" name="Slide Number Placeholder 5">
-            <a:extLst>
-              <a:ext uri="{FF2B5EF4-FFF2-40B4-BE49-F238E27FC236}">
-                <a16:creationId xmlns:a16="http://schemas.microsoft.com/office/drawing/2014/main" id="{ADE8CF49-EC71-4538-BB0C-70318923AFEE}"/>
-              </a:ext>
-            </a:extLst>
-          </p:cNvPr>
-          <p:cNvSpPr>
-            <a:spLocks noGrp="1"/>
-          </p:cNvSpPr>
-          <p:nvPr>
-            <p:ph type="sldNum" sz="quarter" idx="12"/>
-          </p:nvPr>
-        </p:nvSpPr>
-        <p:spPr/>
-        <p:txBody>
-          <a:bodyPr/>
-          <a:lstStyle/>
-          <a:p>
-            <a:fld id="{00AA4107-D9FB-4ECC-A278-01A88F00319C}" type="slidenum">
+          <a:lstStyle>
+            <a:lvl1pPr>
+              <a:defRPr>
+                <a:solidFill>
+                  <a:schemeClr val="tx1"/>
+                </a:solidFill>
+              </a:defRPr>
+            </a:lvl1pPr>
+          </a:lstStyle>
+          <a:p>
+            <a:fld id="{DF28FB93-0A08-4E7D-8E63-9EFA29F1E093}" type="slidenum">
               <a:rPr lang="en-US" smtClean="0"/>
+              <a:pPr/>
               <a:t>‹#›</a:t>
             </a:fld>
-            <a:endParaRPr lang="en-US"/>
+            <a:endParaRPr lang="en-US" dirty="0"/>
           </a:p>
         </p:txBody>
       </p:sp>
     </p:spTree>
     <p:extLst>
       <p:ext uri="{BB962C8B-B14F-4D97-AF65-F5344CB8AC3E}">
-        <p14:creationId xmlns:p14="http://schemas.microsoft.com/office/powerpoint/2010/main" val="4133963136"/>
+        <p14:creationId xmlns:p14="http://schemas.microsoft.com/office/powerpoint/2010/main" val="3484106010"/>
       </p:ext>
     </p:extLst>
   </p:cSld>
   <p:clrMapOvr>
     <a:masterClrMapping/>
   </p:clrMapOvr>
+  <mc:AlternateContent xmlns:mc="http://schemas.openxmlformats.org/markup-compatibility/2006" xmlns:p14="http://schemas.microsoft.com/office/powerpoint/2010/main">
+    <mc:Choice Requires="p14">
+      <p:transition spd="med" p14:dur="700">
+        <p:fade/>
+      </p:transition>
+    </mc:Choice>
+    <mc:Fallback xmlns="">
+      <p:transition spd="med">
+        <p:fade/>
+      </p:transition>
+    </mc:Fallback>
+  </mc:AlternateContent>
 </p:sldLayout>
 </file>
 
@@ -1225,13 +2747,7 @@
       </p:grpSpPr>
       <p:sp>
         <p:nvSpPr>
-          <p:cNvPr id="2" name="Title 1">
-            <a:extLst>
-              <a:ext uri="{FF2B5EF4-FFF2-40B4-BE49-F238E27FC236}">
-                <a16:creationId xmlns:a16="http://schemas.microsoft.com/office/drawing/2014/main" id="{FA641BB9-6CE6-4A8A-8FA1-606FA5D4D959}"/>
-              </a:ext>
-            </a:extLst>
-          </p:cNvPr>
+          <p:cNvPr id="2" name="Title 1"/>
           <p:cNvSpPr>
             <a:spLocks noGrp="1"/>
           </p:cNvSpPr>
@@ -1248,18 +2764,13 @@
               <a:rPr lang="en-US"/>
               <a:t>Click to edit Master title style</a:t>
             </a:r>
-          </a:p>
-        </p:txBody>
-      </p:sp>
-      <p:sp>
-        <p:nvSpPr>
-          <p:cNvPr id="3" name="Content Placeholder 2">
-            <a:extLst>
-              <a:ext uri="{FF2B5EF4-FFF2-40B4-BE49-F238E27FC236}">
-                <a16:creationId xmlns:a16="http://schemas.microsoft.com/office/drawing/2014/main" id="{AFF8B46E-47B7-446D-8EEC-52C6CA65FB15}"/>
-              </a:ext>
-            </a:extLst>
-          </p:cNvPr>
+            <a:endParaRPr/>
+          </a:p>
+        </p:txBody>
+      </p:sp>
+      <p:sp>
+        <p:nvSpPr>
+          <p:cNvPr id="3" name="Content Placeholder 2"/>
           <p:cNvSpPr>
             <a:spLocks noGrp="1"/>
           </p:cNvSpPr>
@@ -1269,126 +2780,221 @@
         </p:nvSpPr>
         <p:spPr>
           <a:xfrm>
-            <a:off x="838200" y="1825625"/>
-            <a:ext cx="5181600" cy="4351338"/>
+            <a:off x="1522413" y="1904999"/>
+            <a:ext cx="4435564" cy="4088921"/>
           </a:xfrm>
         </p:spPr>
         <p:txBody>
+          <a:bodyPr>
+            <a:normAutofit/>
+          </a:bodyPr>
+          <a:lstStyle>
+            <a:lvl1pPr>
+              <a:defRPr sz="2400"/>
+            </a:lvl1pPr>
+            <a:lvl2pPr>
+              <a:defRPr sz="2000"/>
+            </a:lvl2pPr>
+            <a:lvl3pPr>
+              <a:defRPr sz="1800"/>
+            </a:lvl3pPr>
+            <a:lvl4pPr>
+              <a:defRPr sz="1600"/>
+            </a:lvl4pPr>
+            <a:lvl5pPr>
+              <a:defRPr sz="1600"/>
+            </a:lvl5pPr>
+            <a:lvl6pPr>
+              <a:defRPr sz="1600"/>
+            </a:lvl6pPr>
+            <a:lvl7pPr>
+              <a:defRPr sz="1600"/>
+            </a:lvl7pPr>
+            <a:lvl8pPr>
+              <a:defRPr sz="1600"/>
+            </a:lvl8pPr>
+            <a:lvl9pPr>
+              <a:defRPr sz="1600"/>
+            </a:lvl9pPr>
+          </a:lstStyle>
+          <a:p>
+            <a:pPr lvl="0"/>
+            <a:r>
+              <a:rPr lang="en-US"/>
+              <a:t>Edit Master text styles</a:t>
+            </a:r>
+          </a:p>
+          <a:p>
+            <a:pPr lvl="1"/>
+            <a:r>
+              <a:rPr lang="en-US"/>
+              <a:t>Second level</a:t>
+            </a:r>
+          </a:p>
+          <a:p>
+            <a:pPr lvl="2"/>
+            <a:r>
+              <a:rPr lang="en-US"/>
+              <a:t>Third level</a:t>
+            </a:r>
+          </a:p>
+          <a:p>
+            <a:pPr lvl="3"/>
+            <a:r>
+              <a:rPr lang="en-US"/>
+              <a:t>Fourth level</a:t>
+            </a:r>
+          </a:p>
+          <a:p>
+            <a:pPr lvl="4"/>
+            <a:r>
+              <a:rPr lang="en-US"/>
+              <a:t>Fifth level</a:t>
+            </a:r>
+            <a:endParaRPr/>
+          </a:p>
+        </p:txBody>
+      </p:sp>
+      <p:sp>
+        <p:nvSpPr>
+          <p:cNvPr id="4" name="Content Placeholder 3"/>
+          <p:cNvSpPr>
+            <a:spLocks noGrp="1"/>
+          </p:cNvSpPr>
+          <p:nvPr>
+            <p:ph sz="half" idx="2"/>
+          </p:nvPr>
+        </p:nvSpPr>
+        <p:spPr>
+          <a:xfrm>
+            <a:off x="6230849" y="1904999"/>
+            <a:ext cx="4435564" cy="4088921"/>
+          </a:xfrm>
+        </p:spPr>
+        <p:txBody>
+          <a:bodyPr>
+            <a:normAutofit/>
+          </a:bodyPr>
+          <a:lstStyle>
+            <a:lvl1pPr>
+              <a:defRPr sz="2400"/>
+            </a:lvl1pPr>
+            <a:lvl2pPr>
+              <a:defRPr sz="2000"/>
+            </a:lvl2pPr>
+            <a:lvl3pPr>
+              <a:defRPr sz="1800"/>
+            </a:lvl3pPr>
+            <a:lvl4pPr>
+              <a:defRPr sz="1600"/>
+            </a:lvl4pPr>
+            <a:lvl5pPr>
+              <a:defRPr sz="1600"/>
+            </a:lvl5pPr>
+            <a:lvl6pPr>
+              <a:defRPr sz="1600"/>
+            </a:lvl6pPr>
+            <a:lvl7pPr>
+              <a:defRPr sz="1600"/>
+            </a:lvl7pPr>
+            <a:lvl8pPr>
+              <a:defRPr sz="1600" baseline="0"/>
+            </a:lvl8pPr>
+            <a:lvl9pPr>
+              <a:defRPr sz="1600" baseline="0"/>
+            </a:lvl9pPr>
+          </a:lstStyle>
+          <a:p>
+            <a:pPr lvl="0"/>
+            <a:r>
+              <a:rPr lang="en-US"/>
+              <a:t>Edit Master text styles</a:t>
+            </a:r>
+          </a:p>
+          <a:p>
+            <a:pPr lvl="1"/>
+            <a:r>
+              <a:rPr lang="en-US"/>
+              <a:t>Second level</a:t>
+            </a:r>
+          </a:p>
+          <a:p>
+            <a:pPr lvl="2"/>
+            <a:r>
+              <a:rPr lang="en-US"/>
+              <a:t>Third level</a:t>
+            </a:r>
+          </a:p>
+          <a:p>
+            <a:pPr lvl="3"/>
+            <a:r>
+              <a:rPr lang="en-US"/>
+              <a:t>Fourth level</a:t>
+            </a:r>
+          </a:p>
+          <a:p>
+            <a:pPr lvl="4"/>
+            <a:r>
+              <a:rPr lang="en-US"/>
+              <a:t>Fifth level</a:t>
+            </a:r>
+            <a:endParaRPr/>
+          </a:p>
+        </p:txBody>
+      </p:sp>
+      <p:sp>
+        <p:nvSpPr>
+          <p:cNvPr id="6" name="Footer Placeholder 5"/>
+          <p:cNvSpPr>
+            <a:spLocks noGrp="1"/>
+          </p:cNvSpPr>
+          <p:nvPr>
+            <p:ph type="ftr" sz="quarter" idx="11"/>
+          </p:nvPr>
+        </p:nvSpPr>
+        <p:spPr/>
+        <p:txBody>
           <a:bodyPr/>
           <a:lstStyle/>
           <a:p>
-            <a:pPr lvl="0"/>
-            <a:r>
-              <a:rPr lang="en-US"/>
-              <a:t>Edit Master text styles</a:t>
-            </a:r>
-          </a:p>
-          <a:p>
-            <a:pPr lvl="1"/>
-            <a:r>
-              <a:rPr lang="en-US"/>
-              <a:t>Second level</a:t>
-            </a:r>
-          </a:p>
-          <a:p>
-            <a:pPr lvl="2"/>
-            <a:r>
-              <a:rPr lang="en-US"/>
-              <a:t>Third level</a:t>
-            </a:r>
-          </a:p>
-          <a:p>
-            <a:pPr lvl="3"/>
-            <a:r>
-              <a:rPr lang="en-US"/>
-              <a:t>Fourth level</a:t>
-            </a:r>
-          </a:p>
-          <a:p>
-            <a:pPr lvl="4"/>
-            <a:r>
-              <a:rPr lang="en-US"/>
-              <a:t>Fifth level</a:t>
-            </a:r>
-          </a:p>
-        </p:txBody>
-      </p:sp>
-      <p:sp>
-        <p:nvSpPr>
-          <p:cNvPr id="4" name="Content Placeholder 3">
-            <a:extLst>
-              <a:ext uri="{FF2B5EF4-FFF2-40B4-BE49-F238E27FC236}">
-                <a16:creationId xmlns:a16="http://schemas.microsoft.com/office/drawing/2014/main" id="{ABEFE49D-7621-4081-91D1-FF1DB1FB832E}"/>
-              </a:ext>
-            </a:extLst>
-          </p:cNvPr>
-          <p:cNvSpPr>
-            <a:spLocks noGrp="1"/>
-          </p:cNvSpPr>
-          <p:nvPr>
-            <p:ph sz="half" idx="2"/>
-          </p:nvPr>
-        </p:nvSpPr>
-        <p:spPr>
-          <a:xfrm>
-            <a:off x="6172200" y="1825625"/>
-            <a:ext cx="5181600" cy="4351338"/>
-          </a:xfrm>
-        </p:spPr>
+            <a:r>
+              <a:rPr lang="en-US" dirty="0"/>
+              <a:t>Add a footer</a:t>
+            </a:r>
+          </a:p>
+        </p:txBody>
+      </p:sp>
+      <p:sp>
+        <p:nvSpPr>
+          <p:cNvPr id="5" name="Date Placeholder 4"/>
+          <p:cNvSpPr>
+            <a:spLocks noGrp="1"/>
+          </p:cNvSpPr>
+          <p:nvPr>
+            <p:ph type="dt" sz="half" idx="10"/>
+          </p:nvPr>
+        </p:nvSpPr>
+        <p:spPr/>
         <p:txBody>
           <a:bodyPr/>
           <a:lstStyle/>
           <a:p>
-            <a:pPr lvl="0"/>
-            <a:r>
-              <a:rPr lang="en-US"/>
-              <a:t>Edit Master text styles</a:t>
-            </a:r>
-          </a:p>
-          <a:p>
-            <a:pPr lvl="1"/>
-            <a:r>
-              <a:rPr lang="en-US"/>
-              <a:t>Second level</a:t>
-            </a:r>
-          </a:p>
-          <a:p>
-            <a:pPr lvl="2"/>
-            <a:r>
-              <a:rPr lang="en-US"/>
-              <a:t>Third level</a:t>
-            </a:r>
-          </a:p>
-          <a:p>
-            <a:pPr lvl="3"/>
-            <a:r>
-              <a:rPr lang="en-US"/>
-              <a:t>Fourth level</a:t>
-            </a:r>
-          </a:p>
-          <a:p>
-            <a:pPr lvl="4"/>
-            <a:r>
-              <a:rPr lang="en-US"/>
-              <a:t>Fifth level</a:t>
-            </a:r>
-          </a:p>
-        </p:txBody>
-      </p:sp>
-      <p:sp>
-        <p:nvSpPr>
-          <p:cNvPr id="5" name="Date Placeholder 4">
-            <a:extLst>
-              <a:ext uri="{FF2B5EF4-FFF2-40B4-BE49-F238E27FC236}">
-                <a16:creationId xmlns:a16="http://schemas.microsoft.com/office/drawing/2014/main" id="{05F9E6AA-36A8-4001-B8FD-2D6256E7BAAE}"/>
-              </a:ext>
-            </a:extLst>
-          </p:cNvPr>
-          <p:cNvSpPr>
-            <a:spLocks noGrp="1"/>
-          </p:cNvSpPr>
-          <p:nvPr>
-            <p:ph type="dt" sz="half" idx="10"/>
+            <a:fld id="{38BB83F9-4677-4C31-8407-7919061A580B}" type="datetime1">
+              <a:rPr lang="en-US" smtClean="0"/>
+              <a:t>8/9/2018</a:t>
+            </a:fld>
+            <a:endParaRPr lang="en-US" dirty="0"/>
+          </a:p>
+        </p:txBody>
+      </p:sp>
+      <p:sp>
+        <p:nvSpPr>
+          <p:cNvPr id="7" name="Slide Number Placeholder 6"/>
+          <p:cNvSpPr>
+            <a:spLocks noGrp="1"/>
+          </p:cNvSpPr>
+          <p:nvPr>
+            <p:ph type="sldNum" sz="quarter" idx="12"/>
           </p:nvPr>
         </p:nvSpPr>
         <p:spPr/>
@@ -1396,78 +3002,37 @@
           <a:bodyPr/>
           <a:lstStyle/>
           <a:p>
-            <a:fld id="{B35C612F-4AC4-4563-83CE-4CCA5C3DC222}" type="datetimeFigureOut">
+            <a:fld id="{DF28FB93-0A08-4E7D-8E63-9EFA29F1E093}" type="slidenum">
               <a:rPr lang="en-US" smtClean="0"/>
-              <a:t>8/8/2018</a:t>
-            </a:fld>
-            <a:endParaRPr lang="en-US"/>
-          </a:p>
-        </p:txBody>
-      </p:sp>
-      <p:sp>
-        <p:nvSpPr>
-          <p:cNvPr id="6" name="Footer Placeholder 5">
-            <a:extLst>
-              <a:ext uri="{FF2B5EF4-FFF2-40B4-BE49-F238E27FC236}">
-                <a16:creationId xmlns:a16="http://schemas.microsoft.com/office/drawing/2014/main" id="{07FC8FB1-D20A-4E3C-ADBA-F862F5CE46D7}"/>
-              </a:ext>
-            </a:extLst>
-          </p:cNvPr>
-          <p:cNvSpPr>
-            <a:spLocks noGrp="1"/>
-          </p:cNvSpPr>
-          <p:nvPr>
-            <p:ph type="ftr" sz="quarter" idx="11"/>
-          </p:nvPr>
-        </p:nvSpPr>
-        <p:spPr/>
-        <p:txBody>
-          <a:bodyPr/>
-          <a:lstStyle/>
-          <a:p>
-            <a:endParaRPr lang="en-US"/>
-          </a:p>
-        </p:txBody>
-      </p:sp>
-      <p:sp>
-        <p:nvSpPr>
-          <p:cNvPr id="7" name="Slide Number Placeholder 6">
-            <a:extLst>
-              <a:ext uri="{FF2B5EF4-FFF2-40B4-BE49-F238E27FC236}">
-                <a16:creationId xmlns:a16="http://schemas.microsoft.com/office/drawing/2014/main" id="{1AB426A7-646E-4FD0-ADA3-992E6DB7A637}"/>
-              </a:ext>
-            </a:extLst>
-          </p:cNvPr>
-          <p:cNvSpPr>
-            <a:spLocks noGrp="1"/>
-          </p:cNvSpPr>
-          <p:nvPr>
-            <p:ph type="sldNum" sz="quarter" idx="12"/>
-          </p:nvPr>
-        </p:nvSpPr>
-        <p:spPr/>
-        <p:txBody>
-          <a:bodyPr/>
-          <a:lstStyle/>
-          <a:p>
-            <a:fld id="{00AA4107-D9FB-4ECC-A278-01A88F00319C}" type="slidenum">
-              <a:rPr lang="en-US" smtClean="0"/>
+              <a:pPr/>
               <a:t>‹#›</a:t>
             </a:fld>
-            <a:endParaRPr lang="en-US"/>
+            <a:endParaRPr lang="en-US" dirty="0"/>
           </a:p>
         </p:txBody>
       </p:sp>
     </p:spTree>
     <p:extLst>
       <p:ext uri="{BB962C8B-B14F-4D97-AF65-F5344CB8AC3E}">
-        <p14:creationId xmlns:p14="http://schemas.microsoft.com/office/powerpoint/2010/main" val="2551835964"/>
+        <p14:creationId xmlns:p14="http://schemas.microsoft.com/office/powerpoint/2010/main" val="1512259294"/>
       </p:ext>
     </p:extLst>
   </p:cSld>
   <p:clrMapOvr>
     <a:masterClrMapping/>
   </p:clrMapOvr>
+  <mc:AlternateContent xmlns:mc="http://schemas.openxmlformats.org/markup-compatibility/2006" xmlns:p14="http://schemas.microsoft.com/office/powerpoint/2010/main">
+    <mc:Choice Requires="p14">
+      <p:transition spd="med" p14:dur="700">
+        <p:fade/>
+      </p:transition>
+    </mc:Choice>
+    <mc:Fallback xmlns="">
+      <p:transition spd="med">
+        <p:fade/>
+      </p:transition>
+    </mc:Fallback>
+  </mc:AlternateContent>
 </p:sldLayout>
 </file>
 
@@ -1490,65 +3055,58 @@
       </p:grpSpPr>
       <p:sp>
         <p:nvSpPr>
-          <p:cNvPr id="2" name="Title 1">
-            <a:extLst>
-              <a:ext uri="{FF2B5EF4-FFF2-40B4-BE49-F238E27FC236}">
-                <a16:creationId xmlns:a16="http://schemas.microsoft.com/office/drawing/2014/main" id="{57269F15-7AD5-478B-A564-ACBE98ACB739}"/>
-              </a:ext>
-            </a:extLst>
-          </p:cNvPr>
+          <p:cNvPr id="2" name="Title 1"/>
           <p:cNvSpPr>
             <a:spLocks noGrp="1"/>
           </p:cNvSpPr>
           <p:nvPr>
             <p:ph type="title"/>
+          </p:nvPr>
+        </p:nvSpPr>
+        <p:spPr/>
+        <p:txBody>
+          <a:bodyPr/>
+          <a:lstStyle>
+            <a:lvl1pPr>
+              <a:defRPr/>
+            </a:lvl1pPr>
+          </a:lstStyle>
+          <a:p>
+            <a:r>
+              <a:rPr lang="en-US"/>
+              <a:t>Click to edit Master title style</a:t>
+            </a:r>
+            <a:endParaRPr/>
+          </a:p>
+        </p:txBody>
+      </p:sp>
+      <p:sp>
+        <p:nvSpPr>
+          <p:cNvPr id="3" name="Text Placeholder 2"/>
+          <p:cNvSpPr>
+            <a:spLocks noGrp="1"/>
+          </p:cNvSpPr>
+          <p:nvPr>
+            <p:ph type="body" idx="1"/>
           </p:nvPr>
         </p:nvSpPr>
         <p:spPr>
           <a:xfrm>
-            <a:off x="839788" y="365125"/>
-            <a:ext cx="10515600" cy="1325563"/>
+            <a:off x="1522413" y="1828800"/>
+            <a:ext cx="4419599" cy="685801"/>
           </a:xfrm>
         </p:spPr>
         <p:txBody>
-          <a:bodyPr/>
-          <a:lstStyle/>
-          <a:p>
-            <a:r>
-              <a:rPr lang="en-US"/>
-              <a:t>Click to edit Master title style</a:t>
-            </a:r>
-          </a:p>
-        </p:txBody>
-      </p:sp>
-      <p:sp>
-        <p:nvSpPr>
-          <p:cNvPr id="3" name="Text Placeholder 2">
-            <a:extLst>
-              <a:ext uri="{FF2B5EF4-FFF2-40B4-BE49-F238E27FC236}">
-                <a16:creationId xmlns:a16="http://schemas.microsoft.com/office/drawing/2014/main" id="{3AF61EAF-BD50-47E3-8247-2C50940C2CD5}"/>
-              </a:ext>
-            </a:extLst>
-          </p:cNvPr>
-          <p:cNvSpPr>
-            <a:spLocks noGrp="1"/>
-          </p:cNvSpPr>
-          <p:nvPr>
-            <p:ph type="body" idx="1"/>
-          </p:nvPr>
-        </p:nvSpPr>
-        <p:spPr>
-          <a:xfrm>
-            <a:off x="839788" y="1681163"/>
-            <a:ext cx="5157787" cy="823912"/>
-          </a:xfrm>
-        </p:spPr>
-        <p:txBody>
-          <a:bodyPr anchor="b"/>
+          <a:bodyPr anchor="ctr">
+            <a:normAutofit/>
+          </a:bodyPr>
           <a:lstStyle>
             <a:lvl1pPr marL="0" indent="0">
-              <a:buNone/>
-              <a:defRPr sz="2400" b="1"/>
+              <a:spcBef>
+                <a:spcPts val="0"/>
+              </a:spcBef>
+              <a:buNone/>
+              <a:defRPr sz="2000" b="1"/>
             </a:lvl1pPr>
             <a:lvl2pPr marL="457200" indent="0">
               <a:buNone/>
@@ -1594,13 +3152,7 @@
       </p:sp>
       <p:sp>
         <p:nvSpPr>
-          <p:cNvPr id="4" name="Content Placeholder 3">
-            <a:extLst>
-              <a:ext uri="{FF2B5EF4-FFF2-40B4-BE49-F238E27FC236}">
-                <a16:creationId xmlns:a16="http://schemas.microsoft.com/office/drawing/2014/main" id="{2D2FD39B-C291-4C8F-B9CD-962F28B1635E}"/>
-              </a:ext>
-            </a:extLst>
-          </p:cNvPr>
+          <p:cNvPr id="4" name="Content Placeholder 3"/>
           <p:cNvSpPr>
             <a:spLocks noGrp="1"/>
           </p:cNvSpPr>
@@ -1610,13 +3162,43 @@
         </p:nvSpPr>
         <p:spPr>
           <a:xfrm>
-            <a:off x="839788" y="2505075"/>
-            <a:ext cx="5157787" cy="3684588"/>
+            <a:off x="1522413" y="2590801"/>
+            <a:ext cx="4419599" cy="3429000"/>
           </a:xfrm>
         </p:spPr>
         <p:txBody>
-          <a:bodyPr/>
-          <a:lstStyle/>
+          <a:bodyPr>
+            <a:normAutofit/>
+          </a:bodyPr>
+          <a:lstStyle>
+            <a:lvl1pPr>
+              <a:defRPr sz="2000"/>
+            </a:lvl1pPr>
+            <a:lvl2pPr>
+              <a:defRPr sz="1800"/>
+            </a:lvl2pPr>
+            <a:lvl3pPr>
+              <a:defRPr sz="1600"/>
+            </a:lvl3pPr>
+            <a:lvl4pPr>
+              <a:defRPr sz="1400"/>
+            </a:lvl4pPr>
+            <a:lvl5pPr>
+              <a:defRPr sz="1400"/>
+            </a:lvl5pPr>
+            <a:lvl6pPr>
+              <a:defRPr sz="1400"/>
+            </a:lvl6pPr>
+            <a:lvl7pPr>
+              <a:defRPr sz="1400"/>
+            </a:lvl7pPr>
+            <a:lvl8pPr>
+              <a:defRPr sz="1400"/>
+            </a:lvl8pPr>
+            <a:lvl9pPr>
+              <a:defRPr sz="1400"/>
+            </a:lvl9pPr>
+          </a:lstStyle>
           <a:p>
             <a:pPr lvl="0"/>
             <a:r>
@@ -1651,18 +3233,13 @@
               <a:rPr lang="en-US"/>
               <a:t>Fifth level</a:t>
             </a:r>
-          </a:p>
-        </p:txBody>
-      </p:sp>
-      <p:sp>
-        <p:nvSpPr>
-          <p:cNvPr id="5" name="Text Placeholder 4">
-            <a:extLst>
-              <a:ext uri="{FF2B5EF4-FFF2-40B4-BE49-F238E27FC236}">
-                <a16:creationId xmlns:a16="http://schemas.microsoft.com/office/drawing/2014/main" id="{CB486679-9BD0-4CAD-871B-B23CAB5D2679}"/>
-              </a:ext>
-            </a:extLst>
-          </p:cNvPr>
+            <a:endParaRPr/>
+          </a:p>
+        </p:txBody>
+      </p:sp>
+      <p:sp>
+        <p:nvSpPr>
+          <p:cNvPr id="5" name="Text Placeholder 4"/>
           <p:cNvSpPr>
             <a:spLocks noGrp="1"/>
           </p:cNvSpPr>
@@ -1672,16 +3249,21 @@
         </p:nvSpPr>
         <p:spPr>
           <a:xfrm>
-            <a:off x="6172200" y="1681163"/>
-            <a:ext cx="5183188" cy="823912"/>
+            <a:off x="6246814" y="1828800"/>
+            <a:ext cx="4419599" cy="685801"/>
           </a:xfrm>
         </p:spPr>
         <p:txBody>
-          <a:bodyPr anchor="b"/>
+          <a:bodyPr anchor="ctr">
+            <a:normAutofit/>
+          </a:bodyPr>
           <a:lstStyle>
             <a:lvl1pPr marL="0" indent="0">
-              <a:buNone/>
-              <a:defRPr sz="2400" b="1"/>
+              <a:spcBef>
+                <a:spcPts val="0"/>
+              </a:spcBef>
+              <a:buNone/>
+              <a:defRPr sz="2000" b="1"/>
             </a:lvl1pPr>
             <a:lvl2pPr marL="457200" indent="0">
               <a:buNone/>
@@ -1727,13 +3309,7 @@
       </p:sp>
       <p:sp>
         <p:nvSpPr>
-          <p:cNvPr id="6" name="Content Placeholder 5">
-            <a:extLst>
-              <a:ext uri="{FF2B5EF4-FFF2-40B4-BE49-F238E27FC236}">
-                <a16:creationId xmlns:a16="http://schemas.microsoft.com/office/drawing/2014/main" id="{78948B9D-ADA3-4B3C-9F5E-C804444BD50D}"/>
-              </a:ext>
-            </a:extLst>
-          </p:cNvPr>
+          <p:cNvPr id="6" name="Content Placeholder 5"/>
           <p:cNvSpPr>
             <a:spLocks noGrp="1"/>
           </p:cNvSpPr>
@@ -1743,59 +3319,106 @@
         </p:nvSpPr>
         <p:spPr>
           <a:xfrm>
-            <a:off x="6172200" y="2505075"/>
-            <a:ext cx="5183188" cy="3684588"/>
+            <a:off x="6246814" y="2590801"/>
+            <a:ext cx="4419599" cy="3429000"/>
           </a:xfrm>
         </p:spPr>
         <p:txBody>
+          <a:bodyPr>
+            <a:normAutofit/>
+          </a:bodyPr>
+          <a:lstStyle>
+            <a:lvl1pPr>
+              <a:defRPr sz="2000"/>
+            </a:lvl1pPr>
+            <a:lvl2pPr>
+              <a:defRPr sz="1800"/>
+            </a:lvl2pPr>
+            <a:lvl3pPr>
+              <a:defRPr sz="1600"/>
+            </a:lvl3pPr>
+            <a:lvl4pPr>
+              <a:defRPr sz="1400"/>
+            </a:lvl4pPr>
+            <a:lvl5pPr>
+              <a:defRPr sz="1400"/>
+            </a:lvl5pPr>
+            <a:lvl6pPr>
+              <a:defRPr sz="1400"/>
+            </a:lvl6pPr>
+            <a:lvl7pPr>
+              <a:defRPr sz="1400"/>
+            </a:lvl7pPr>
+            <a:lvl8pPr>
+              <a:defRPr sz="1400"/>
+            </a:lvl8pPr>
+            <a:lvl9pPr>
+              <a:defRPr sz="1400"/>
+            </a:lvl9pPr>
+          </a:lstStyle>
+          <a:p>
+            <a:pPr lvl="0"/>
+            <a:r>
+              <a:rPr lang="en-US"/>
+              <a:t>Edit Master text styles</a:t>
+            </a:r>
+          </a:p>
+          <a:p>
+            <a:pPr lvl="1"/>
+            <a:r>
+              <a:rPr lang="en-US"/>
+              <a:t>Second level</a:t>
+            </a:r>
+          </a:p>
+          <a:p>
+            <a:pPr lvl="2"/>
+            <a:r>
+              <a:rPr lang="en-US"/>
+              <a:t>Third level</a:t>
+            </a:r>
+          </a:p>
+          <a:p>
+            <a:pPr lvl="3"/>
+            <a:r>
+              <a:rPr lang="en-US"/>
+              <a:t>Fourth level</a:t>
+            </a:r>
+          </a:p>
+          <a:p>
+            <a:pPr lvl="4"/>
+            <a:r>
+              <a:rPr lang="en-US"/>
+              <a:t>Fifth level</a:t>
+            </a:r>
+            <a:endParaRPr/>
+          </a:p>
+        </p:txBody>
+      </p:sp>
+      <p:sp>
+        <p:nvSpPr>
+          <p:cNvPr id="8" name="Footer Placeholder 7"/>
+          <p:cNvSpPr>
+            <a:spLocks noGrp="1"/>
+          </p:cNvSpPr>
+          <p:nvPr>
+            <p:ph type="ftr" sz="quarter" idx="11"/>
+          </p:nvPr>
+        </p:nvSpPr>
+        <p:spPr/>
+        <p:txBody>
           <a:bodyPr/>
           <a:lstStyle/>
           <a:p>
-            <a:pPr lvl="0"/>
-            <a:r>
-              <a:rPr lang="en-US"/>
-              <a:t>Edit Master text styles</a:t>
-            </a:r>
-          </a:p>
-          <a:p>
-            <a:pPr lvl="1"/>
-            <a:r>
-              <a:rPr lang="en-US"/>
-              <a:t>Second level</a:t>
-            </a:r>
-          </a:p>
-          <a:p>
-            <a:pPr lvl="2"/>
-            <a:r>
-              <a:rPr lang="en-US"/>
-              <a:t>Third level</a:t>
-            </a:r>
-          </a:p>
-          <a:p>
-            <a:pPr lvl="3"/>
-            <a:r>
-              <a:rPr lang="en-US"/>
-              <a:t>Fourth level</a:t>
-            </a:r>
-          </a:p>
-          <a:p>
-            <a:pPr lvl="4"/>
-            <a:r>
-              <a:rPr lang="en-US"/>
-              <a:t>Fifth level</a:t>
-            </a:r>
-          </a:p>
-        </p:txBody>
-      </p:sp>
-      <p:sp>
-        <p:nvSpPr>
-          <p:cNvPr id="7" name="Date Placeholder 6">
-            <a:extLst>
-              <a:ext uri="{FF2B5EF4-FFF2-40B4-BE49-F238E27FC236}">
-                <a16:creationId xmlns:a16="http://schemas.microsoft.com/office/drawing/2014/main" id="{095D1113-4921-4409-90FD-916C41FB8D33}"/>
-              </a:ext>
-            </a:extLst>
-          </p:cNvPr>
+            <a:r>
+              <a:rPr lang="en-US" dirty="0"/>
+              <a:t>Add a footer</a:t>
+            </a:r>
+          </a:p>
+        </p:txBody>
+      </p:sp>
+      <p:sp>
+        <p:nvSpPr>
+          <p:cNvPr id="7" name="Date Placeholder 6"/>
           <p:cNvSpPr>
             <a:spLocks noGrp="1"/>
           </p:cNvSpPr>
@@ -1808,28 +3431,22 @@
           <a:bodyPr/>
           <a:lstStyle/>
           <a:p>
-            <a:fld id="{B35C612F-4AC4-4563-83CE-4CCA5C3DC222}" type="datetimeFigureOut">
+            <a:fld id="{C33939A6-3450-434F-A872-BEE63F7EB093}" type="datetime1">
               <a:rPr lang="en-US" smtClean="0"/>
-              <a:t>8/8/2018</a:t>
+              <a:t>8/9/2018</a:t>
             </a:fld>
-            <a:endParaRPr lang="en-US"/>
-          </a:p>
-        </p:txBody>
-      </p:sp>
-      <p:sp>
-        <p:nvSpPr>
-          <p:cNvPr id="8" name="Footer Placeholder 7">
-            <a:extLst>
-              <a:ext uri="{FF2B5EF4-FFF2-40B4-BE49-F238E27FC236}">
-                <a16:creationId xmlns:a16="http://schemas.microsoft.com/office/drawing/2014/main" id="{4175192F-A2D9-4B98-A4FA-11B0B6660463}"/>
-              </a:ext>
-            </a:extLst>
-          </p:cNvPr>
-          <p:cNvSpPr>
-            <a:spLocks noGrp="1"/>
-          </p:cNvSpPr>
-          <p:nvPr>
-            <p:ph type="ftr" sz="quarter" idx="11"/>
+            <a:endParaRPr lang="en-US" dirty="0"/>
+          </a:p>
+        </p:txBody>
+      </p:sp>
+      <p:sp>
+        <p:nvSpPr>
+          <p:cNvPr id="9" name="Slide Number Placeholder 8"/>
+          <p:cNvSpPr>
+            <a:spLocks noGrp="1"/>
+          </p:cNvSpPr>
+          <p:nvPr>
+            <p:ph type="sldNum" sz="quarter" idx="12"/>
           </p:nvPr>
         </p:nvSpPr>
         <p:spPr/>
@@ -1837,49 +3454,37 @@
           <a:bodyPr/>
           <a:lstStyle/>
           <a:p>
-            <a:endParaRPr lang="en-US"/>
-          </a:p>
-        </p:txBody>
-      </p:sp>
-      <p:sp>
-        <p:nvSpPr>
-          <p:cNvPr id="9" name="Slide Number Placeholder 8">
-            <a:extLst>
-              <a:ext uri="{FF2B5EF4-FFF2-40B4-BE49-F238E27FC236}">
-                <a16:creationId xmlns:a16="http://schemas.microsoft.com/office/drawing/2014/main" id="{B95B998D-FB31-4C86-AB93-7A79E15083EE}"/>
-              </a:ext>
-            </a:extLst>
-          </p:cNvPr>
-          <p:cNvSpPr>
-            <a:spLocks noGrp="1"/>
-          </p:cNvSpPr>
-          <p:nvPr>
-            <p:ph type="sldNum" sz="quarter" idx="12"/>
-          </p:nvPr>
-        </p:nvSpPr>
-        <p:spPr/>
-        <p:txBody>
-          <a:bodyPr/>
-          <a:lstStyle/>
-          <a:p>
-            <a:fld id="{00AA4107-D9FB-4ECC-A278-01A88F00319C}" type="slidenum">
+            <a:fld id="{DF28FB93-0A08-4E7D-8E63-9EFA29F1E093}" type="slidenum">
               <a:rPr lang="en-US" smtClean="0"/>
+              <a:pPr/>
               <a:t>‹#›</a:t>
             </a:fld>
-            <a:endParaRPr lang="en-US"/>
+            <a:endParaRPr lang="en-US" dirty="0"/>
           </a:p>
         </p:txBody>
       </p:sp>
     </p:spTree>
     <p:extLst>
       <p:ext uri="{BB962C8B-B14F-4D97-AF65-F5344CB8AC3E}">
-        <p14:creationId xmlns:p14="http://schemas.microsoft.com/office/powerpoint/2010/main" val="450245993"/>
+        <p14:creationId xmlns:p14="http://schemas.microsoft.com/office/powerpoint/2010/main" val="597700490"/>
       </p:ext>
     </p:extLst>
   </p:cSld>
   <p:clrMapOvr>
     <a:masterClrMapping/>
   </p:clrMapOvr>
+  <mc:AlternateContent xmlns:mc="http://schemas.openxmlformats.org/markup-compatibility/2006" xmlns:p14="http://schemas.microsoft.com/office/powerpoint/2010/main">
+    <mc:Choice Requires="p14">
+      <p:transition spd="med" p14:dur="700">
+        <p:fade/>
+      </p:transition>
+    </mc:Choice>
+    <mc:Fallback xmlns="">
+      <p:transition spd="med">
+        <p:fade/>
+      </p:transition>
+    </mc:Fallback>
+  </mc:AlternateContent>
 </p:sldLayout>
 </file>
 
@@ -1902,13 +3507,7 @@
       </p:grpSpPr>
       <p:sp>
         <p:nvSpPr>
-          <p:cNvPr id="2" name="Title 1">
-            <a:extLst>
-              <a:ext uri="{FF2B5EF4-FFF2-40B4-BE49-F238E27FC236}">
-                <a16:creationId xmlns:a16="http://schemas.microsoft.com/office/drawing/2014/main" id="{711AED2D-080B-4685-924B-FFA00DD9009A}"/>
-              </a:ext>
-            </a:extLst>
-          </p:cNvPr>
+          <p:cNvPr id="2" name="Title 1"/>
           <p:cNvSpPr>
             <a:spLocks noGrp="1"/>
           </p:cNvSpPr>
@@ -1925,23 +3524,18 @@
               <a:rPr lang="en-US"/>
               <a:t>Click to edit Master title style</a:t>
             </a:r>
-          </a:p>
-        </p:txBody>
-      </p:sp>
-      <p:sp>
-        <p:nvSpPr>
-          <p:cNvPr id="3" name="Date Placeholder 2">
-            <a:extLst>
-              <a:ext uri="{FF2B5EF4-FFF2-40B4-BE49-F238E27FC236}">
-                <a16:creationId xmlns:a16="http://schemas.microsoft.com/office/drawing/2014/main" id="{35D04213-F3D4-48A8-85DC-9318C0BE1248}"/>
-              </a:ext>
-            </a:extLst>
-          </p:cNvPr>
-          <p:cNvSpPr>
-            <a:spLocks noGrp="1"/>
-          </p:cNvSpPr>
-          <p:nvPr>
-            <p:ph type="dt" sz="half" idx="10"/>
+            <a:endParaRPr/>
+          </a:p>
+        </p:txBody>
+      </p:sp>
+      <p:sp>
+        <p:nvSpPr>
+          <p:cNvPr id="4" name="Footer Placeholder 3"/>
+          <p:cNvSpPr>
+            <a:spLocks noGrp="1"/>
+          </p:cNvSpPr>
+          <p:nvPr>
+            <p:ph type="ftr" sz="quarter" idx="11"/>
           </p:nvPr>
         </p:nvSpPr>
         <p:spPr/>
@@ -1949,28 +3543,21 @@
           <a:bodyPr/>
           <a:lstStyle/>
           <a:p>
-            <a:fld id="{B35C612F-4AC4-4563-83CE-4CCA5C3DC222}" type="datetimeFigureOut">
-              <a:rPr lang="en-US" smtClean="0"/>
-              <a:t>8/8/2018</a:t>
-            </a:fld>
-            <a:endParaRPr lang="en-US"/>
-          </a:p>
-        </p:txBody>
-      </p:sp>
-      <p:sp>
-        <p:nvSpPr>
-          <p:cNvPr id="4" name="Footer Placeholder 3">
-            <a:extLst>
-              <a:ext uri="{FF2B5EF4-FFF2-40B4-BE49-F238E27FC236}">
-                <a16:creationId xmlns:a16="http://schemas.microsoft.com/office/drawing/2014/main" id="{876A21E0-37BC-4F37-8B91-09225B9BDD60}"/>
-              </a:ext>
-            </a:extLst>
-          </p:cNvPr>
-          <p:cNvSpPr>
-            <a:spLocks noGrp="1"/>
-          </p:cNvSpPr>
-          <p:nvPr>
-            <p:ph type="ftr" sz="quarter" idx="11"/>
+            <a:r>
+              <a:rPr lang="en-US" dirty="0"/>
+              <a:t>Add a footer</a:t>
+            </a:r>
+          </a:p>
+        </p:txBody>
+      </p:sp>
+      <p:sp>
+        <p:nvSpPr>
+          <p:cNvPr id="3" name="Date Placeholder 2"/>
+          <p:cNvSpPr>
+            <a:spLocks noGrp="1"/>
+          </p:cNvSpPr>
+          <p:nvPr>
+            <p:ph type="dt" sz="half" idx="10"/>
           </p:nvPr>
         </p:nvSpPr>
         <p:spPr/>
@@ -1978,19 +3565,17 @@
           <a:bodyPr/>
           <a:lstStyle/>
           <a:p>
-            <a:endParaRPr lang="en-US"/>
-          </a:p>
-        </p:txBody>
-      </p:sp>
-      <p:sp>
-        <p:nvSpPr>
-          <p:cNvPr id="5" name="Slide Number Placeholder 4">
-            <a:extLst>
-              <a:ext uri="{FF2B5EF4-FFF2-40B4-BE49-F238E27FC236}">
-                <a16:creationId xmlns:a16="http://schemas.microsoft.com/office/drawing/2014/main" id="{24CCCF9B-4BDD-4002-8773-D4E69B7C31BE}"/>
-              </a:ext>
-            </a:extLst>
-          </p:cNvPr>
+            <a:fld id="{E3BABB1C-FA00-4171-BA31-4C5E719472F3}" type="datetime1">
+              <a:rPr lang="en-US" smtClean="0"/>
+              <a:t>8/9/2018</a:t>
+            </a:fld>
+            <a:endParaRPr lang="en-US" dirty="0"/>
+          </a:p>
+        </p:txBody>
+      </p:sp>
+      <p:sp>
+        <p:nvSpPr>
+          <p:cNvPr id="5" name="Slide Number Placeholder 4"/>
           <p:cNvSpPr>
             <a:spLocks noGrp="1"/>
           </p:cNvSpPr>
@@ -2003,29 +3588,42 @@
           <a:bodyPr/>
           <a:lstStyle/>
           <a:p>
-            <a:fld id="{00AA4107-D9FB-4ECC-A278-01A88F00319C}" type="slidenum">
+            <a:fld id="{DF28FB93-0A08-4E7D-8E63-9EFA29F1E093}" type="slidenum">
               <a:rPr lang="en-US" smtClean="0"/>
+              <a:pPr/>
               <a:t>‹#›</a:t>
             </a:fld>
-            <a:endParaRPr lang="en-US"/>
+            <a:endParaRPr lang="en-US" dirty="0"/>
           </a:p>
         </p:txBody>
       </p:sp>
     </p:spTree>
     <p:extLst>
       <p:ext uri="{BB962C8B-B14F-4D97-AF65-F5344CB8AC3E}">
-        <p14:creationId xmlns:p14="http://schemas.microsoft.com/office/powerpoint/2010/main" val="404435901"/>
+        <p14:creationId xmlns:p14="http://schemas.microsoft.com/office/powerpoint/2010/main" val="981316351"/>
       </p:ext>
     </p:extLst>
   </p:cSld>
   <p:clrMapOvr>
     <a:masterClrMapping/>
   </p:clrMapOvr>
+  <mc:AlternateContent xmlns:mc="http://schemas.openxmlformats.org/markup-compatibility/2006" xmlns:p14="http://schemas.microsoft.com/office/powerpoint/2010/main">
+    <mc:Choice Requires="p14">
+      <p:transition spd="med" p14:dur="700">
+        <p:fade/>
+      </p:transition>
+    </mc:Choice>
+    <mc:Fallback xmlns="">
+      <p:transition spd="med">
+        <p:fade/>
+      </p:transition>
+    </mc:Fallback>
+  </mc:AlternateContent>
 </p:sldLayout>
 </file>
 
 <file path=ppt/slideLayouts/slideLayout7.xml><?xml version="1.0" encoding="utf-8"?>
-<p:sldLayout xmlns:a="http://schemas.openxmlformats.org/drawingml/2006/main" xmlns:r="http://schemas.openxmlformats.org/officeDocument/2006/relationships" xmlns:p="http://schemas.openxmlformats.org/presentationml/2006/main" type="blank" preserve="1">
+<p:sldLayout xmlns:a="http://schemas.openxmlformats.org/drawingml/2006/main" xmlns:r="http://schemas.openxmlformats.org/officeDocument/2006/relationships" xmlns:p="http://schemas.openxmlformats.org/presentationml/2006/main" showMasterSp="0" type="blank" preserve="1">
   <p:cSld name="Blank">
     <p:spTree>
       <p:nvGrpSpPr>
@@ -2041,20 +3639,164 @@
           <a:chExt cx="0" cy="0"/>
         </a:xfrm>
       </p:grpSpPr>
-      <p:sp>
-        <p:nvSpPr>
-          <p:cNvPr id="2" name="Date Placeholder 1">
-            <a:extLst>
-              <a:ext uri="{FF2B5EF4-FFF2-40B4-BE49-F238E27FC236}">
-                <a16:creationId xmlns:a16="http://schemas.microsoft.com/office/drawing/2014/main" id="{6F148548-8A92-4B38-BB8F-2E3AC265B3CE}"/>
-              </a:ext>
-            </a:extLst>
-          </p:cNvPr>
-          <p:cNvSpPr>
-            <a:spLocks noGrp="1"/>
-          </p:cNvSpPr>
-          <p:nvPr>
-            <p:ph type="dt" sz="half" idx="10"/>
+      <p:grpSp>
+        <p:nvGrpSpPr>
+          <p:cNvPr id="6" name="bottom graphic"/>
+          <p:cNvGrpSpPr/>
+          <p:nvPr userDrawn="1"/>
+        </p:nvGrpSpPr>
+        <p:grpSpPr>
+          <a:xfrm>
+            <a:off x="0" y="6309360"/>
+            <a:ext cx="12190231" cy="548640"/>
+            <a:chOff x="0" y="6309360"/>
+            <a:chExt cx="12190231" cy="548640"/>
+          </a:xfrm>
+        </p:grpSpPr>
+        <p:sp>
+          <p:nvSpPr>
+            <p:cNvPr id="7" name="Rectangle 6"/>
+            <p:cNvSpPr/>
+            <p:nvPr/>
+          </p:nvSpPr>
+          <p:spPr>
+            <a:xfrm>
+              <a:off x="0" y="6400800"/>
+              <a:ext cx="12188825" cy="457200"/>
+            </a:xfrm>
+            <a:prstGeom prst="rect">
+              <a:avLst/>
+            </a:prstGeom>
+            <a:ln>
+              <a:noFill/>
+            </a:ln>
+          </p:spPr>
+          <p:style>
+            <a:lnRef idx="2">
+              <a:schemeClr val="accent1">
+                <a:shade val="50000"/>
+              </a:schemeClr>
+            </a:lnRef>
+            <a:fillRef idx="1003">
+              <a:schemeClr val="dk2"/>
+            </a:fillRef>
+            <a:effectRef idx="0">
+              <a:schemeClr val="accent1"/>
+            </a:effectRef>
+            <a:fontRef idx="minor">
+              <a:schemeClr val="lt1"/>
+            </a:fontRef>
+          </p:style>
+          <p:txBody>
+            <a:bodyPr rtlCol="0" anchor="ctr"/>
+            <a:lstStyle/>
+            <a:p>
+              <a:pPr algn="ctr"/>
+              <a:endParaRPr dirty="0"/>
+            </a:p>
+          </p:txBody>
+        </p:sp>
+        <p:sp>
+          <p:nvSpPr>
+            <p:cNvPr id="8" name="Rectangle 7"/>
+            <p:cNvSpPr/>
+            <p:nvPr/>
+          </p:nvSpPr>
+          <p:spPr>
+            <a:xfrm>
+              <a:off x="1279" y="6309360"/>
+              <a:ext cx="12188952" cy="97215"/>
+            </a:xfrm>
+            <a:prstGeom prst="rect">
+              <a:avLst/>
+            </a:prstGeom>
+            <a:solidFill>
+              <a:schemeClr val="tx2"/>
+            </a:solidFill>
+            <a:ln>
+              <a:noFill/>
+            </a:ln>
+          </p:spPr>
+          <p:style>
+            <a:lnRef idx="2">
+              <a:schemeClr val="accent1">
+                <a:shade val="50000"/>
+              </a:schemeClr>
+            </a:lnRef>
+            <a:fillRef idx="1">
+              <a:schemeClr val="accent1"/>
+            </a:fillRef>
+            <a:effectRef idx="0">
+              <a:schemeClr val="accent1"/>
+            </a:effectRef>
+            <a:fontRef idx="minor">
+              <a:schemeClr val="lt1"/>
+            </a:fontRef>
+          </p:style>
+          <p:txBody>
+            <a:bodyPr rtlCol="0" anchor="ctr"/>
+            <a:lstStyle/>
+            <a:p>
+              <a:pPr algn="ctr"/>
+              <a:endParaRPr dirty="0"/>
+            </a:p>
+          </p:txBody>
+        </p:sp>
+        <p:sp>
+          <p:nvSpPr>
+            <p:cNvPr id="9" name="Rectangle 8"/>
+            <p:cNvSpPr/>
+            <p:nvPr/>
+          </p:nvSpPr>
+          <p:spPr>
+            <a:xfrm>
+              <a:off x="1279" y="6379143"/>
+              <a:ext cx="12188952" cy="27432"/>
+            </a:xfrm>
+            <a:prstGeom prst="rect">
+              <a:avLst/>
+            </a:prstGeom>
+            <a:solidFill>
+              <a:schemeClr val="bg1"/>
+            </a:solidFill>
+            <a:ln>
+              <a:noFill/>
+            </a:ln>
+          </p:spPr>
+          <p:style>
+            <a:lnRef idx="2">
+              <a:schemeClr val="accent1">
+                <a:shade val="50000"/>
+              </a:schemeClr>
+            </a:lnRef>
+            <a:fillRef idx="1">
+              <a:schemeClr val="accent1"/>
+            </a:fillRef>
+            <a:effectRef idx="0">
+              <a:schemeClr val="accent1"/>
+            </a:effectRef>
+            <a:fontRef idx="minor">
+              <a:schemeClr val="lt1"/>
+            </a:fontRef>
+          </p:style>
+          <p:txBody>
+            <a:bodyPr rtlCol="0" anchor="ctr"/>
+            <a:lstStyle/>
+            <a:p>
+              <a:pPr algn="ctr"/>
+              <a:endParaRPr dirty="0"/>
+            </a:p>
+          </p:txBody>
+        </p:sp>
+      </p:grpSp>
+      <p:sp>
+        <p:nvSpPr>
+          <p:cNvPr id="3" name="Footer Placeholder 2"/>
+          <p:cNvSpPr>
+            <a:spLocks noGrp="1"/>
+          </p:cNvSpPr>
+          <p:nvPr>
+            <p:ph type="ftr" sz="quarter" idx="11"/>
           </p:nvPr>
         </p:nvSpPr>
         <p:spPr/>
@@ -2062,28 +3804,21 @@
           <a:bodyPr/>
           <a:lstStyle/>
           <a:p>
-            <a:fld id="{B35C612F-4AC4-4563-83CE-4CCA5C3DC222}" type="datetimeFigureOut">
-              <a:rPr lang="en-US" smtClean="0"/>
-              <a:t>8/8/2018</a:t>
-            </a:fld>
-            <a:endParaRPr lang="en-US"/>
-          </a:p>
-        </p:txBody>
-      </p:sp>
-      <p:sp>
-        <p:nvSpPr>
-          <p:cNvPr id="3" name="Footer Placeholder 2">
-            <a:extLst>
-              <a:ext uri="{FF2B5EF4-FFF2-40B4-BE49-F238E27FC236}">
-                <a16:creationId xmlns:a16="http://schemas.microsoft.com/office/drawing/2014/main" id="{F7C8A8BE-F60E-4E87-8720-635A737F67CE}"/>
-              </a:ext>
-            </a:extLst>
-          </p:cNvPr>
-          <p:cNvSpPr>
-            <a:spLocks noGrp="1"/>
-          </p:cNvSpPr>
-          <p:nvPr>
-            <p:ph type="ftr" sz="quarter" idx="11"/>
+            <a:r>
+              <a:rPr lang="en-US" dirty="0"/>
+              <a:t>Add a footer</a:t>
+            </a:r>
+          </a:p>
+        </p:txBody>
+      </p:sp>
+      <p:sp>
+        <p:nvSpPr>
+          <p:cNvPr id="2" name="Date Placeholder 1"/>
+          <p:cNvSpPr>
+            <a:spLocks noGrp="1"/>
+          </p:cNvSpPr>
+          <p:nvPr>
+            <p:ph type="dt" sz="half" idx="10"/>
           </p:nvPr>
         </p:nvSpPr>
         <p:spPr/>
@@ -2091,19 +3826,17 @@
           <a:bodyPr/>
           <a:lstStyle/>
           <a:p>
-            <a:endParaRPr lang="en-US"/>
-          </a:p>
-        </p:txBody>
-      </p:sp>
-      <p:sp>
-        <p:nvSpPr>
-          <p:cNvPr id="4" name="Slide Number Placeholder 3">
-            <a:extLst>
-              <a:ext uri="{FF2B5EF4-FFF2-40B4-BE49-F238E27FC236}">
-                <a16:creationId xmlns:a16="http://schemas.microsoft.com/office/drawing/2014/main" id="{AB2343AA-55D8-463B-8B1C-AA52758314B9}"/>
-              </a:ext>
-            </a:extLst>
-          </p:cNvPr>
+            <a:fld id="{D76C8610-5B57-4C6B-BF9F-F5397A1F60B8}" type="datetime1">
+              <a:rPr lang="en-US" smtClean="0"/>
+              <a:t>8/9/2018</a:t>
+            </a:fld>
+            <a:endParaRPr lang="en-US" dirty="0"/>
+          </a:p>
+        </p:txBody>
+      </p:sp>
+      <p:sp>
+        <p:nvSpPr>
+          <p:cNvPr id="4" name="Slide Number Placeholder 3"/>
           <p:cNvSpPr>
             <a:spLocks noGrp="1"/>
           </p:cNvSpPr>
@@ -2116,24 +3849,37 @@
           <a:bodyPr/>
           <a:lstStyle/>
           <a:p>
-            <a:fld id="{00AA4107-D9FB-4ECC-A278-01A88F00319C}" type="slidenum">
+            <a:fld id="{DF28FB93-0A08-4E7D-8E63-9EFA29F1E093}" type="slidenum">
               <a:rPr lang="en-US" smtClean="0"/>
+              <a:pPr/>
               <a:t>‹#›</a:t>
             </a:fld>
-            <a:endParaRPr lang="en-US"/>
+            <a:endParaRPr lang="en-US" dirty="0"/>
           </a:p>
         </p:txBody>
       </p:sp>
     </p:spTree>
     <p:extLst>
       <p:ext uri="{BB962C8B-B14F-4D97-AF65-F5344CB8AC3E}">
-        <p14:creationId xmlns:p14="http://schemas.microsoft.com/office/powerpoint/2010/main" val="2109505086"/>
+        <p14:creationId xmlns:p14="http://schemas.microsoft.com/office/powerpoint/2010/main" val="4030035370"/>
       </p:ext>
     </p:extLst>
   </p:cSld>
   <p:clrMapOvr>
     <a:masterClrMapping/>
   </p:clrMapOvr>
+  <mc:AlternateContent xmlns:mc="http://schemas.openxmlformats.org/markup-compatibility/2006" xmlns:p14="http://schemas.microsoft.com/office/powerpoint/2010/main">
+    <mc:Choice Requires="p14">
+      <p:transition spd="med" p14:dur="700">
+        <p:fade/>
+      </p:transition>
+    </mc:Choice>
+    <mc:Fallback xmlns="">
+      <p:transition spd="med">
+        <p:fade/>
+      </p:transition>
+    </mc:Fallback>
+  </mc:AlternateContent>
 </p:sldLayout>
 </file>
 
@@ -2156,191 +3902,233 @@
       </p:grpSpPr>
       <p:sp>
         <p:nvSpPr>
-          <p:cNvPr id="2" name="Title 1">
-            <a:extLst>
-              <a:ext uri="{FF2B5EF4-FFF2-40B4-BE49-F238E27FC236}">
-                <a16:creationId xmlns:a16="http://schemas.microsoft.com/office/drawing/2014/main" id="{8E7B2C0F-BBDD-46CB-91AC-5A58ADD77D00}"/>
-              </a:ext>
-            </a:extLst>
-          </p:cNvPr>
-          <p:cNvSpPr>
-            <a:spLocks noGrp="1"/>
-          </p:cNvSpPr>
-          <p:nvPr>
-            <p:ph type="title"/>
-          </p:nvPr>
+          <p:cNvPr id="8" name="frame"/>
+          <p:cNvSpPr/>
+          <p:nvPr/>
         </p:nvSpPr>
         <p:spPr>
           <a:xfrm>
-            <a:off x="839788" y="457200"/>
-            <a:ext cx="3932237" cy="1600200"/>
+            <a:off x="1217610" y="1019175"/>
+            <a:ext cx="6126480" cy="4572000"/>
+          </a:xfrm>
+          <a:prstGeom prst="rect">
+            <a:avLst/>
+          </a:prstGeom>
+          <a:noFill/>
+          <a:ln w="101600">
+            <a:solidFill>
+              <a:schemeClr val="accent1">
+                <a:lumMod val="50000"/>
+              </a:schemeClr>
+            </a:solidFill>
+            <a:miter lim="800000"/>
+          </a:ln>
+        </p:spPr>
+        <p:style>
+          <a:lnRef idx="2">
+            <a:schemeClr val="accent1">
+              <a:shade val="50000"/>
+            </a:schemeClr>
+          </a:lnRef>
+          <a:fillRef idx="1">
+            <a:schemeClr val="accent1"/>
+          </a:fillRef>
+          <a:effectRef idx="0">
+            <a:schemeClr val="accent1"/>
+          </a:effectRef>
+          <a:fontRef idx="minor">
+            <a:schemeClr val="lt1"/>
+          </a:fontRef>
+        </p:style>
+        <p:txBody>
+          <a:bodyPr rtlCol="0" anchor="ctr"/>
+          <a:lstStyle/>
+          <a:p>
+            <a:pPr algn="ctr"/>
+            <a:endParaRPr dirty="0"/>
+          </a:p>
+        </p:txBody>
+      </p:sp>
+      <p:sp>
+        <p:nvSpPr>
+          <p:cNvPr id="2" name="Title 1"/>
+          <p:cNvSpPr>
+            <a:spLocks noGrp="1"/>
+          </p:cNvSpPr>
+          <p:nvPr>
+            <p:ph type="title"/>
+          </p:nvPr>
+        </p:nvSpPr>
+        <p:spPr>
+          <a:xfrm>
+            <a:off x="7923214" y="1371600"/>
+            <a:ext cx="3124200" cy="2057400"/>
           </a:xfrm>
         </p:spPr>
         <p:txBody>
-          <a:bodyPr anchor="b"/>
+          <a:bodyPr anchor="b">
+            <a:normAutofit/>
+          </a:bodyPr>
+          <a:lstStyle>
+            <a:lvl1pPr algn="l">
+              <a:defRPr sz="3200" b="1"/>
+            </a:lvl1pPr>
+          </a:lstStyle>
+          <a:p>
+            <a:r>
+              <a:rPr lang="en-US"/>
+              <a:t>Click to edit Master title style</a:t>
+            </a:r>
+            <a:endParaRPr/>
+          </a:p>
+        </p:txBody>
+      </p:sp>
+      <p:sp>
+        <p:nvSpPr>
+          <p:cNvPr id="3" name="Content Placeholder 2"/>
+          <p:cNvSpPr>
+            <a:spLocks noGrp="1"/>
+          </p:cNvSpPr>
+          <p:nvPr>
+            <p:ph idx="1"/>
+          </p:nvPr>
+        </p:nvSpPr>
+        <p:spPr>
+          <a:xfrm>
+            <a:off x="1491930" y="1293495"/>
+            <a:ext cx="5577840" cy="4023360"/>
+          </a:xfrm>
+        </p:spPr>
+        <p:txBody>
+          <a:bodyPr>
+            <a:normAutofit/>
+          </a:bodyPr>
           <a:lstStyle>
             <a:lvl1pPr>
-              <a:defRPr sz="3200"/>
+              <a:defRPr sz="2000"/>
             </a:lvl1pPr>
+            <a:lvl2pPr>
+              <a:defRPr sz="1800"/>
+            </a:lvl2pPr>
+            <a:lvl3pPr>
+              <a:defRPr sz="1600"/>
+            </a:lvl3pPr>
+            <a:lvl4pPr>
+              <a:defRPr sz="1400"/>
+            </a:lvl4pPr>
+            <a:lvl5pPr>
+              <a:defRPr sz="1400"/>
+            </a:lvl5pPr>
+            <a:lvl6pPr>
+              <a:defRPr sz="1400"/>
+            </a:lvl6pPr>
+            <a:lvl7pPr>
+              <a:defRPr sz="1400"/>
+            </a:lvl7pPr>
+            <a:lvl8pPr>
+              <a:defRPr sz="1400"/>
+            </a:lvl8pPr>
+            <a:lvl9pPr>
+              <a:defRPr sz="1400"/>
+            </a:lvl9pPr>
           </a:lstStyle>
           <a:p>
+            <a:pPr lvl="0"/>
             <a:r>
               <a:rPr lang="en-US"/>
-              <a:t>Click to edit Master title style</a:t>
-            </a:r>
-          </a:p>
-        </p:txBody>
-      </p:sp>
-      <p:sp>
-        <p:nvSpPr>
-          <p:cNvPr id="3" name="Content Placeholder 2">
-            <a:extLst>
-              <a:ext uri="{FF2B5EF4-FFF2-40B4-BE49-F238E27FC236}">
-                <a16:creationId xmlns:a16="http://schemas.microsoft.com/office/drawing/2014/main" id="{A5DA0753-954F-41BF-AA5D-F74D88AF4683}"/>
-              </a:ext>
-            </a:extLst>
-          </p:cNvPr>
-          <p:cNvSpPr>
-            <a:spLocks noGrp="1"/>
-          </p:cNvSpPr>
-          <p:nvPr>
-            <p:ph idx="1"/>
+              <a:t>Edit Master text styles</a:t>
+            </a:r>
+          </a:p>
+          <a:p>
+            <a:pPr lvl="1"/>
+            <a:r>
+              <a:rPr lang="en-US"/>
+              <a:t>Second level</a:t>
+            </a:r>
+          </a:p>
+          <a:p>
+            <a:pPr lvl="2"/>
+            <a:r>
+              <a:rPr lang="en-US"/>
+              <a:t>Third level</a:t>
+            </a:r>
+          </a:p>
+          <a:p>
+            <a:pPr lvl="3"/>
+            <a:r>
+              <a:rPr lang="en-US"/>
+              <a:t>Fourth level</a:t>
+            </a:r>
+          </a:p>
+          <a:p>
+            <a:pPr lvl="4"/>
+            <a:r>
+              <a:rPr lang="en-US"/>
+              <a:t>Fifth level</a:t>
+            </a:r>
+            <a:endParaRPr/>
+          </a:p>
+        </p:txBody>
+      </p:sp>
+      <p:sp>
+        <p:nvSpPr>
+          <p:cNvPr id="4" name="Text Placeholder 3"/>
+          <p:cNvSpPr>
+            <a:spLocks noGrp="1"/>
+          </p:cNvSpPr>
+          <p:nvPr>
+            <p:ph type="body" sz="half" idx="2"/>
           </p:nvPr>
         </p:nvSpPr>
         <p:spPr>
           <a:xfrm>
-            <a:off x="5183188" y="987425"/>
-            <a:ext cx="6172200" cy="4873625"/>
+            <a:off x="7923214" y="3536829"/>
+            <a:ext cx="3124200" cy="1797169"/>
           </a:xfrm>
         </p:spPr>
         <p:txBody>
-          <a:bodyPr/>
-          <a:lstStyle>
-            <a:lvl1pPr>
-              <a:defRPr sz="3200"/>
-            </a:lvl1pPr>
-            <a:lvl2pPr>
-              <a:defRPr sz="2800"/>
-            </a:lvl2pPr>
-            <a:lvl3pPr>
-              <a:defRPr sz="2400"/>
-            </a:lvl3pPr>
-            <a:lvl4pPr>
-              <a:defRPr sz="2000"/>
-            </a:lvl4pPr>
-            <a:lvl5pPr>
-              <a:defRPr sz="2000"/>
-            </a:lvl5pPr>
-            <a:lvl6pPr>
-              <a:defRPr sz="2000"/>
-            </a:lvl6pPr>
-            <a:lvl7pPr>
-              <a:defRPr sz="2000"/>
-            </a:lvl7pPr>
-            <a:lvl8pPr>
-              <a:defRPr sz="2000"/>
-            </a:lvl8pPr>
-            <a:lvl9pPr>
-              <a:defRPr sz="2000"/>
-            </a:lvl9pPr>
-          </a:lstStyle>
-          <a:p>
-            <a:pPr lvl="0"/>
-            <a:r>
-              <a:rPr lang="en-US"/>
-              <a:t>Edit Master text styles</a:t>
-            </a:r>
-          </a:p>
-          <a:p>
-            <a:pPr lvl="1"/>
-            <a:r>
-              <a:rPr lang="en-US"/>
-              <a:t>Second level</a:t>
-            </a:r>
-          </a:p>
-          <a:p>
-            <a:pPr lvl="2"/>
-            <a:r>
-              <a:rPr lang="en-US"/>
-              <a:t>Third level</a:t>
-            </a:r>
-          </a:p>
-          <a:p>
-            <a:pPr lvl="3"/>
-            <a:r>
-              <a:rPr lang="en-US"/>
-              <a:t>Fourth level</a:t>
-            </a:r>
-          </a:p>
-          <a:p>
-            <a:pPr lvl="4"/>
-            <a:r>
-              <a:rPr lang="en-US"/>
-              <a:t>Fifth level</a:t>
-            </a:r>
-          </a:p>
-        </p:txBody>
-      </p:sp>
-      <p:sp>
-        <p:nvSpPr>
-          <p:cNvPr id="4" name="Text Placeholder 3">
-            <a:extLst>
-              <a:ext uri="{FF2B5EF4-FFF2-40B4-BE49-F238E27FC236}">
-                <a16:creationId xmlns:a16="http://schemas.microsoft.com/office/drawing/2014/main" id="{1D2ABB8B-B40E-4508-905C-705B0A7E81E1}"/>
-              </a:ext>
-            </a:extLst>
-          </p:cNvPr>
-          <p:cNvSpPr>
-            <a:spLocks noGrp="1"/>
-          </p:cNvSpPr>
-          <p:nvPr>
-            <p:ph type="body" sz="half" idx="2"/>
-          </p:nvPr>
-        </p:nvSpPr>
-        <p:spPr>
-          <a:xfrm>
-            <a:off x="839788" y="2057400"/>
-            <a:ext cx="3932237" cy="3811588"/>
-          </a:xfrm>
-        </p:spPr>
-        <p:txBody>
-          <a:bodyPr/>
+          <a:bodyPr>
+            <a:normAutofit/>
+          </a:bodyPr>
           <a:lstStyle>
             <a:lvl1pPr marL="0" indent="0">
+              <a:spcBef>
+                <a:spcPts val="800"/>
+              </a:spcBef>
               <a:buNone/>
               <a:defRPr sz="1600"/>
             </a:lvl1pPr>
             <a:lvl2pPr marL="457200" indent="0">
               <a:buNone/>
-              <a:defRPr sz="1400"/>
+              <a:defRPr sz="1200"/>
             </a:lvl2pPr>
             <a:lvl3pPr marL="914400" indent="0">
               <a:buNone/>
-              <a:defRPr sz="1200"/>
+              <a:defRPr sz="1000"/>
             </a:lvl3pPr>
             <a:lvl4pPr marL="1371600" indent="0">
               <a:buNone/>
-              <a:defRPr sz="1000"/>
+              <a:defRPr sz="900"/>
             </a:lvl4pPr>
             <a:lvl5pPr marL="1828800" indent="0">
               <a:buNone/>
-              <a:defRPr sz="1000"/>
+              <a:defRPr sz="900"/>
             </a:lvl5pPr>
             <a:lvl6pPr marL="2286000" indent="0">
               <a:buNone/>
-              <a:defRPr sz="1000"/>
+              <a:defRPr sz="900"/>
             </a:lvl6pPr>
             <a:lvl7pPr marL="2743200" indent="0">
               <a:buNone/>
-              <a:defRPr sz="1000"/>
+              <a:defRPr sz="900"/>
             </a:lvl7pPr>
             <a:lvl8pPr marL="3200400" indent="0">
               <a:buNone/>
-              <a:defRPr sz="1000"/>
+              <a:defRPr sz="900"/>
             </a:lvl8pPr>
             <a:lvl9pPr marL="3657600" indent="0">
               <a:buNone/>
-              <a:defRPr sz="1000"/>
+              <a:defRPr sz="900"/>
             </a:lvl9pPr>
           </a:lstStyle>
           <a:p>
@@ -2354,18 +4142,12 @@
       </p:sp>
       <p:sp>
         <p:nvSpPr>
-          <p:cNvPr id="5" name="Date Placeholder 4">
-            <a:extLst>
-              <a:ext uri="{FF2B5EF4-FFF2-40B4-BE49-F238E27FC236}">
-                <a16:creationId xmlns:a16="http://schemas.microsoft.com/office/drawing/2014/main" id="{39A31A75-3B27-4F5C-840B-782A642EB30A}"/>
-              </a:ext>
-            </a:extLst>
-          </p:cNvPr>
-          <p:cNvSpPr>
-            <a:spLocks noGrp="1"/>
-          </p:cNvSpPr>
-          <p:nvPr>
-            <p:ph type="dt" sz="half" idx="10"/>
+          <p:cNvPr id="6" name="Footer Placeholder 5"/>
+          <p:cNvSpPr>
+            <a:spLocks noGrp="1"/>
+          </p:cNvSpPr>
+          <p:nvPr>
+            <p:ph type="ftr" sz="quarter" idx="11"/>
           </p:nvPr>
         </p:nvSpPr>
         <p:spPr/>
@@ -2373,28 +4155,21 @@
           <a:bodyPr/>
           <a:lstStyle/>
           <a:p>
-            <a:fld id="{B35C612F-4AC4-4563-83CE-4CCA5C3DC222}" type="datetimeFigureOut">
-              <a:rPr lang="en-US" smtClean="0"/>
-              <a:t>8/8/2018</a:t>
-            </a:fld>
-            <a:endParaRPr lang="en-US"/>
-          </a:p>
-        </p:txBody>
-      </p:sp>
-      <p:sp>
-        <p:nvSpPr>
-          <p:cNvPr id="6" name="Footer Placeholder 5">
-            <a:extLst>
-              <a:ext uri="{FF2B5EF4-FFF2-40B4-BE49-F238E27FC236}">
-                <a16:creationId xmlns:a16="http://schemas.microsoft.com/office/drawing/2014/main" id="{F8C55A1E-19CF-438B-B365-74477DD63A87}"/>
-              </a:ext>
-            </a:extLst>
-          </p:cNvPr>
-          <p:cNvSpPr>
-            <a:spLocks noGrp="1"/>
-          </p:cNvSpPr>
-          <p:nvPr>
-            <p:ph type="ftr" sz="quarter" idx="11"/>
+            <a:r>
+              <a:rPr lang="en-US" dirty="0"/>
+              <a:t>Add a footer</a:t>
+            </a:r>
+          </a:p>
+        </p:txBody>
+      </p:sp>
+      <p:sp>
+        <p:nvSpPr>
+          <p:cNvPr id="5" name="Date Placeholder 4"/>
+          <p:cNvSpPr>
+            <a:spLocks noGrp="1"/>
+          </p:cNvSpPr>
+          <p:nvPr>
+            <p:ph type="dt" sz="half" idx="10"/>
           </p:nvPr>
         </p:nvSpPr>
         <p:spPr/>
@@ -2402,19 +4177,17 @@
           <a:bodyPr/>
           <a:lstStyle/>
           <a:p>
-            <a:endParaRPr lang="en-US"/>
-          </a:p>
-        </p:txBody>
-      </p:sp>
-      <p:sp>
-        <p:nvSpPr>
-          <p:cNvPr id="7" name="Slide Number Placeholder 6">
-            <a:extLst>
-              <a:ext uri="{FF2B5EF4-FFF2-40B4-BE49-F238E27FC236}">
-                <a16:creationId xmlns:a16="http://schemas.microsoft.com/office/drawing/2014/main" id="{A24B164B-8EBC-4D8C-A5B9-63E00094E7BA}"/>
-              </a:ext>
-            </a:extLst>
-          </p:cNvPr>
+            <a:fld id="{BADBF3DD-8B6D-46AA-BCA9-242D4EF63DDF}" type="datetime1">
+              <a:rPr lang="en-US" smtClean="0"/>
+              <a:t>8/9/2018</a:t>
+            </a:fld>
+            <a:endParaRPr lang="en-US" dirty="0"/>
+          </a:p>
+        </p:txBody>
+      </p:sp>
+      <p:sp>
+        <p:nvSpPr>
+          <p:cNvPr id="7" name="Slide Number Placeholder 6"/>
           <p:cNvSpPr>
             <a:spLocks noGrp="1"/>
           </p:cNvSpPr>
@@ -2427,24 +4200,37 @@
           <a:bodyPr/>
           <a:lstStyle/>
           <a:p>
-            <a:fld id="{00AA4107-D9FB-4ECC-A278-01A88F00319C}" type="slidenum">
+            <a:fld id="{DF28FB93-0A08-4E7D-8E63-9EFA29F1E093}" type="slidenum">
               <a:rPr lang="en-US" smtClean="0"/>
+              <a:pPr/>
               <a:t>‹#›</a:t>
             </a:fld>
-            <a:endParaRPr lang="en-US"/>
+            <a:endParaRPr lang="en-US" dirty="0"/>
           </a:p>
         </p:txBody>
       </p:sp>
     </p:spTree>
     <p:extLst>
       <p:ext uri="{BB962C8B-B14F-4D97-AF65-F5344CB8AC3E}">
-        <p14:creationId xmlns:p14="http://schemas.microsoft.com/office/powerpoint/2010/main" val="3727372483"/>
+        <p14:creationId xmlns:p14="http://schemas.microsoft.com/office/powerpoint/2010/main" val="3616132146"/>
       </p:ext>
     </p:extLst>
   </p:cSld>
   <p:clrMapOvr>
     <a:masterClrMapping/>
   </p:clrMapOvr>
+  <mc:AlternateContent xmlns:mc="http://schemas.openxmlformats.org/markup-compatibility/2006" xmlns:p14="http://schemas.microsoft.com/office/powerpoint/2010/main">
+    <mc:Choice Requires="p14">
+      <p:transition spd="med" p14:dur="700">
+        <p:fade/>
+      </p:transition>
+    </mc:Choice>
+    <mc:Fallback xmlns="">
+      <p:transition spd="med">
+        <p:fade/>
+      </p:transition>
+    </mc:Fallback>
+  </mc:AlternateContent>
 </p:sldLayout>
 </file>
 
@@ -2467,31 +4253,76 @@
       </p:grpSpPr>
       <p:sp>
         <p:nvSpPr>
-          <p:cNvPr id="2" name="Title 1">
-            <a:extLst>
-              <a:ext uri="{FF2B5EF4-FFF2-40B4-BE49-F238E27FC236}">
-                <a16:creationId xmlns:a16="http://schemas.microsoft.com/office/drawing/2014/main" id="{6BC1D7E5-F61F-4035-8BD5-837784136239}"/>
-              </a:ext>
-            </a:extLst>
-          </p:cNvPr>
-          <p:cNvSpPr>
-            <a:spLocks noGrp="1"/>
-          </p:cNvSpPr>
-          <p:nvPr>
-            <p:ph type="title"/>
-          </p:nvPr>
+          <p:cNvPr id="8" name="frame"/>
+          <p:cNvSpPr/>
+          <p:nvPr/>
         </p:nvSpPr>
         <p:spPr>
           <a:xfrm>
-            <a:off x="839788" y="457200"/>
-            <a:ext cx="3932237" cy="1600200"/>
+            <a:off x="1217610" y="1019175"/>
+            <a:ext cx="6126480" cy="4572000"/>
+          </a:xfrm>
+          <a:prstGeom prst="rect">
+            <a:avLst/>
+          </a:prstGeom>
+          <a:noFill/>
+          <a:ln w="101600">
+            <a:solidFill>
+              <a:schemeClr val="accent1">
+                <a:lumMod val="50000"/>
+              </a:schemeClr>
+            </a:solidFill>
+            <a:miter lim="800000"/>
+          </a:ln>
+        </p:spPr>
+        <p:style>
+          <a:lnRef idx="2">
+            <a:schemeClr val="accent1">
+              <a:shade val="50000"/>
+            </a:schemeClr>
+          </a:lnRef>
+          <a:fillRef idx="1">
+            <a:schemeClr val="accent1"/>
+          </a:fillRef>
+          <a:effectRef idx="0">
+            <a:schemeClr val="accent1"/>
+          </a:effectRef>
+          <a:fontRef idx="minor">
+            <a:schemeClr val="lt1"/>
+          </a:fontRef>
+        </p:style>
+        <p:txBody>
+          <a:bodyPr rtlCol="0" anchor="ctr"/>
+          <a:lstStyle/>
+          <a:p>
+            <a:pPr algn="ctr"/>
+            <a:endParaRPr dirty="0"/>
+          </a:p>
+        </p:txBody>
+      </p:sp>
+      <p:sp>
+        <p:nvSpPr>
+          <p:cNvPr id="2" name="Title 1"/>
+          <p:cNvSpPr>
+            <a:spLocks noGrp="1"/>
+          </p:cNvSpPr>
+          <p:nvPr>
+            <p:ph type="title"/>
+          </p:nvPr>
+        </p:nvSpPr>
+        <p:spPr>
+          <a:xfrm>
+            <a:off x="7923214" y="1371600"/>
+            <a:ext cx="3124200" cy="2057400"/>
           </a:xfrm>
         </p:spPr>
         <p:txBody>
-          <a:bodyPr anchor="b"/>
+          <a:bodyPr anchor="b">
+            <a:normAutofit/>
+          </a:bodyPr>
           <a:lstStyle>
-            <a:lvl1pPr>
-              <a:defRPr sz="3200"/>
+            <a:lvl1pPr algn="l">
+              <a:defRPr sz="3200" b="0"/>
             </a:lvl1pPr>
           </a:lstStyle>
           <a:p>
@@ -2499,18 +4330,13 @@
               <a:rPr lang="en-US"/>
               <a:t>Click to edit Master title style</a:t>
             </a:r>
-          </a:p>
-        </p:txBody>
-      </p:sp>
-      <p:sp>
-        <p:nvSpPr>
-          <p:cNvPr id="3" name="Picture Placeholder 2">
-            <a:extLst>
-              <a:ext uri="{FF2B5EF4-FFF2-40B4-BE49-F238E27FC236}">
-                <a16:creationId xmlns:a16="http://schemas.microsoft.com/office/drawing/2014/main" id="{800F2E58-63F0-4D12-9A19-7FB9E9249999}"/>
-              </a:ext>
-            </a:extLst>
-          </p:cNvPr>
+            <a:endParaRPr/>
+          </a:p>
+        </p:txBody>
+      </p:sp>
+      <p:sp>
+        <p:nvSpPr>
+          <p:cNvPr id="3" name="Picture Placeholder 2" descr="An empty placeholder to add an image. Click on the placeholder and select the image that you wish to add"/>
           <p:cNvSpPr>
             <a:spLocks noGrp="1"/>
           </p:cNvSpPr>
@@ -2520,16 +4346,26 @@
         </p:nvSpPr>
         <p:spPr>
           <a:xfrm>
-            <a:off x="5183188" y="987425"/>
-            <a:ext cx="6172200" cy="4873625"/>
+            <a:off x="1400490" y="1202055"/>
+            <a:ext cx="5760720" cy="4206240"/>
           </a:xfrm>
+          <a:solidFill>
+            <a:schemeClr val="bg1">
+              <a:lumMod val="95000"/>
+            </a:schemeClr>
+          </a:solidFill>
         </p:spPr>
         <p:txBody>
-          <a:bodyPr/>
+          <a:bodyPr tIns="914400">
+            <a:normAutofit/>
+          </a:bodyPr>
           <a:lstStyle>
-            <a:lvl1pPr marL="0" indent="0">
-              <a:buNone/>
-              <a:defRPr sz="3200"/>
+            <a:lvl1pPr marL="0" indent="0" algn="ctr">
+              <a:spcBef>
+                <a:spcPts val="0"/>
+              </a:spcBef>
+              <a:buNone/>
+              <a:defRPr sz="2400"/>
             </a:lvl1pPr>
             <a:lvl2pPr marL="457200" indent="0">
               <a:buNone/>
@@ -2565,19 +4401,17 @@
             </a:lvl9pPr>
           </a:lstStyle>
           <a:p>
-            <a:endParaRPr lang="en-US"/>
-          </a:p>
-        </p:txBody>
-      </p:sp>
-      <p:sp>
-        <p:nvSpPr>
-          <p:cNvPr id="4" name="Text Placeholder 3">
-            <a:extLst>
-              <a:ext uri="{FF2B5EF4-FFF2-40B4-BE49-F238E27FC236}">
-                <a16:creationId xmlns:a16="http://schemas.microsoft.com/office/drawing/2014/main" id="{968E4CB9-FE77-4B69-B82A-DB4CE701697F}"/>
-              </a:ext>
-            </a:extLst>
-          </p:cNvPr>
+            <a:r>
+              <a:rPr lang="en-US"/>
+              <a:t>Click icon to add picture</a:t>
+            </a:r>
+            <a:endParaRPr dirty="0"/>
+          </a:p>
+        </p:txBody>
+      </p:sp>
+      <p:sp>
+        <p:nvSpPr>
+          <p:cNvPr id="4" name="Text Placeholder 3"/>
           <p:cNvSpPr>
             <a:spLocks noGrp="1"/>
           </p:cNvSpPr>
@@ -2587,48 +4421,53 @@
         </p:nvSpPr>
         <p:spPr>
           <a:xfrm>
-            <a:off x="839788" y="2057400"/>
-            <a:ext cx="3932237" cy="3811588"/>
+            <a:off x="7923214" y="3536829"/>
+            <a:ext cx="3124200" cy="1797171"/>
           </a:xfrm>
         </p:spPr>
         <p:txBody>
-          <a:bodyPr/>
+          <a:bodyPr>
+            <a:normAutofit/>
+          </a:bodyPr>
           <a:lstStyle>
             <a:lvl1pPr marL="0" indent="0">
+              <a:spcBef>
+                <a:spcPts val="800"/>
+              </a:spcBef>
               <a:buNone/>
               <a:defRPr sz="1600"/>
             </a:lvl1pPr>
             <a:lvl2pPr marL="457200" indent="0">
               <a:buNone/>
-              <a:defRPr sz="1400"/>
+              <a:defRPr sz="1200"/>
             </a:lvl2pPr>
             <a:lvl3pPr marL="914400" indent="0">
               <a:buNone/>
-              <a:defRPr sz="1200"/>
+              <a:defRPr sz="1000"/>
             </a:lvl3pPr>
             <a:lvl4pPr marL="1371600" indent="0">
               <a:buNone/>
-              <a:defRPr sz="1000"/>
+              <a:defRPr sz="900"/>
             </a:lvl4pPr>
             <a:lvl5pPr marL="1828800" indent="0">
               <a:buNone/>
-              <a:defRPr sz="1000"/>
+              <a:defRPr sz="900"/>
             </a:lvl5pPr>
             <a:lvl6pPr marL="2286000" indent="0">
               <a:buNone/>
-              <a:defRPr sz="1000"/>
+              <a:defRPr sz="900"/>
             </a:lvl6pPr>
             <a:lvl7pPr marL="2743200" indent="0">
               <a:buNone/>
-              <a:defRPr sz="1000"/>
+              <a:defRPr sz="900"/>
             </a:lvl7pPr>
             <a:lvl8pPr marL="3200400" indent="0">
               <a:buNone/>
-              <a:defRPr sz="1000"/>
+              <a:defRPr sz="900"/>
             </a:lvl8pPr>
             <a:lvl9pPr marL="3657600" indent="0">
               <a:buNone/>
-              <a:defRPr sz="1000"/>
+              <a:defRPr sz="900"/>
             </a:lvl9pPr>
           </a:lstStyle>
           <a:p>
@@ -2642,18 +4481,12 @@
       </p:sp>
       <p:sp>
         <p:nvSpPr>
-          <p:cNvPr id="5" name="Date Placeholder 4">
-            <a:extLst>
-              <a:ext uri="{FF2B5EF4-FFF2-40B4-BE49-F238E27FC236}">
-                <a16:creationId xmlns:a16="http://schemas.microsoft.com/office/drawing/2014/main" id="{9E4D10AD-70E3-4BA3-8414-94AAEAB43500}"/>
-              </a:ext>
-            </a:extLst>
-          </p:cNvPr>
-          <p:cNvSpPr>
-            <a:spLocks noGrp="1"/>
-          </p:cNvSpPr>
-          <p:nvPr>
-            <p:ph type="dt" sz="half" idx="10"/>
+          <p:cNvPr id="6" name="Footer Placeholder 5"/>
+          <p:cNvSpPr>
+            <a:spLocks noGrp="1"/>
+          </p:cNvSpPr>
+          <p:nvPr>
+            <p:ph type="ftr" sz="quarter" idx="11"/>
           </p:nvPr>
         </p:nvSpPr>
         <p:spPr/>
@@ -2661,28 +4494,21 @@
           <a:bodyPr/>
           <a:lstStyle/>
           <a:p>
-            <a:fld id="{B35C612F-4AC4-4563-83CE-4CCA5C3DC222}" type="datetimeFigureOut">
-              <a:rPr lang="en-US" smtClean="0"/>
-              <a:t>8/8/2018</a:t>
-            </a:fld>
-            <a:endParaRPr lang="en-US"/>
-          </a:p>
-        </p:txBody>
-      </p:sp>
-      <p:sp>
-        <p:nvSpPr>
-          <p:cNvPr id="6" name="Footer Placeholder 5">
-            <a:extLst>
-              <a:ext uri="{FF2B5EF4-FFF2-40B4-BE49-F238E27FC236}">
-                <a16:creationId xmlns:a16="http://schemas.microsoft.com/office/drawing/2014/main" id="{0B373330-4019-4A2E-A68D-ADDF76CC30A3}"/>
-              </a:ext>
-            </a:extLst>
-          </p:cNvPr>
-          <p:cNvSpPr>
-            <a:spLocks noGrp="1"/>
-          </p:cNvSpPr>
-          <p:nvPr>
-            <p:ph type="ftr" sz="quarter" idx="11"/>
+            <a:r>
+              <a:rPr lang="en-US" dirty="0"/>
+              <a:t>Add a footer</a:t>
+            </a:r>
+          </a:p>
+        </p:txBody>
+      </p:sp>
+      <p:sp>
+        <p:nvSpPr>
+          <p:cNvPr id="5" name="Date Placeholder 4"/>
+          <p:cNvSpPr>
+            <a:spLocks noGrp="1"/>
+          </p:cNvSpPr>
+          <p:nvPr>
+            <p:ph type="dt" sz="half" idx="10"/>
           </p:nvPr>
         </p:nvSpPr>
         <p:spPr/>
@@ -2690,19 +4516,17 @@
           <a:bodyPr/>
           <a:lstStyle/>
           <a:p>
-            <a:endParaRPr lang="en-US"/>
-          </a:p>
-        </p:txBody>
-      </p:sp>
-      <p:sp>
-        <p:nvSpPr>
-          <p:cNvPr id="7" name="Slide Number Placeholder 6">
-            <a:extLst>
-              <a:ext uri="{FF2B5EF4-FFF2-40B4-BE49-F238E27FC236}">
-                <a16:creationId xmlns:a16="http://schemas.microsoft.com/office/drawing/2014/main" id="{17B851AA-4758-4236-B083-C1D162C3D32E}"/>
-              </a:ext>
-            </a:extLst>
-          </p:cNvPr>
+            <a:fld id="{23C41AE9-3D4A-4A08-B03D-DC6D2ADF5464}" type="datetime1">
+              <a:rPr lang="en-US" smtClean="0"/>
+              <a:t>8/9/2018</a:t>
+            </a:fld>
+            <a:endParaRPr lang="en-US" dirty="0"/>
+          </a:p>
+        </p:txBody>
+      </p:sp>
+      <p:sp>
+        <p:nvSpPr>
+          <p:cNvPr id="7" name="Slide Number Placeholder 6"/>
           <p:cNvSpPr>
             <a:spLocks noGrp="1"/>
           </p:cNvSpPr>
@@ -2715,24 +4539,37 @@
           <a:bodyPr/>
           <a:lstStyle/>
           <a:p>
-            <a:fld id="{00AA4107-D9FB-4ECC-A278-01A88F00319C}" type="slidenum">
+            <a:fld id="{DF28FB93-0A08-4E7D-8E63-9EFA29F1E093}" type="slidenum">
               <a:rPr lang="en-US" smtClean="0"/>
+              <a:pPr/>
               <a:t>‹#›</a:t>
             </a:fld>
-            <a:endParaRPr lang="en-US"/>
+            <a:endParaRPr lang="en-US" dirty="0"/>
           </a:p>
         </p:txBody>
       </p:sp>
     </p:spTree>
     <p:extLst>
       <p:ext uri="{BB962C8B-B14F-4D97-AF65-F5344CB8AC3E}">
-        <p14:creationId xmlns:p14="http://schemas.microsoft.com/office/powerpoint/2010/main" val="1146800026"/>
+        <p14:creationId xmlns:p14="http://schemas.microsoft.com/office/powerpoint/2010/main" val="1931862729"/>
       </p:ext>
     </p:extLst>
   </p:cSld>
   <p:clrMapOvr>
     <a:masterClrMapping/>
   </p:clrMapOvr>
+  <mc:AlternateContent xmlns:mc="http://schemas.openxmlformats.org/markup-compatibility/2006" xmlns:p14="http://schemas.microsoft.com/office/powerpoint/2010/main">
+    <mc:Choice Requires="p14">
+      <p:transition spd="med" p14:dur="700">
+        <p:fade/>
+      </p:transition>
+    </mc:Choice>
+    <mc:Fallback xmlns="">
+      <p:transition spd="med">
+        <p:fade/>
+      </p:transition>
+    </mc:Fallback>
+  </mc:AlternateContent>
 </p:sldLayout>
 </file>
 
@@ -2758,15 +4595,312 @@
           <a:chExt cx="0" cy="0"/>
         </a:xfrm>
       </p:grpSpPr>
-      <p:sp>
-        <p:nvSpPr>
-          <p:cNvPr id="2" name="Title Placeholder 1">
-            <a:extLst>
-              <a:ext uri="{FF2B5EF4-FFF2-40B4-BE49-F238E27FC236}">
-                <a16:creationId xmlns:a16="http://schemas.microsoft.com/office/drawing/2014/main" id="{AB4444B2-B077-447F-BFBF-5119E66A05EA}"/>
-              </a:ext>
-            </a:extLst>
-          </p:cNvPr>
+      <p:grpSp>
+        <p:nvGrpSpPr>
+          <p:cNvPr id="14" name="bottom graphic"/>
+          <p:cNvGrpSpPr/>
+          <p:nvPr/>
+        </p:nvGrpSpPr>
+        <p:grpSpPr>
+          <a:xfrm>
+            <a:off x="0" y="6309360"/>
+            <a:ext cx="12190231" cy="548640"/>
+            <a:chOff x="0" y="6309360"/>
+            <a:chExt cx="12190231" cy="548640"/>
+          </a:xfrm>
+        </p:grpSpPr>
+        <p:sp>
+          <p:nvSpPr>
+            <p:cNvPr id="7" name="Rectangle 6"/>
+            <p:cNvSpPr/>
+            <p:nvPr/>
+          </p:nvSpPr>
+          <p:spPr>
+            <a:xfrm>
+              <a:off x="0" y="6400800"/>
+              <a:ext cx="12188825" cy="457200"/>
+            </a:xfrm>
+            <a:prstGeom prst="rect">
+              <a:avLst/>
+            </a:prstGeom>
+            <a:ln>
+              <a:noFill/>
+            </a:ln>
+          </p:spPr>
+          <p:style>
+            <a:lnRef idx="2">
+              <a:schemeClr val="accent1">
+                <a:shade val="50000"/>
+              </a:schemeClr>
+            </a:lnRef>
+            <a:fillRef idx="1003">
+              <a:schemeClr val="dk2"/>
+            </a:fillRef>
+            <a:effectRef idx="0">
+              <a:schemeClr val="accent1"/>
+            </a:effectRef>
+            <a:fontRef idx="minor">
+              <a:schemeClr val="lt1"/>
+            </a:fontRef>
+          </p:style>
+          <p:txBody>
+            <a:bodyPr rtlCol="0" anchor="ctr"/>
+            <a:lstStyle/>
+            <a:p>
+              <a:pPr algn="ctr"/>
+              <a:endParaRPr dirty="0"/>
+            </a:p>
+          </p:txBody>
+        </p:sp>
+        <p:sp>
+          <p:nvSpPr>
+            <p:cNvPr id="8" name="Rectangle 7"/>
+            <p:cNvSpPr/>
+            <p:nvPr/>
+          </p:nvSpPr>
+          <p:spPr>
+            <a:xfrm>
+              <a:off x="1279" y="6309360"/>
+              <a:ext cx="12188952" cy="97215"/>
+            </a:xfrm>
+            <a:prstGeom prst="rect">
+              <a:avLst/>
+            </a:prstGeom>
+            <a:solidFill>
+              <a:schemeClr val="tx2"/>
+            </a:solidFill>
+            <a:ln>
+              <a:noFill/>
+            </a:ln>
+          </p:spPr>
+          <p:style>
+            <a:lnRef idx="2">
+              <a:schemeClr val="accent1">
+                <a:shade val="50000"/>
+              </a:schemeClr>
+            </a:lnRef>
+            <a:fillRef idx="1">
+              <a:schemeClr val="accent1"/>
+            </a:fillRef>
+            <a:effectRef idx="0">
+              <a:schemeClr val="accent1"/>
+            </a:effectRef>
+            <a:fontRef idx="minor">
+              <a:schemeClr val="lt1"/>
+            </a:fontRef>
+          </p:style>
+          <p:txBody>
+            <a:bodyPr rtlCol="0" anchor="ctr"/>
+            <a:lstStyle/>
+            <a:p>
+              <a:pPr algn="ctr"/>
+              <a:endParaRPr dirty="0"/>
+            </a:p>
+          </p:txBody>
+        </p:sp>
+        <p:sp>
+          <p:nvSpPr>
+            <p:cNvPr id="9" name="Rectangle 8"/>
+            <p:cNvSpPr/>
+            <p:nvPr/>
+          </p:nvSpPr>
+          <p:spPr>
+            <a:xfrm>
+              <a:off x="1279" y="6379143"/>
+              <a:ext cx="12188952" cy="27432"/>
+            </a:xfrm>
+            <a:prstGeom prst="rect">
+              <a:avLst/>
+            </a:prstGeom>
+            <a:solidFill>
+              <a:schemeClr val="bg1"/>
+            </a:solidFill>
+            <a:ln>
+              <a:noFill/>
+            </a:ln>
+          </p:spPr>
+          <p:style>
+            <a:lnRef idx="2">
+              <a:schemeClr val="accent1">
+                <a:shade val="50000"/>
+              </a:schemeClr>
+            </a:lnRef>
+            <a:fillRef idx="1">
+              <a:schemeClr val="accent1"/>
+            </a:fillRef>
+            <a:effectRef idx="0">
+              <a:schemeClr val="accent1"/>
+            </a:effectRef>
+            <a:fontRef idx="minor">
+              <a:schemeClr val="lt1"/>
+            </a:fontRef>
+          </p:style>
+          <p:txBody>
+            <a:bodyPr rtlCol="0" anchor="ctr"/>
+            <a:lstStyle/>
+            <a:p>
+              <a:pPr algn="ctr"/>
+              <a:endParaRPr dirty="0"/>
+            </a:p>
+          </p:txBody>
+        </p:sp>
+      </p:grpSp>
+      <p:grpSp>
+        <p:nvGrpSpPr>
+          <p:cNvPr id="10" name="top graphic"/>
+          <p:cNvGrpSpPr/>
+          <p:nvPr/>
+        </p:nvGrpSpPr>
+        <p:grpSpPr>
+          <a:xfrm>
+            <a:off x="1279" y="0"/>
+            <a:ext cx="12188952" cy="320040"/>
+            <a:chOff x="1279" y="0"/>
+            <a:chExt cx="12188952" cy="320040"/>
+          </a:xfrm>
+        </p:grpSpPr>
+        <p:sp>
+          <p:nvSpPr>
+            <p:cNvPr id="11" name="Rectangle 10"/>
+            <p:cNvSpPr/>
+            <p:nvPr/>
+          </p:nvSpPr>
+          <p:spPr>
+            <a:xfrm>
+              <a:off x="1279" y="0"/>
+              <a:ext cx="12188952" cy="170234"/>
+            </a:xfrm>
+            <a:prstGeom prst="rect">
+              <a:avLst/>
+            </a:prstGeom>
+            <a:solidFill>
+              <a:schemeClr val="tx1"/>
+            </a:solidFill>
+            <a:ln>
+              <a:noFill/>
+            </a:ln>
+          </p:spPr>
+          <p:style>
+            <a:lnRef idx="2">
+              <a:schemeClr val="accent1">
+                <a:shade val="50000"/>
+              </a:schemeClr>
+            </a:lnRef>
+            <a:fillRef idx="1">
+              <a:schemeClr val="accent1"/>
+            </a:fillRef>
+            <a:effectRef idx="0">
+              <a:schemeClr val="accent1"/>
+            </a:effectRef>
+            <a:fontRef idx="minor">
+              <a:schemeClr val="lt1"/>
+            </a:fontRef>
+          </p:style>
+          <p:txBody>
+            <a:bodyPr rtlCol="0" anchor="ctr"/>
+            <a:lstStyle/>
+            <a:p>
+              <a:pPr algn="ctr"/>
+              <a:endParaRPr dirty="0"/>
+            </a:p>
+          </p:txBody>
+        </p:sp>
+        <p:sp>
+          <p:nvSpPr>
+            <p:cNvPr id="12" name="Rectangle 11"/>
+            <p:cNvSpPr/>
+            <p:nvPr/>
+          </p:nvSpPr>
+          <p:spPr>
+            <a:xfrm>
+              <a:off x="1279" y="170234"/>
+              <a:ext cx="12188952" cy="149806"/>
+            </a:xfrm>
+            <a:prstGeom prst="rect">
+              <a:avLst/>
+            </a:prstGeom>
+            <a:solidFill>
+              <a:schemeClr val="tx2"/>
+            </a:solidFill>
+            <a:ln>
+              <a:noFill/>
+            </a:ln>
+          </p:spPr>
+          <p:style>
+            <a:lnRef idx="2">
+              <a:schemeClr val="accent1">
+                <a:shade val="50000"/>
+              </a:schemeClr>
+            </a:lnRef>
+            <a:fillRef idx="1">
+              <a:schemeClr val="accent1"/>
+            </a:fillRef>
+            <a:effectRef idx="0">
+              <a:schemeClr val="accent1"/>
+            </a:effectRef>
+            <a:fontRef idx="minor">
+              <a:schemeClr val="lt1"/>
+            </a:fontRef>
+          </p:style>
+          <p:txBody>
+            <a:bodyPr rtlCol="0" anchor="ctr"/>
+            <a:lstStyle/>
+            <a:p>
+              <a:pPr algn="ctr"/>
+              <a:endParaRPr dirty="0"/>
+            </a:p>
+          </p:txBody>
+        </p:sp>
+        <p:sp>
+          <p:nvSpPr>
+            <p:cNvPr id="13" name="Rectangle 12"/>
+            <p:cNvSpPr/>
+            <p:nvPr/>
+          </p:nvSpPr>
+          <p:spPr>
+            <a:xfrm>
+              <a:off x="1279" y="231421"/>
+              <a:ext cx="12188952" cy="27432"/>
+            </a:xfrm>
+            <a:prstGeom prst="rect">
+              <a:avLst/>
+            </a:prstGeom>
+            <a:solidFill>
+              <a:schemeClr val="bg1"/>
+            </a:solidFill>
+            <a:ln>
+              <a:noFill/>
+            </a:ln>
+          </p:spPr>
+          <p:style>
+            <a:lnRef idx="2">
+              <a:schemeClr val="accent1">
+                <a:shade val="50000"/>
+              </a:schemeClr>
+            </a:lnRef>
+            <a:fillRef idx="1">
+              <a:schemeClr val="accent1"/>
+            </a:fillRef>
+            <a:effectRef idx="0">
+              <a:schemeClr val="accent1"/>
+            </a:effectRef>
+            <a:fontRef idx="minor">
+              <a:schemeClr val="lt1"/>
+            </a:fontRef>
+          </p:style>
+          <p:txBody>
+            <a:bodyPr rtlCol="0" anchor="ctr"/>
+            <a:lstStyle/>
+            <a:p>
+              <a:pPr algn="ctr"/>
+              <a:endParaRPr dirty="0"/>
+            </a:p>
+          </p:txBody>
+        </p:sp>
+      </p:grpSp>
+      <p:sp>
+        <p:nvSpPr>
+          <p:cNvPr id="2" name="Title Placeholder 1"/>
           <p:cNvSpPr>
             <a:spLocks noGrp="1"/>
           </p:cNvSpPr>
@@ -2776,15 +4910,15 @@
         </p:nvSpPr>
         <p:spPr>
           <a:xfrm>
-            <a:off x="838200" y="365125"/>
-            <a:ext cx="10515600" cy="1325563"/>
+            <a:off x="1522876" y="609600"/>
+            <a:ext cx="9143538" cy="1066800"/>
           </a:xfrm>
           <a:prstGeom prst="rect">
             <a:avLst/>
           </a:prstGeom>
         </p:spPr>
         <p:txBody>
-          <a:bodyPr vert="horz" lIns="91440" tIns="45720" rIns="91440" bIns="45720" rtlCol="0" anchor="ctr">
+          <a:bodyPr vert="horz" lIns="91440" tIns="45720" rIns="91440" bIns="45720" rtlCol="0" anchor="b">
             <a:normAutofit/>
           </a:bodyPr>
           <a:lstStyle/>
@@ -2793,18 +4927,13 @@
               <a:rPr lang="en-US"/>
               <a:t>Click to edit Master title style</a:t>
             </a:r>
-          </a:p>
-        </p:txBody>
-      </p:sp>
-      <p:sp>
-        <p:nvSpPr>
-          <p:cNvPr id="3" name="Text Placeholder 2">
-            <a:extLst>
-              <a:ext uri="{FF2B5EF4-FFF2-40B4-BE49-F238E27FC236}">
-                <a16:creationId xmlns:a16="http://schemas.microsoft.com/office/drawing/2014/main" id="{38EB2654-D15A-4CBC-8727-2B6FDB37ECEF}"/>
-              </a:ext>
-            </a:extLst>
-          </p:cNvPr>
+            <a:endParaRPr/>
+          </a:p>
+        </p:txBody>
+      </p:sp>
+      <p:sp>
+        <p:nvSpPr>
+          <p:cNvPr id="3" name="Text Placeholder 2"/>
           <p:cNvSpPr>
             <a:spLocks noGrp="1"/>
           </p:cNvSpPr>
@@ -2814,8 +4943,8 @@
         </p:nvSpPr>
         <p:spPr>
           <a:xfrm>
-            <a:off x="838200" y="1825625"/>
-            <a:ext cx="10515600" cy="4351338"/>
+            <a:off x="1522876" y="1905000"/>
+            <a:ext cx="9143538" cy="3697465"/>
           </a:xfrm>
           <a:prstGeom prst="rect">
             <a:avLst/>
@@ -2860,29 +4989,24 @@
               <a:rPr lang="en-US"/>
               <a:t>Fifth level</a:t>
             </a:r>
-          </a:p>
-        </p:txBody>
-      </p:sp>
-      <p:sp>
-        <p:nvSpPr>
-          <p:cNvPr id="4" name="Date Placeholder 3">
-            <a:extLst>
-              <a:ext uri="{FF2B5EF4-FFF2-40B4-BE49-F238E27FC236}">
-                <a16:creationId xmlns:a16="http://schemas.microsoft.com/office/drawing/2014/main" id="{4DABA871-2337-491E-A721-FF5DE9115D1A}"/>
-              </a:ext>
-            </a:extLst>
-          </p:cNvPr>
-          <p:cNvSpPr>
-            <a:spLocks noGrp="1"/>
-          </p:cNvSpPr>
-          <p:nvPr>
-            <p:ph type="dt" sz="half" idx="2"/>
-          </p:nvPr>
-        </p:nvSpPr>
-        <p:spPr>
+            <a:endParaRPr dirty="0"/>
+          </a:p>
+        </p:txBody>
+      </p:sp>
+      <p:sp>
+        <p:nvSpPr>
+          <p:cNvPr id="5" name="Footer Placeholder 4"/>
+          <p:cNvSpPr>
+            <a:spLocks noGrp="1"/>
+          </p:cNvSpPr>
+          <p:nvPr>
+            <p:ph type="ftr" sz="quarter" idx="3"/>
+          </p:nvPr>
+        </p:nvSpPr>
+        <p:spPr bwMode="auto">
           <a:xfrm>
-            <a:off x="838200" y="6356350"/>
-            <a:ext cx="2743200" cy="365125"/>
+            <a:off x="1507498" y="6516865"/>
+            <a:ext cx="6062145" cy="228600"/>
           </a:xfrm>
           <a:prstGeom prst="rect">
             <a:avLst/>
@@ -2892,44 +5016,35 @@
           <a:bodyPr vert="horz" lIns="91440" tIns="45720" rIns="91440" bIns="45720" rtlCol="0" anchor="ctr"/>
           <a:lstStyle>
             <a:lvl1pPr algn="l">
-              <a:defRPr sz="1200">
+              <a:defRPr sz="1100" cap="all" baseline="0">
                 <a:solidFill>
-                  <a:schemeClr val="tx1">
-                    <a:tint val="75000"/>
-                  </a:schemeClr>
+                  <a:schemeClr val="bg1"/>
                 </a:solidFill>
               </a:defRPr>
             </a:lvl1pPr>
           </a:lstStyle>
           <a:p>
-            <a:fld id="{B35C612F-4AC4-4563-83CE-4CCA5C3DC222}" type="datetimeFigureOut">
-              <a:rPr lang="en-US" smtClean="0"/>
-              <a:t>8/8/2018</a:t>
-            </a:fld>
-            <a:endParaRPr lang="en-US"/>
-          </a:p>
-        </p:txBody>
-      </p:sp>
-      <p:sp>
-        <p:nvSpPr>
-          <p:cNvPr id="5" name="Footer Placeholder 4">
-            <a:extLst>
-              <a:ext uri="{FF2B5EF4-FFF2-40B4-BE49-F238E27FC236}">
-                <a16:creationId xmlns:a16="http://schemas.microsoft.com/office/drawing/2014/main" id="{835FD614-EF6C-4CCD-9576-90B90C5965DB}"/>
-              </a:ext>
-            </a:extLst>
-          </p:cNvPr>
-          <p:cNvSpPr>
-            <a:spLocks noGrp="1"/>
-          </p:cNvSpPr>
-          <p:nvPr>
-            <p:ph type="ftr" sz="quarter" idx="3"/>
-          </p:nvPr>
-        </p:nvSpPr>
-        <p:spPr>
+            <a:r>
+              <a:rPr lang="en-US" dirty="0"/>
+              <a:t>Add a footer</a:t>
+            </a:r>
+          </a:p>
+        </p:txBody>
+      </p:sp>
+      <p:sp>
+        <p:nvSpPr>
+          <p:cNvPr id="4" name="Date Placeholder 3"/>
+          <p:cNvSpPr>
+            <a:spLocks noGrp="1"/>
+          </p:cNvSpPr>
+          <p:nvPr>
+            <p:ph type="dt" sz="half" idx="2"/>
+          </p:nvPr>
+        </p:nvSpPr>
+        <p:spPr bwMode="auto">
           <a:xfrm>
-            <a:off x="4038600" y="6356350"/>
-            <a:ext cx="4114800" cy="365125"/>
+            <a:off x="7994363" y="6516865"/>
+            <a:ext cx="1327622" cy="228600"/>
           </a:xfrm>
           <a:prstGeom prst="rect">
             <a:avLst/>
@@ -2938,30 +5053,27 @@
         <p:txBody>
           <a:bodyPr vert="horz" lIns="91440" tIns="45720" rIns="91440" bIns="45720" rtlCol="0" anchor="ctr"/>
           <a:lstStyle>
-            <a:lvl1pPr algn="ctr">
-              <a:defRPr sz="1200">
+            <a:lvl1pPr algn="r">
+              <a:defRPr sz="1100">
                 <a:solidFill>
-                  <a:schemeClr val="tx1">
-                    <a:tint val="75000"/>
-                  </a:schemeClr>
+                  <a:schemeClr val="bg1"/>
                 </a:solidFill>
               </a:defRPr>
             </a:lvl1pPr>
           </a:lstStyle>
           <a:p>
-            <a:endParaRPr lang="en-US"/>
-          </a:p>
-        </p:txBody>
-      </p:sp>
-      <p:sp>
-        <p:nvSpPr>
-          <p:cNvPr id="6" name="Slide Number Placeholder 5">
-            <a:extLst>
-              <a:ext uri="{FF2B5EF4-FFF2-40B4-BE49-F238E27FC236}">
-                <a16:creationId xmlns:a16="http://schemas.microsoft.com/office/drawing/2014/main" id="{C4B901FD-CBF5-4773-B7BF-5EB817E2AFC1}"/>
-              </a:ext>
-            </a:extLst>
-          </p:cNvPr>
+            <a:fld id="{5C6E67D0-0200-42BE-A0B2-78C70FBBB312}" type="datetime1">
+              <a:rPr lang="en-US" smtClean="0"/>
+              <a:pPr/>
+              <a:t>8/9/2018</a:t>
+            </a:fld>
+            <a:endParaRPr lang="en-US" dirty="0"/>
+          </a:p>
+        </p:txBody>
+      </p:sp>
+      <p:sp>
+        <p:nvSpPr>
+          <p:cNvPr id="6" name="Slide Number Placeholder 5"/>
           <p:cNvSpPr>
             <a:spLocks noGrp="1"/>
           </p:cNvSpPr>
@@ -2969,10 +5081,10 @@
             <p:ph type="sldNum" sz="quarter" idx="4"/>
           </p:nvPr>
         </p:nvSpPr>
-        <p:spPr>
+        <p:spPr bwMode="auto">
           <a:xfrm>
-            <a:off x="8610600" y="6356350"/>
-            <a:ext cx="2743200" cy="365125"/>
+            <a:off x="9730094" y="6516865"/>
+            <a:ext cx="936319" cy="228600"/>
           </a:xfrm>
           <a:prstGeom prst="rect">
             <a:avLst/>
@@ -2982,45 +5094,58 @@
           <a:bodyPr vert="horz" lIns="91440" tIns="45720" rIns="91440" bIns="45720" rtlCol="0" anchor="ctr"/>
           <a:lstStyle>
             <a:lvl1pPr algn="r">
-              <a:defRPr sz="1200">
+              <a:defRPr sz="1100">
                 <a:solidFill>
-                  <a:schemeClr val="tx1">
-                    <a:tint val="75000"/>
-                  </a:schemeClr>
+                  <a:schemeClr val="bg1"/>
                 </a:solidFill>
               </a:defRPr>
             </a:lvl1pPr>
           </a:lstStyle>
           <a:p>
-            <a:fld id="{00AA4107-D9FB-4ECC-A278-01A88F00319C}" type="slidenum">
+            <a:fld id="{DF28FB93-0A08-4E7D-8E63-9EFA29F1E093}" type="slidenum">
               <a:rPr lang="en-US" smtClean="0"/>
+              <a:pPr/>
               <a:t>‹#›</a:t>
             </a:fld>
-            <a:endParaRPr lang="en-US"/>
+            <a:endParaRPr lang="en-US" dirty="0"/>
           </a:p>
         </p:txBody>
       </p:sp>
     </p:spTree>
     <p:extLst>
       <p:ext uri="{BB962C8B-B14F-4D97-AF65-F5344CB8AC3E}">
-        <p14:creationId xmlns:p14="http://schemas.microsoft.com/office/powerpoint/2010/main" val="635063822"/>
+        <p14:creationId xmlns:p14="http://schemas.microsoft.com/office/powerpoint/2010/main" val="3310681898"/>
       </p:ext>
     </p:extLst>
   </p:cSld>
   <p:clrMap bg1="lt1" tx1="dk1" bg2="lt2" tx2="dk2" accent1="accent1" accent2="accent2" accent3="accent3" accent4="accent4" accent5="accent5" accent6="accent6" hlink="hlink" folHlink="folHlink"/>
   <p:sldLayoutIdLst>
-    <p:sldLayoutId id="2147483649" r:id="rId1"/>
-    <p:sldLayoutId id="2147483650" r:id="rId2"/>
-    <p:sldLayoutId id="2147483651" r:id="rId3"/>
-    <p:sldLayoutId id="2147483652" r:id="rId4"/>
-    <p:sldLayoutId id="2147483653" r:id="rId5"/>
-    <p:sldLayoutId id="2147483654" r:id="rId6"/>
-    <p:sldLayoutId id="2147483655" r:id="rId7"/>
-    <p:sldLayoutId id="2147483656" r:id="rId8"/>
-    <p:sldLayoutId id="2147483657" r:id="rId9"/>
-    <p:sldLayoutId id="2147483658" r:id="rId10"/>
-    <p:sldLayoutId id="2147483659" r:id="rId11"/>
+    <p:sldLayoutId id="2147483925" r:id="rId1"/>
+    <p:sldLayoutId id="2147483926" r:id="rId2"/>
+    <p:sldLayoutId id="2147483927" r:id="rId3"/>
+    <p:sldLayoutId id="2147483928" r:id="rId4"/>
+    <p:sldLayoutId id="2147483929" r:id="rId5"/>
+    <p:sldLayoutId id="2147483930" r:id="rId6"/>
+    <p:sldLayoutId id="2147483931" r:id="rId7"/>
+    <p:sldLayoutId id="2147483932" r:id="rId8"/>
+    <p:sldLayoutId id="2147483933" r:id="rId9"/>
+    <p:sldLayoutId id="2147483934" r:id="rId10"/>
+    <p:sldLayoutId id="2147483935" r:id="rId11"/>
+    <p:sldLayoutId id="2147483914" r:id="rId12"/>
   </p:sldLayoutIdLst>
+  <mc:AlternateContent xmlns:mc="http://schemas.openxmlformats.org/markup-compatibility/2006" xmlns:p14="http://schemas.microsoft.com/office/powerpoint/2010/main">
+    <mc:Choice Requires="p14">
+      <p:transition spd="med" p14:dur="700">
+        <p:fade/>
+      </p:transition>
+    </mc:Choice>
+    <mc:Fallback xmlns="">
+      <p:transition spd="med">
+        <p:fade/>
+      </p:transition>
+    </mc:Fallback>
+  </mc:AlternateContent>
+  <p:hf sldNum="0" hdr="0" ftr="0" dt="0"/>
   <p:txStyles>
     <p:titleStyle>
       <a:lvl1pPr algn="l" defTabSz="914400" rtl="0" eaLnBrk="1" latinLnBrk="0" hangingPunct="1">
@@ -3031,9 +5156,11 @@
           <a:spcPct val="0"/>
         </a:spcBef>
         <a:buNone/>
-        <a:defRPr sz="4400" kern="1200">
+        <a:defRPr sz="3200" kern="1200">
           <a:solidFill>
-            <a:schemeClr val="tx1"/>
+            <a:schemeClr val="accent1">
+              <a:lumMod val="50000"/>
+            </a:schemeClr>
           </a:solidFill>
           <a:latin typeface="+mj-lt"/>
           <a:ea typeface="+mj-ea"/>
@@ -3042,16 +5169,20 @@
       </a:lvl1pPr>
     </p:titleStyle>
     <p:bodyStyle>
-      <a:lvl1pPr marL="228600" indent="-228600" algn="l" defTabSz="914400" rtl="0" eaLnBrk="1" latinLnBrk="0" hangingPunct="1">
+      <a:lvl1pPr marL="274320" indent="-274320" algn="l" defTabSz="914400" rtl="0" eaLnBrk="1" latinLnBrk="0" hangingPunct="1">
         <a:lnSpc>
           <a:spcPct val="90000"/>
         </a:lnSpc>
         <a:spcBef>
-          <a:spcPts val="1000"/>
+          <a:spcPts val="1800"/>
         </a:spcBef>
-        <a:buFont typeface="Arial" panose="020B0604020202020204" pitchFamily="34" charset="0"/>
-        <a:buChar char="•"/>
-        <a:defRPr sz="2800" kern="1200">
+        <a:buClr>
+          <a:schemeClr val="tx1"/>
+        </a:buClr>
+        <a:buSzPct val="80000"/>
+        <a:buFont typeface="Wingdings" pitchFamily="2" charset="2"/>
+        <a:buChar char="§"/>
+        <a:defRPr sz="2400" kern="1200">
           <a:solidFill>
             <a:schemeClr val="tx1"/>
           </a:solidFill>
@@ -3060,16 +5191,20 @@
           <a:cs typeface="+mn-cs"/>
         </a:defRPr>
       </a:lvl1pPr>
-      <a:lvl2pPr marL="685800" indent="-228600" algn="l" defTabSz="914400" rtl="0" eaLnBrk="1" latinLnBrk="0" hangingPunct="1">
+      <a:lvl2pPr marL="548640" indent="-228600" algn="l" defTabSz="914400" rtl="0" eaLnBrk="1" latinLnBrk="0" hangingPunct="1">
         <a:lnSpc>
           <a:spcPct val="90000"/>
         </a:lnSpc>
         <a:spcBef>
-          <a:spcPts val="500"/>
+          <a:spcPts val="1000"/>
         </a:spcBef>
-        <a:buFont typeface="Arial" panose="020B0604020202020204" pitchFamily="34" charset="0"/>
-        <a:buChar char="•"/>
-        <a:defRPr sz="2400" kern="1200">
+        <a:buClr>
+          <a:schemeClr val="tx1"/>
+        </a:buClr>
+        <a:buSzPct val="100000"/>
+        <a:buFont typeface="Arial" pitchFamily="34" charset="0"/>
+        <a:buChar char="–"/>
+        <a:defRPr sz="2000" kern="1200">
           <a:solidFill>
             <a:schemeClr val="tx1"/>
           </a:solidFill>
@@ -3078,16 +5213,20 @@
           <a:cs typeface="+mn-cs"/>
         </a:defRPr>
       </a:lvl2pPr>
-      <a:lvl3pPr marL="1143000" indent="-228600" algn="l" defTabSz="914400" rtl="0" eaLnBrk="1" latinLnBrk="0" hangingPunct="1">
+      <a:lvl3pPr marL="822960" indent="-228600" algn="l" defTabSz="914400" rtl="0" eaLnBrk="1" latinLnBrk="0" hangingPunct="1">
         <a:lnSpc>
           <a:spcPct val="90000"/>
         </a:lnSpc>
         <a:spcBef>
-          <a:spcPts val="500"/>
+          <a:spcPts val="800"/>
         </a:spcBef>
-        <a:buFont typeface="Arial" panose="020B0604020202020204" pitchFamily="34" charset="0"/>
-        <a:buChar char="•"/>
-        <a:defRPr sz="2000" kern="1200">
+        <a:buClr>
+          <a:schemeClr val="tx1"/>
+        </a:buClr>
+        <a:buSzPct val="80000"/>
+        <a:buFont typeface="Wingdings" pitchFamily="2" charset="2"/>
+        <a:buChar char="§"/>
+        <a:defRPr sz="1800" kern="1200">
           <a:solidFill>
             <a:schemeClr val="tx1"/>
           </a:solidFill>
@@ -3096,16 +5235,20 @@
           <a:cs typeface="+mn-cs"/>
         </a:defRPr>
       </a:lvl3pPr>
-      <a:lvl4pPr marL="1600200" indent="-228600" algn="l" defTabSz="914400" rtl="0" eaLnBrk="1" latinLnBrk="0" hangingPunct="1">
+      <a:lvl4pPr marL="1097280" indent="-228600" algn="l" defTabSz="914400" rtl="0" eaLnBrk="1" latinLnBrk="0" hangingPunct="1">
         <a:lnSpc>
           <a:spcPct val="90000"/>
         </a:lnSpc>
         <a:spcBef>
-          <a:spcPts val="500"/>
+          <a:spcPts val="800"/>
         </a:spcBef>
-        <a:buFont typeface="Arial" panose="020B0604020202020204" pitchFamily="34" charset="0"/>
-        <a:buChar char="•"/>
-        <a:defRPr sz="1800" kern="1200">
+        <a:buClr>
+          <a:schemeClr val="tx1"/>
+        </a:buClr>
+        <a:buSzPct val="100000"/>
+        <a:buFont typeface="Arial" pitchFamily="34" charset="0"/>
+        <a:buChar char="–"/>
+        <a:defRPr sz="1600" kern="1200">
           <a:solidFill>
             <a:schemeClr val="tx1"/>
           </a:solidFill>
@@ -3114,16 +5257,20 @@
           <a:cs typeface="+mn-cs"/>
         </a:defRPr>
       </a:lvl4pPr>
-      <a:lvl5pPr marL="2057400" indent="-228600" algn="l" defTabSz="914400" rtl="0" eaLnBrk="1" latinLnBrk="0" hangingPunct="1">
+      <a:lvl5pPr marL="1325880" indent="-228600" algn="l" defTabSz="914400" rtl="0" eaLnBrk="1" latinLnBrk="0" hangingPunct="1">
         <a:lnSpc>
           <a:spcPct val="90000"/>
         </a:lnSpc>
         <a:spcBef>
-          <a:spcPts val="500"/>
+          <a:spcPts val="800"/>
         </a:spcBef>
-        <a:buFont typeface="Arial" panose="020B0604020202020204" pitchFamily="34" charset="0"/>
-        <a:buChar char="•"/>
-        <a:defRPr sz="1800" kern="1200">
+        <a:buClr>
+          <a:schemeClr val="tx1"/>
+        </a:buClr>
+        <a:buSzPct val="80000"/>
+        <a:buFont typeface="Wingdings" pitchFamily="2" charset="2"/>
+        <a:buChar char="§"/>
+        <a:defRPr sz="1600" kern="1200">
           <a:solidFill>
             <a:schemeClr val="tx1"/>
           </a:solidFill>
@@ -3132,16 +5279,20 @@
           <a:cs typeface="+mn-cs"/>
         </a:defRPr>
       </a:lvl5pPr>
-      <a:lvl6pPr marL="2514600" indent="-228600" algn="l" defTabSz="914400" rtl="0" eaLnBrk="1" latinLnBrk="0" hangingPunct="1">
+      <a:lvl6pPr marL="1554480" indent="-228600" algn="l" defTabSz="914400" rtl="0" eaLnBrk="1" latinLnBrk="0" hangingPunct="1">
         <a:lnSpc>
           <a:spcPct val="90000"/>
         </a:lnSpc>
         <a:spcBef>
-          <a:spcPts val="500"/>
+          <a:spcPts val="800"/>
         </a:spcBef>
-        <a:buFont typeface="Arial" panose="020B0604020202020204" pitchFamily="34" charset="0"/>
-        <a:buChar char="•"/>
-        <a:defRPr sz="1800" kern="1200">
+        <a:buClr>
+          <a:schemeClr val="tx1"/>
+        </a:buClr>
+        <a:buSzPct val="100000"/>
+        <a:buFont typeface="Arial" pitchFamily="34" charset="0"/>
+        <a:buChar char="–"/>
+        <a:defRPr sz="1600" kern="1200">
           <a:solidFill>
             <a:schemeClr val="tx1"/>
           </a:solidFill>
@@ -3150,16 +5301,20 @@
           <a:cs typeface="+mn-cs"/>
         </a:defRPr>
       </a:lvl6pPr>
-      <a:lvl7pPr marL="2971800" indent="-228600" algn="l" defTabSz="914400" rtl="0" eaLnBrk="1" latinLnBrk="0" hangingPunct="1">
+      <a:lvl7pPr marL="1783080" indent="-228600" algn="l" defTabSz="914400" rtl="0" eaLnBrk="1" latinLnBrk="0" hangingPunct="1">
         <a:lnSpc>
           <a:spcPct val="90000"/>
         </a:lnSpc>
         <a:spcBef>
-          <a:spcPts val="500"/>
+          <a:spcPts val="800"/>
         </a:spcBef>
-        <a:buFont typeface="Arial" panose="020B0604020202020204" pitchFamily="34" charset="0"/>
-        <a:buChar char="•"/>
-        <a:defRPr sz="1800" kern="1200">
+        <a:buClr>
+          <a:schemeClr val="tx1"/>
+        </a:buClr>
+        <a:buSzPct val="80000"/>
+        <a:buFont typeface="Wingdings" pitchFamily="2" charset="2"/>
+        <a:buChar char="§"/>
+        <a:defRPr sz="1600" kern="1200">
           <a:solidFill>
             <a:schemeClr val="tx1"/>
           </a:solidFill>
@@ -3168,16 +5323,20 @@
           <a:cs typeface="+mn-cs"/>
         </a:defRPr>
       </a:lvl7pPr>
-      <a:lvl8pPr marL="3429000" indent="-228600" algn="l" defTabSz="914400" rtl="0" eaLnBrk="1" latinLnBrk="0" hangingPunct="1">
+      <a:lvl8pPr marL="2011680" indent="-228600" algn="l" defTabSz="914400" rtl="0" eaLnBrk="1" latinLnBrk="0" hangingPunct="1">
         <a:lnSpc>
           <a:spcPct val="90000"/>
         </a:lnSpc>
         <a:spcBef>
-          <a:spcPts val="500"/>
+          <a:spcPts val="800"/>
         </a:spcBef>
-        <a:buFont typeface="Arial" panose="020B0604020202020204" pitchFamily="34" charset="0"/>
-        <a:buChar char="•"/>
-        <a:defRPr sz="1800" kern="1200">
+        <a:buClr>
+          <a:schemeClr val="tx1"/>
+        </a:buClr>
+        <a:buSzPct val="100000"/>
+        <a:buFont typeface="Arial" pitchFamily="34" charset="0"/>
+        <a:buChar char="–"/>
+        <a:defRPr sz="1600" kern="1200">
           <a:solidFill>
             <a:schemeClr val="tx1"/>
           </a:solidFill>
@@ -3186,16 +5345,20 @@
           <a:cs typeface="+mn-cs"/>
         </a:defRPr>
       </a:lvl8pPr>
-      <a:lvl9pPr marL="3886200" indent="-228600" algn="l" defTabSz="914400" rtl="0" eaLnBrk="1" latinLnBrk="0" hangingPunct="1">
+      <a:lvl9pPr marL="2240280" indent="-228600" algn="l" defTabSz="914400" rtl="0" eaLnBrk="1" latinLnBrk="0" hangingPunct="1">
         <a:lnSpc>
           <a:spcPct val="90000"/>
         </a:lnSpc>
         <a:spcBef>
-          <a:spcPts val="500"/>
+          <a:spcPts val="800"/>
         </a:spcBef>
-        <a:buFont typeface="Arial" panose="020B0604020202020204" pitchFamily="34" charset="0"/>
-        <a:buChar char="•"/>
-        <a:defRPr sz="1800" kern="1200">
+        <a:buClr>
+          <a:schemeClr val="tx1"/>
+        </a:buClr>
+        <a:buSzPct val="80000"/>
+        <a:buFont typeface="Wingdings" pitchFamily="2" charset="2"/>
+        <a:buChar char="§"/>
+        <a:defRPr sz="1600" kern="1200">
           <a:solidFill>
             <a:schemeClr val="tx1"/>
           </a:solidFill>
@@ -3207,7 +5370,7 @@
     </p:bodyStyle>
     <p:otherStyle>
       <a:defPPr>
-        <a:defRPr lang="en-US"/>
+        <a:defRPr/>
       </a:defPPr>
       <a:lvl1pPr marL="0" algn="l" defTabSz="914400" rtl="0" eaLnBrk="1" latinLnBrk="0" hangingPunct="1">
         <a:defRPr sz="1800" kern="1200">
@@ -3323,83 +5486,1051 @@
       </p:grpSpPr>
       <p:sp>
         <p:nvSpPr>
-          <p:cNvPr id="2" name="Title 1">
+          <p:cNvPr id="2" name="Title 1"/>
+          <p:cNvSpPr>
+            <a:spLocks noGrp="1"/>
+          </p:cNvSpPr>
+          <p:nvPr>
+            <p:ph type="ctrTitle"/>
+          </p:nvPr>
+        </p:nvSpPr>
+        <p:spPr>
+          <a:xfrm>
+            <a:off x="1293812" y="1676400"/>
+            <a:ext cx="10058400" cy="2209800"/>
+          </a:xfrm>
+        </p:spPr>
+        <p:txBody>
+          <a:bodyPr/>
+          <a:lstStyle/>
+          <a:p>
+            <a:pPr algn="ctr"/>
+            <a:r>
+              <a:rPr lang="en-US" dirty="0"/>
+              <a:t>Computer Science Project Overview</a:t>
+            </a:r>
+          </a:p>
+        </p:txBody>
+      </p:sp>
+      <p:sp>
+        <p:nvSpPr>
+          <p:cNvPr id="3" name="Content Placeholder 2"/>
+          <p:cNvSpPr>
+            <a:spLocks noGrp="1"/>
+          </p:cNvSpPr>
+          <p:nvPr>
+            <p:ph type="subTitle" idx="1"/>
+          </p:nvPr>
+        </p:nvSpPr>
+        <p:spPr>
+          <a:xfrm>
+            <a:off x="1522412" y="5029200"/>
+            <a:ext cx="8991599" cy="838200"/>
+          </a:xfrm>
+        </p:spPr>
+        <p:txBody>
+          <a:bodyPr/>
+          <a:lstStyle/>
+          <a:p>
+            <a:r>
+              <a:rPr lang="en-US" dirty="0"/>
+              <a:t>Yes </a:t>
+            </a:r>
+            <a:r>
+              <a:rPr lang="en-US"/>
+              <a:t>We Can-</a:t>
+            </a:r>
+            <a:r>
+              <a:rPr lang="en-US" dirty="0" err="1"/>
+              <a:t>ine</a:t>
+            </a:r>
+            <a:r>
+              <a:rPr lang="en-US" dirty="0"/>
+              <a:t> | Cosmic Software | By:  Wilfredo Garcia Gonzalez</a:t>
+            </a:r>
+          </a:p>
+          <a:p>
+            <a:r>
+              <a:rPr lang="en-US" dirty="0"/>
+              <a:t>					       Boris Ruiz </a:t>
+            </a:r>
+            <a:r>
+              <a:rPr lang="en-US" dirty="0" err="1"/>
+              <a:t>Pettersson</a:t>
+            </a:r>
+            <a:r>
+              <a:rPr lang="en-US" dirty="0"/>
+              <a:t>	</a:t>
+            </a:r>
+          </a:p>
+        </p:txBody>
+      </p:sp>
+      <p:pic>
+        <p:nvPicPr>
+          <p:cNvPr id="1026" name="Picture 2" descr="https://lh6.googleusercontent.com/dwNgPeElRDQam-cs5tK5x3Y1antOqHzMPR0bNHURJvVPksJKsXgMJv5te41l2dvmFaB04vmMtRJGETndYGgiwTZDnGqjhNt51MJCHI1sbyEH_pmeCeT4tZqAQx4EmNZ7KzLz5cXu">
             <a:extLst>
               <a:ext uri="{FF2B5EF4-FFF2-40B4-BE49-F238E27FC236}">
-                <a16:creationId xmlns:a16="http://schemas.microsoft.com/office/drawing/2014/main" id="{6E180093-144D-49F7-8C2C-CC012D91EAB4}"/>
+                <a16:creationId xmlns:a16="http://schemas.microsoft.com/office/drawing/2014/main" id="{B3D001DD-35A4-4873-B26F-D379D6C3B437}"/>
               </a:ext>
             </a:extLst>
           </p:cNvPr>
-          <p:cNvSpPr>
-            <a:spLocks noGrp="1"/>
-          </p:cNvSpPr>
-          <p:nvPr>
-            <p:ph type="ctrTitle"/>
-          </p:nvPr>
-        </p:nvSpPr>
-        <p:spPr/>
-        <p:txBody>
-          <a:bodyPr/>
-          <a:lstStyle/>
-          <a:p>
-            <a:r>
-              <a:rPr lang="en-US" dirty="0"/>
-              <a:t>Capstone Project</a:t>
-            </a:r>
-          </a:p>
-        </p:txBody>
-      </p:sp>
-      <p:sp>
-        <p:nvSpPr>
-          <p:cNvPr id="3" name="Subtitle 2">
+          <p:cNvPicPr>
+            <a:picLocks noChangeAspect="1" noChangeArrowheads="1"/>
+          </p:cNvPicPr>
+          <p:nvPr/>
+        </p:nvPicPr>
+        <p:blipFill>
+          <a:blip r:embed="rId3">
+            <a:extLst>
+              <a:ext uri="{28A0092B-C50C-407E-A947-70E740481C1C}">
+                <a14:useLocalDpi xmlns:a14="http://schemas.microsoft.com/office/drawing/2010/main" val="0"/>
+              </a:ext>
+            </a:extLst>
+          </a:blip>
+          <a:srcRect/>
+          <a:stretch>
+            <a:fillRect/>
+          </a:stretch>
+        </p:blipFill>
+        <p:spPr bwMode="auto">
+          <a:xfrm>
+            <a:off x="1903412" y="5334000"/>
+            <a:ext cx="685800" cy="651753"/>
+          </a:xfrm>
+          <a:prstGeom prst="rect">
+            <a:avLst/>
+          </a:prstGeom>
+          <a:noFill/>
+          <a:extLst>
+            <a:ext uri="{909E8E84-426E-40DD-AFC4-6F175D3DCCD1}">
+              <a14:hiddenFill xmlns:a14="http://schemas.microsoft.com/office/drawing/2010/main">
+                <a:solidFill>
+                  <a:srgbClr val="FFFFFF"/>
+                </a:solidFill>
+              </a14:hiddenFill>
+            </a:ext>
+          </a:extLst>
+        </p:spPr>
+      </p:pic>
+      <p:pic>
+        <p:nvPicPr>
+          <p:cNvPr id="1028" name="Picture 4" descr="https://lh5.googleusercontent.com/V1jyEMaV5eTld3hGEHN9_sksYajAPxB6sh3cWJpF4TDZEyATqUJFrl517YjS6qmo4OO2ZsikQvKLRQmv9c8-kkIUOy4EWJ1KQF2p-BfkUdf1rSCAqf9s3km3T5e2nGGsrCX6A7QC">
             <a:extLst>
               <a:ext uri="{FF2B5EF4-FFF2-40B4-BE49-F238E27FC236}">
-                <a16:creationId xmlns:a16="http://schemas.microsoft.com/office/drawing/2014/main" id="{12172907-5375-4072-B207-3AD1172BA3D3}"/>
+                <a16:creationId xmlns:a16="http://schemas.microsoft.com/office/drawing/2014/main" id="{088948DD-EDC9-4608-8B80-F58B99173E4D}"/>
               </a:ext>
             </a:extLst>
           </p:cNvPr>
-          <p:cNvSpPr>
-            <a:spLocks noGrp="1"/>
-          </p:cNvSpPr>
-          <p:nvPr>
-            <p:ph type="subTitle" idx="1"/>
-          </p:nvPr>
-        </p:nvSpPr>
-        <p:spPr/>
-        <p:txBody>
-          <a:bodyPr/>
-          <a:lstStyle/>
-          <a:p>
-            <a:r>
-              <a:rPr lang="en-US" dirty="0"/>
-              <a:t>Boris Ruiz</a:t>
-            </a:r>
-          </a:p>
-          <a:p>
-            <a:r>
-              <a:rPr lang="en-US" dirty="0"/>
-              <a:t>Wilfredo Garcia</a:t>
-            </a:r>
-          </a:p>
-        </p:txBody>
-      </p:sp>
+          <p:cNvPicPr>
+            <a:picLocks noChangeAspect="1" noChangeArrowheads="1"/>
+          </p:cNvPicPr>
+          <p:nvPr/>
+        </p:nvPicPr>
+        <p:blipFill>
+          <a:blip r:embed="rId4">
+            <a:extLst>
+              <a:ext uri="{28A0092B-C50C-407E-A947-70E740481C1C}">
+                <a14:useLocalDpi xmlns:a14="http://schemas.microsoft.com/office/drawing/2010/main" val="0"/>
+              </a:ext>
+            </a:extLst>
+          </a:blip>
+          <a:srcRect/>
+          <a:stretch>
+            <a:fillRect/>
+          </a:stretch>
+        </p:blipFill>
+        <p:spPr bwMode="auto">
+          <a:xfrm>
+            <a:off x="4037012" y="5261752"/>
+            <a:ext cx="977212" cy="796247"/>
+          </a:xfrm>
+          <a:prstGeom prst="rect">
+            <a:avLst/>
+          </a:prstGeom>
+          <a:noFill/>
+          <a:extLst>
+            <a:ext uri="{909E8E84-426E-40DD-AFC4-6F175D3DCCD1}">
+              <a14:hiddenFill xmlns:a14="http://schemas.microsoft.com/office/drawing/2010/main">
+                <a:solidFill>
+                  <a:srgbClr val="FFFFFF"/>
+                </a:solidFill>
+              </a14:hiddenFill>
+            </a:ext>
+          </a:extLst>
+        </p:spPr>
+      </p:pic>
     </p:spTree>
     <p:extLst>
       <p:ext uri="{BB962C8B-B14F-4D97-AF65-F5344CB8AC3E}">
-        <p14:creationId xmlns:p14="http://schemas.microsoft.com/office/powerpoint/2010/main" val="966597373"/>
+        <p14:creationId xmlns:p14="http://schemas.microsoft.com/office/powerpoint/2010/main" val="2957189582"/>
       </p:ext>
     </p:extLst>
   </p:cSld>
   <p:clrMapOvr>
     <a:masterClrMapping/>
   </p:clrMapOvr>
+  <mc:AlternateContent xmlns:mc="http://schemas.openxmlformats.org/markup-compatibility/2006" xmlns:p14="http://schemas.microsoft.com/office/powerpoint/2010/main">
+    <mc:Choice Requires="p14">
+      <p:transition spd="med" p14:dur="700">
+        <p:fade/>
+      </p:transition>
+    </mc:Choice>
+    <mc:Fallback xmlns="">
+      <p:transition spd="med">
+        <p:fade/>
+      </p:transition>
+    </mc:Fallback>
+  </mc:AlternateContent>
+</p:sld>
+</file>
+
+<file path=ppt/slides/slide2.xml><?xml version="1.0" encoding="utf-8"?>
+<p:sld xmlns:a="http://schemas.openxmlformats.org/drawingml/2006/main" xmlns:r="http://schemas.openxmlformats.org/officeDocument/2006/relationships" xmlns:p="http://schemas.openxmlformats.org/presentationml/2006/main">
+  <p:cSld>
+    <p:spTree>
+      <p:nvGrpSpPr>
+        <p:cNvPr id="1" name=""/>
+        <p:cNvGrpSpPr/>
+        <p:nvPr/>
+      </p:nvGrpSpPr>
+      <p:grpSpPr>
+        <a:xfrm>
+          <a:off x="0" y="0"/>
+          <a:ext cx="0" cy="0"/>
+          <a:chOff x="0" y="0"/>
+          <a:chExt cx="0" cy="0"/>
+        </a:xfrm>
+      </p:grpSpPr>
+      <p:sp>
+        <p:nvSpPr>
+          <p:cNvPr id="3" name="Title 2"/>
+          <p:cNvSpPr>
+            <a:spLocks noGrp="1"/>
+          </p:cNvSpPr>
+          <p:nvPr>
+            <p:ph type="title"/>
+          </p:nvPr>
+        </p:nvSpPr>
+        <p:spPr>
+          <a:xfrm>
+            <a:off x="1522876" y="609600"/>
+            <a:ext cx="9143538" cy="685800"/>
+          </a:xfrm>
+        </p:spPr>
+        <p:txBody>
+          <a:bodyPr/>
+          <a:lstStyle/>
+          <a:p>
+            <a:r>
+              <a:rPr lang="en-US" dirty="0"/>
+              <a:t>Description</a:t>
+            </a:r>
+          </a:p>
+        </p:txBody>
+      </p:sp>
+      <p:sp>
+        <p:nvSpPr>
+          <p:cNvPr id="2" name="Content Placeholder 1"/>
+          <p:cNvSpPr>
+            <a:spLocks noGrp="1"/>
+          </p:cNvSpPr>
+          <p:nvPr>
+            <p:ph idx="1"/>
+          </p:nvPr>
+        </p:nvSpPr>
+        <p:spPr>
+          <a:xfrm>
+            <a:off x="1489792" y="1465967"/>
+            <a:ext cx="9143538" cy="3926065"/>
+          </a:xfrm>
+        </p:spPr>
+        <p:txBody>
+          <a:bodyPr>
+            <a:normAutofit lnSpcReduction="10000"/>
+          </a:bodyPr>
+          <a:lstStyle/>
+          <a:p>
+            <a:r>
+              <a:rPr lang="en-US" dirty="0"/>
+              <a:t>We will be working on the design and programming of a web page for the non-profit organization "Yes We Can-</a:t>
+            </a:r>
+            <a:r>
+              <a:rPr lang="en-US" dirty="0" err="1"/>
+              <a:t>ine</a:t>
+            </a:r>
+            <a:r>
+              <a:rPr lang="en-US" dirty="0"/>
+              <a:t>" established since 2014 and registered in the Department of State of Puerto Rico.</a:t>
+            </a:r>
+          </a:p>
+          <a:p>
+            <a:endParaRPr lang="en-US" dirty="0"/>
+          </a:p>
+          <a:p>
+            <a:r>
+              <a:rPr lang="en-US" dirty="0"/>
+              <a:t>This organization is dedicated to rescue abandoned dogs in the street, take care of them and give them in adoption.</a:t>
+            </a:r>
+          </a:p>
+          <a:p>
+            <a:endParaRPr lang="en-US" dirty="0"/>
+          </a:p>
+          <a:p>
+            <a:r>
+              <a:rPr lang="en-US" dirty="0"/>
+              <a:t>The organization needs an official website in order to continue growing and exercise its mission more easily.</a:t>
+            </a:r>
+          </a:p>
+        </p:txBody>
+      </p:sp>
+      <p:sp>
+        <p:nvSpPr>
+          <p:cNvPr id="4" name="Text Placeholder 7"/>
+          <p:cNvSpPr txBox="1">
+            <a:spLocks/>
+          </p:cNvSpPr>
+          <p:nvPr/>
+        </p:nvSpPr>
+        <p:spPr>
+          <a:xfrm>
+            <a:off x="1539575" y="5715000"/>
+            <a:ext cx="9126838" cy="533400"/>
+          </a:xfrm>
+          <a:prstGeom prst="rect">
+            <a:avLst/>
+          </a:prstGeom>
+        </p:spPr>
+        <p:txBody>
+          <a:bodyPr anchor="b">
+            <a:normAutofit/>
+          </a:bodyPr>
+          <a:lstStyle>
+            <a:lvl1pPr marL="0" indent="0" algn="l" defTabSz="914400" rtl="0" eaLnBrk="1" latinLnBrk="0" hangingPunct="1">
+              <a:lnSpc>
+                <a:spcPct val="90000"/>
+              </a:lnSpc>
+              <a:spcBef>
+                <a:spcPts val="1800"/>
+              </a:spcBef>
+              <a:buClr>
+                <a:schemeClr val="tx1"/>
+              </a:buClr>
+              <a:buSzPct val="80000"/>
+              <a:buFont typeface="Wingdings" pitchFamily="2" charset="2"/>
+              <a:buNone/>
+              <a:defRPr sz="1800" kern="1200">
+                <a:solidFill>
+                  <a:schemeClr val="tx1"/>
+                </a:solidFill>
+                <a:latin typeface="+mn-lt"/>
+                <a:ea typeface="+mn-ea"/>
+                <a:cs typeface="+mn-cs"/>
+              </a:defRPr>
+            </a:lvl1pPr>
+            <a:lvl2pPr marL="320040" indent="0" algn="l" defTabSz="914400" rtl="0" eaLnBrk="1" latinLnBrk="0" hangingPunct="1">
+              <a:lnSpc>
+                <a:spcPct val="90000"/>
+              </a:lnSpc>
+              <a:spcBef>
+                <a:spcPts val="1000"/>
+              </a:spcBef>
+              <a:buClr>
+                <a:schemeClr val="tx1"/>
+              </a:buClr>
+              <a:buSzPct val="100000"/>
+              <a:buFont typeface="Arial" pitchFamily="34" charset="0"/>
+              <a:buNone/>
+              <a:defRPr sz="2000" kern="1200">
+                <a:solidFill>
+                  <a:schemeClr val="tx1"/>
+                </a:solidFill>
+                <a:latin typeface="+mn-lt"/>
+                <a:ea typeface="+mn-ea"/>
+                <a:cs typeface="+mn-cs"/>
+              </a:defRPr>
+            </a:lvl2pPr>
+            <a:lvl3pPr marL="594360" indent="0" algn="l" defTabSz="914400" rtl="0" eaLnBrk="1" latinLnBrk="0" hangingPunct="1">
+              <a:lnSpc>
+                <a:spcPct val="90000"/>
+              </a:lnSpc>
+              <a:spcBef>
+                <a:spcPts val="800"/>
+              </a:spcBef>
+              <a:buClr>
+                <a:schemeClr val="tx1"/>
+              </a:buClr>
+              <a:buSzPct val="80000"/>
+              <a:buFont typeface="Wingdings" pitchFamily="2" charset="2"/>
+              <a:buNone/>
+              <a:defRPr sz="1800" kern="1200">
+                <a:solidFill>
+                  <a:schemeClr val="tx1"/>
+                </a:solidFill>
+                <a:latin typeface="+mn-lt"/>
+                <a:ea typeface="+mn-ea"/>
+                <a:cs typeface="+mn-cs"/>
+              </a:defRPr>
+            </a:lvl3pPr>
+            <a:lvl4pPr marL="868680" indent="0" algn="l" defTabSz="914400" rtl="0" eaLnBrk="1" latinLnBrk="0" hangingPunct="1">
+              <a:lnSpc>
+                <a:spcPct val="90000"/>
+              </a:lnSpc>
+              <a:spcBef>
+                <a:spcPts val="800"/>
+              </a:spcBef>
+              <a:buClr>
+                <a:schemeClr val="tx1"/>
+              </a:buClr>
+              <a:buSzPct val="100000"/>
+              <a:buFont typeface="Arial" pitchFamily="34" charset="0"/>
+              <a:buNone/>
+              <a:defRPr sz="1600" kern="1200">
+                <a:solidFill>
+                  <a:schemeClr val="tx1"/>
+                </a:solidFill>
+                <a:latin typeface="+mn-lt"/>
+                <a:ea typeface="+mn-ea"/>
+                <a:cs typeface="+mn-cs"/>
+              </a:defRPr>
+            </a:lvl4pPr>
+            <a:lvl5pPr marL="1097280" indent="0" algn="l" defTabSz="914400" rtl="0" eaLnBrk="1" latinLnBrk="0" hangingPunct="1">
+              <a:lnSpc>
+                <a:spcPct val="90000"/>
+              </a:lnSpc>
+              <a:spcBef>
+                <a:spcPts val="800"/>
+              </a:spcBef>
+              <a:buClr>
+                <a:schemeClr val="tx1"/>
+              </a:buClr>
+              <a:buSzPct val="80000"/>
+              <a:buFont typeface="Wingdings" pitchFamily="2" charset="2"/>
+              <a:buNone/>
+              <a:defRPr sz="1600" kern="1200">
+                <a:solidFill>
+                  <a:schemeClr val="tx1"/>
+                </a:solidFill>
+                <a:latin typeface="+mn-lt"/>
+                <a:ea typeface="+mn-ea"/>
+                <a:cs typeface="+mn-cs"/>
+              </a:defRPr>
+            </a:lvl5pPr>
+            <a:lvl6pPr marL="1554480" indent="-228600" algn="l" defTabSz="914400" rtl="0" eaLnBrk="1" latinLnBrk="0" hangingPunct="1">
+              <a:lnSpc>
+                <a:spcPct val="90000"/>
+              </a:lnSpc>
+              <a:spcBef>
+                <a:spcPts val="800"/>
+              </a:spcBef>
+              <a:buClr>
+                <a:schemeClr val="tx1"/>
+              </a:buClr>
+              <a:buSzPct val="100000"/>
+              <a:buFont typeface="Arial" pitchFamily="34" charset="0"/>
+              <a:buChar char="–"/>
+              <a:defRPr sz="1600" kern="1200">
+                <a:solidFill>
+                  <a:schemeClr val="tx1"/>
+                </a:solidFill>
+                <a:latin typeface="+mn-lt"/>
+                <a:ea typeface="+mn-ea"/>
+                <a:cs typeface="+mn-cs"/>
+              </a:defRPr>
+            </a:lvl6pPr>
+            <a:lvl7pPr marL="1783080" indent="-228600" algn="l" defTabSz="914400" rtl="0" eaLnBrk="1" latinLnBrk="0" hangingPunct="1">
+              <a:lnSpc>
+                <a:spcPct val="90000"/>
+              </a:lnSpc>
+              <a:spcBef>
+                <a:spcPts val="800"/>
+              </a:spcBef>
+              <a:buClr>
+                <a:schemeClr val="tx1"/>
+              </a:buClr>
+              <a:buSzPct val="80000"/>
+              <a:buFont typeface="Wingdings" pitchFamily="2" charset="2"/>
+              <a:buChar char="§"/>
+              <a:defRPr sz="1600" kern="1200">
+                <a:solidFill>
+                  <a:schemeClr val="tx1"/>
+                </a:solidFill>
+                <a:latin typeface="+mn-lt"/>
+                <a:ea typeface="+mn-ea"/>
+                <a:cs typeface="+mn-cs"/>
+              </a:defRPr>
+            </a:lvl7pPr>
+            <a:lvl8pPr marL="2011680" indent="-228600" algn="l" defTabSz="914400" rtl="0" eaLnBrk="1" latinLnBrk="0" hangingPunct="1">
+              <a:lnSpc>
+                <a:spcPct val="90000"/>
+              </a:lnSpc>
+              <a:spcBef>
+                <a:spcPts val="800"/>
+              </a:spcBef>
+              <a:buClr>
+                <a:schemeClr val="tx1"/>
+              </a:buClr>
+              <a:buSzPct val="100000"/>
+              <a:buFont typeface="Arial" pitchFamily="34" charset="0"/>
+              <a:buChar char="–"/>
+              <a:defRPr sz="1600" kern="1200">
+                <a:solidFill>
+                  <a:schemeClr val="tx1"/>
+                </a:solidFill>
+                <a:latin typeface="+mn-lt"/>
+                <a:ea typeface="+mn-ea"/>
+                <a:cs typeface="+mn-cs"/>
+              </a:defRPr>
+            </a:lvl8pPr>
+            <a:lvl9pPr marL="2240280" indent="-228600" algn="l" defTabSz="914400" rtl="0" eaLnBrk="1" latinLnBrk="0" hangingPunct="1">
+              <a:lnSpc>
+                <a:spcPct val="90000"/>
+              </a:lnSpc>
+              <a:spcBef>
+                <a:spcPts val="800"/>
+              </a:spcBef>
+              <a:buClr>
+                <a:schemeClr val="tx1"/>
+              </a:buClr>
+              <a:buSzPct val="80000"/>
+              <a:buFont typeface="Wingdings" pitchFamily="2" charset="2"/>
+              <a:buChar char="§"/>
+              <a:defRPr sz="1600" kern="1200">
+                <a:solidFill>
+                  <a:schemeClr val="tx1"/>
+                </a:solidFill>
+                <a:latin typeface="+mn-lt"/>
+                <a:ea typeface="+mn-ea"/>
+                <a:cs typeface="+mn-cs"/>
+              </a:defRPr>
+            </a:lvl9pPr>
+          </a:lstStyle>
+          <a:p>
+            <a:r>
+              <a:rPr lang="en-US" sz="1600" dirty="0"/>
+              <a:t>-for more info…List location or contact for specification (or other related documents)</a:t>
+            </a:r>
+          </a:p>
+        </p:txBody>
+      </p:sp>
+    </p:spTree>
+    <p:extLst>
+      <p:ext uri="{BB962C8B-B14F-4D97-AF65-F5344CB8AC3E}">
+        <p14:creationId xmlns:p14="http://schemas.microsoft.com/office/powerpoint/2010/main" val="1152966011"/>
+      </p:ext>
+    </p:extLst>
+  </p:cSld>
+  <p:clrMapOvr>
+    <a:masterClrMapping/>
+  </p:clrMapOvr>
+  <mc:AlternateContent xmlns:mc="http://schemas.openxmlformats.org/markup-compatibility/2006" xmlns:p14="http://schemas.microsoft.com/office/powerpoint/2010/main">
+    <mc:Choice Requires="p14">
+      <p:transition spd="med" p14:dur="700">
+        <p:fade/>
+      </p:transition>
+    </mc:Choice>
+    <mc:Fallback xmlns="">
+      <p:transition spd="med">
+        <p:fade/>
+      </p:transition>
+    </mc:Fallback>
+  </mc:AlternateContent>
+</p:sld>
+</file>
+
+<file path=ppt/slides/slide3.xml><?xml version="1.0" encoding="utf-8"?>
+<p:sld xmlns:a="http://schemas.openxmlformats.org/drawingml/2006/main" xmlns:r="http://schemas.openxmlformats.org/officeDocument/2006/relationships" xmlns:p="http://schemas.openxmlformats.org/presentationml/2006/main">
+  <p:cSld>
+    <p:spTree>
+      <p:nvGrpSpPr>
+        <p:cNvPr id="1" name=""/>
+        <p:cNvGrpSpPr/>
+        <p:nvPr/>
+      </p:nvGrpSpPr>
+      <p:grpSpPr>
+        <a:xfrm>
+          <a:off x="0" y="0"/>
+          <a:ext cx="0" cy="0"/>
+          <a:chOff x="0" y="0"/>
+          <a:chExt cx="0" cy="0"/>
+        </a:xfrm>
+      </p:grpSpPr>
+      <p:sp>
+        <p:nvSpPr>
+          <p:cNvPr id="2" name="Title 1"/>
+          <p:cNvSpPr>
+            <a:spLocks noGrp="1"/>
+          </p:cNvSpPr>
+          <p:nvPr>
+            <p:ph type="title"/>
+          </p:nvPr>
+        </p:nvSpPr>
+        <p:spPr/>
+        <p:txBody>
+          <a:bodyPr/>
+          <a:lstStyle/>
+          <a:p>
+            <a:r>
+              <a:rPr lang="en-US" dirty="0"/>
+              <a:t>Project Goals</a:t>
+            </a:r>
+          </a:p>
+        </p:txBody>
+      </p:sp>
+      <p:sp>
+        <p:nvSpPr>
+          <p:cNvPr id="3" name="Content Placeholder 2"/>
+          <p:cNvSpPr>
+            <a:spLocks noGrp="1"/>
+          </p:cNvSpPr>
+          <p:nvPr>
+            <p:ph idx="1"/>
+          </p:nvPr>
+        </p:nvSpPr>
+        <p:spPr/>
+        <p:txBody>
+          <a:bodyPr/>
+          <a:lstStyle/>
+          <a:p>
+            <a:endParaRPr lang="en-US" dirty="0"/>
+          </a:p>
+          <a:p>
+            <a:r>
+              <a:rPr lang="en-US" dirty="0"/>
+              <a:t>Contribute to the non-profit organization depends more on its official website than social networks.</a:t>
+            </a:r>
+          </a:p>
+          <a:p>
+            <a:r>
+              <a:rPr lang="en-US" dirty="0"/>
+              <a:t>Design and program an attractive and functional web page that meets the requirements set forth in the Software Requirement </a:t>
+            </a:r>
+            <a:r>
+              <a:rPr lang="en-US"/>
+              <a:t>Plan.</a:t>
+            </a:r>
+            <a:endParaRPr lang="en-US" dirty="0"/>
+          </a:p>
+        </p:txBody>
+      </p:sp>
+    </p:spTree>
+    <p:extLst>
+      <p:ext uri="{BB962C8B-B14F-4D97-AF65-F5344CB8AC3E}">
+        <p14:creationId xmlns:p14="http://schemas.microsoft.com/office/powerpoint/2010/main" val="3148110083"/>
+      </p:ext>
+    </p:extLst>
+  </p:cSld>
+  <p:clrMapOvr>
+    <a:masterClrMapping/>
+  </p:clrMapOvr>
+  <mc:AlternateContent xmlns:mc="http://schemas.openxmlformats.org/markup-compatibility/2006" xmlns:p14="http://schemas.microsoft.com/office/powerpoint/2010/main">
+    <mc:Choice Requires="p14">
+      <p:transition spd="med" p14:dur="700">
+        <p:fade/>
+      </p:transition>
+    </mc:Choice>
+    <mc:Fallback xmlns="">
+      <p:transition spd="med">
+        <p:fade/>
+      </p:transition>
+    </mc:Fallback>
+  </mc:AlternateContent>
+</p:sld>
+</file>
+
+<file path=ppt/slides/slide4.xml><?xml version="1.0" encoding="utf-8"?>
+<p:sld xmlns:a="http://schemas.openxmlformats.org/drawingml/2006/main" xmlns:r="http://schemas.openxmlformats.org/officeDocument/2006/relationships" xmlns:p="http://schemas.openxmlformats.org/presentationml/2006/main">
+  <p:cSld>
+    <p:spTree>
+      <p:nvGrpSpPr>
+        <p:cNvPr id="1" name=""/>
+        <p:cNvGrpSpPr/>
+        <p:nvPr/>
+      </p:nvGrpSpPr>
+      <p:grpSpPr>
+        <a:xfrm>
+          <a:off x="0" y="0"/>
+          <a:ext cx="0" cy="0"/>
+          <a:chOff x="0" y="0"/>
+          <a:chExt cx="0" cy="0"/>
+        </a:xfrm>
+      </p:grpSpPr>
+      <p:sp>
+        <p:nvSpPr>
+          <p:cNvPr id="3" name="Title 2"/>
+          <p:cNvSpPr>
+            <a:spLocks noGrp="1"/>
+          </p:cNvSpPr>
+          <p:nvPr>
+            <p:ph type="title"/>
+          </p:nvPr>
+        </p:nvSpPr>
+        <p:spPr>
+          <a:xfrm>
+            <a:off x="1522876" y="609600"/>
+            <a:ext cx="9143538" cy="533400"/>
+          </a:xfrm>
+        </p:spPr>
+        <p:txBody>
+          <a:bodyPr/>
+          <a:lstStyle/>
+          <a:p>
+            <a:r>
+              <a:rPr lang="en-US" dirty="0"/>
+              <a:t>Procedures</a:t>
+            </a:r>
+          </a:p>
+        </p:txBody>
+      </p:sp>
+      <p:sp>
+        <p:nvSpPr>
+          <p:cNvPr id="2" name="Content Placeholder 1"/>
+          <p:cNvSpPr>
+            <a:spLocks noGrp="1"/>
+          </p:cNvSpPr>
+          <p:nvPr>
+            <p:ph idx="1"/>
+          </p:nvPr>
+        </p:nvSpPr>
+        <p:spPr>
+          <a:xfrm>
+            <a:off x="1522876" y="1295400"/>
+            <a:ext cx="9143538" cy="4572000"/>
+          </a:xfrm>
+        </p:spPr>
+        <p:txBody>
+          <a:bodyPr>
+            <a:normAutofit/>
+          </a:bodyPr>
+          <a:lstStyle/>
+          <a:p>
+            <a:pPr marL="0" indent="0">
+              <a:buNone/>
+            </a:pPr>
+            <a:r>
+              <a:rPr lang="en-US" dirty="0"/>
+              <a:t>It needs to be done:</a:t>
+            </a:r>
+          </a:p>
+          <a:p>
+            <a:r>
+              <a:rPr lang="en-US" dirty="0"/>
+              <a:t>Establish what development and technology tools will be used to complete the project.</a:t>
+            </a:r>
+          </a:p>
+          <a:p>
+            <a:r>
+              <a:rPr lang="en-US" dirty="0"/>
+              <a:t>Make documents for the correct use of software engineering:</a:t>
+            </a:r>
+          </a:p>
+          <a:p>
+            <a:pPr marL="0" indent="0">
+              <a:buNone/>
+            </a:pPr>
+            <a:r>
+              <a:rPr lang="en-US" dirty="0"/>
+              <a:t>	1. Software Requirement Specification</a:t>
+            </a:r>
+          </a:p>
+          <a:p>
+            <a:pPr marL="0" indent="0">
+              <a:buNone/>
+            </a:pPr>
+            <a:r>
+              <a:rPr lang="en-US" dirty="0"/>
+              <a:t>	2. Software Design Description</a:t>
+            </a:r>
+          </a:p>
+          <a:p>
+            <a:pPr marL="0" indent="0">
+              <a:buNone/>
+            </a:pPr>
+            <a:r>
+              <a:rPr lang="en-US" dirty="0"/>
+              <a:t>	3. Software Test Documents</a:t>
+            </a:r>
+          </a:p>
+          <a:p>
+            <a:pPr marL="0" indent="0">
+              <a:buNone/>
+            </a:pPr>
+            <a:r>
+              <a:rPr lang="en-US" dirty="0"/>
+              <a:t>	4. Software Project Management Plan</a:t>
+            </a:r>
+          </a:p>
+          <a:p>
+            <a:pPr marL="0" indent="0">
+              <a:buNone/>
+            </a:pPr>
+            <a:endParaRPr lang="en-US" dirty="0"/>
+          </a:p>
+          <a:p>
+            <a:pPr marL="0" indent="0">
+              <a:buNone/>
+            </a:pPr>
+            <a:endParaRPr lang="en-US" dirty="0"/>
+          </a:p>
+        </p:txBody>
+      </p:sp>
+      <p:sp>
+        <p:nvSpPr>
+          <p:cNvPr id="4" name="Text Placeholder 7"/>
+          <p:cNvSpPr txBox="1">
+            <a:spLocks/>
+          </p:cNvSpPr>
+          <p:nvPr/>
+        </p:nvSpPr>
+        <p:spPr>
+          <a:xfrm>
+            <a:off x="1539575" y="5715000"/>
+            <a:ext cx="9126838" cy="533400"/>
+          </a:xfrm>
+          <a:prstGeom prst="rect">
+            <a:avLst/>
+          </a:prstGeom>
+        </p:spPr>
+        <p:txBody>
+          <a:bodyPr anchor="b">
+            <a:normAutofit/>
+          </a:bodyPr>
+          <a:lstStyle>
+            <a:lvl1pPr marL="0" indent="0" algn="l" defTabSz="914400" rtl="0" eaLnBrk="1" latinLnBrk="0" hangingPunct="1">
+              <a:lnSpc>
+                <a:spcPct val="90000"/>
+              </a:lnSpc>
+              <a:spcBef>
+                <a:spcPts val="1800"/>
+              </a:spcBef>
+              <a:buClr>
+                <a:schemeClr val="tx1"/>
+              </a:buClr>
+              <a:buSzPct val="80000"/>
+              <a:buFont typeface="Wingdings" pitchFamily="2" charset="2"/>
+              <a:buNone/>
+              <a:defRPr sz="1800" kern="1200">
+                <a:solidFill>
+                  <a:schemeClr val="tx1"/>
+                </a:solidFill>
+                <a:latin typeface="+mn-lt"/>
+                <a:ea typeface="+mn-ea"/>
+                <a:cs typeface="+mn-cs"/>
+              </a:defRPr>
+            </a:lvl1pPr>
+            <a:lvl2pPr marL="320040" indent="0" algn="l" defTabSz="914400" rtl="0" eaLnBrk="1" latinLnBrk="0" hangingPunct="1">
+              <a:lnSpc>
+                <a:spcPct val="90000"/>
+              </a:lnSpc>
+              <a:spcBef>
+                <a:spcPts val="1000"/>
+              </a:spcBef>
+              <a:buClr>
+                <a:schemeClr val="tx1"/>
+              </a:buClr>
+              <a:buSzPct val="100000"/>
+              <a:buFont typeface="Arial" pitchFamily="34" charset="0"/>
+              <a:buNone/>
+              <a:defRPr sz="2000" kern="1200">
+                <a:solidFill>
+                  <a:schemeClr val="tx1"/>
+                </a:solidFill>
+                <a:latin typeface="+mn-lt"/>
+                <a:ea typeface="+mn-ea"/>
+                <a:cs typeface="+mn-cs"/>
+              </a:defRPr>
+            </a:lvl2pPr>
+            <a:lvl3pPr marL="594360" indent="0" algn="l" defTabSz="914400" rtl="0" eaLnBrk="1" latinLnBrk="0" hangingPunct="1">
+              <a:lnSpc>
+                <a:spcPct val="90000"/>
+              </a:lnSpc>
+              <a:spcBef>
+                <a:spcPts val="800"/>
+              </a:spcBef>
+              <a:buClr>
+                <a:schemeClr val="tx1"/>
+              </a:buClr>
+              <a:buSzPct val="80000"/>
+              <a:buFont typeface="Wingdings" pitchFamily="2" charset="2"/>
+              <a:buNone/>
+              <a:defRPr sz="1800" kern="1200">
+                <a:solidFill>
+                  <a:schemeClr val="tx1"/>
+                </a:solidFill>
+                <a:latin typeface="+mn-lt"/>
+                <a:ea typeface="+mn-ea"/>
+                <a:cs typeface="+mn-cs"/>
+              </a:defRPr>
+            </a:lvl3pPr>
+            <a:lvl4pPr marL="868680" indent="0" algn="l" defTabSz="914400" rtl="0" eaLnBrk="1" latinLnBrk="0" hangingPunct="1">
+              <a:lnSpc>
+                <a:spcPct val="90000"/>
+              </a:lnSpc>
+              <a:spcBef>
+                <a:spcPts val="800"/>
+              </a:spcBef>
+              <a:buClr>
+                <a:schemeClr val="tx1"/>
+              </a:buClr>
+              <a:buSzPct val="100000"/>
+              <a:buFont typeface="Arial" pitchFamily="34" charset="0"/>
+              <a:buNone/>
+              <a:defRPr sz="1600" kern="1200">
+                <a:solidFill>
+                  <a:schemeClr val="tx1"/>
+                </a:solidFill>
+                <a:latin typeface="+mn-lt"/>
+                <a:ea typeface="+mn-ea"/>
+                <a:cs typeface="+mn-cs"/>
+              </a:defRPr>
+            </a:lvl4pPr>
+            <a:lvl5pPr marL="1097280" indent="0" algn="l" defTabSz="914400" rtl="0" eaLnBrk="1" latinLnBrk="0" hangingPunct="1">
+              <a:lnSpc>
+                <a:spcPct val="90000"/>
+              </a:lnSpc>
+              <a:spcBef>
+                <a:spcPts val="800"/>
+              </a:spcBef>
+              <a:buClr>
+                <a:schemeClr val="tx1"/>
+              </a:buClr>
+              <a:buSzPct val="80000"/>
+              <a:buFont typeface="Wingdings" pitchFamily="2" charset="2"/>
+              <a:buNone/>
+              <a:defRPr sz="1600" kern="1200">
+                <a:solidFill>
+                  <a:schemeClr val="tx1"/>
+                </a:solidFill>
+                <a:latin typeface="+mn-lt"/>
+                <a:ea typeface="+mn-ea"/>
+                <a:cs typeface="+mn-cs"/>
+              </a:defRPr>
+            </a:lvl5pPr>
+            <a:lvl6pPr marL="1554480" indent="-228600" algn="l" defTabSz="914400" rtl="0" eaLnBrk="1" latinLnBrk="0" hangingPunct="1">
+              <a:lnSpc>
+                <a:spcPct val="90000"/>
+              </a:lnSpc>
+              <a:spcBef>
+                <a:spcPts val="800"/>
+              </a:spcBef>
+              <a:buClr>
+                <a:schemeClr val="tx1"/>
+              </a:buClr>
+              <a:buSzPct val="100000"/>
+              <a:buFont typeface="Arial" pitchFamily="34" charset="0"/>
+              <a:buChar char="–"/>
+              <a:defRPr sz="1600" kern="1200">
+                <a:solidFill>
+                  <a:schemeClr val="tx1"/>
+                </a:solidFill>
+                <a:latin typeface="+mn-lt"/>
+                <a:ea typeface="+mn-ea"/>
+                <a:cs typeface="+mn-cs"/>
+              </a:defRPr>
+            </a:lvl6pPr>
+            <a:lvl7pPr marL="1783080" indent="-228600" algn="l" defTabSz="914400" rtl="0" eaLnBrk="1" latinLnBrk="0" hangingPunct="1">
+              <a:lnSpc>
+                <a:spcPct val="90000"/>
+              </a:lnSpc>
+              <a:spcBef>
+                <a:spcPts val="800"/>
+              </a:spcBef>
+              <a:buClr>
+                <a:schemeClr val="tx1"/>
+              </a:buClr>
+              <a:buSzPct val="80000"/>
+              <a:buFont typeface="Wingdings" pitchFamily="2" charset="2"/>
+              <a:buChar char="§"/>
+              <a:defRPr sz="1600" kern="1200">
+                <a:solidFill>
+                  <a:schemeClr val="tx1"/>
+                </a:solidFill>
+                <a:latin typeface="+mn-lt"/>
+                <a:ea typeface="+mn-ea"/>
+                <a:cs typeface="+mn-cs"/>
+              </a:defRPr>
+            </a:lvl7pPr>
+            <a:lvl8pPr marL="2011680" indent="-228600" algn="l" defTabSz="914400" rtl="0" eaLnBrk="1" latinLnBrk="0" hangingPunct="1">
+              <a:lnSpc>
+                <a:spcPct val="90000"/>
+              </a:lnSpc>
+              <a:spcBef>
+                <a:spcPts val="800"/>
+              </a:spcBef>
+              <a:buClr>
+                <a:schemeClr val="tx1"/>
+              </a:buClr>
+              <a:buSzPct val="100000"/>
+              <a:buFont typeface="Arial" pitchFamily="34" charset="0"/>
+              <a:buChar char="–"/>
+              <a:defRPr sz="1600" kern="1200">
+                <a:solidFill>
+                  <a:schemeClr val="tx1"/>
+                </a:solidFill>
+                <a:latin typeface="+mn-lt"/>
+                <a:ea typeface="+mn-ea"/>
+                <a:cs typeface="+mn-cs"/>
+              </a:defRPr>
+            </a:lvl8pPr>
+            <a:lvl9pPr marL="2240280" indent="-228600" algn="l" defTabSz="914400" rtl="0" eaLnBrk="1" latinLnBrk="0" hangingPunct="1">
+              <a:lnSpc>
+                <a:spcPct val="90000"/>
+              </a:lnSpc>
+              <a:spcBef>
+                <a:spcPts val="800"/>
+              </a:spcBef>
+              <a:buClr>
+                <a:schemeClr val="tx1"/>
+              </a:buClr>
+              <a:buSzPct val="80000"/>
+              <a:buFont typeface="Wingdings" pitchFamily="2" charset="2"/>
+              <a:buChar char="§"/>
+              <a:defRPr sz="1600" kern="1200">
+                <a:solidFill>
+                  <a:schemeClr val="tx1"/>
+                </a:solidFill>
+                <a:latin typeface="+mn-lt"/>
+                <a:ea typeface="+mn-ea"/>
+                <a:cs typeface="+mn-cs"/>
+              </a:defRPr>
+            </a:lvl9pPr>
+          </a:lstStyle>
+          <a:p>
+            <a:r>
+              <a:rPr lang="en-US" sz="1600" dirty="0"/>
+              <a:t>-for more info…List location or contact for specification (or other related documents)</a:t>
+            </a:r>
+          </a:p>
+        </p:txBody>
+      </p:sp>
+    </p:spTree>
+    <p:extLst>
+      <p:ext uri="{BB962C8B-B14F-4D97-AF65-F5344CB8AC3E}">
+        <p14:creationId xmlns:p14="http://schemas.microsoft.com/office/powerpoint/2010/main" val="2819748410"/>
+      </p:ext>
+    </p:extLst>
+  </p:cSld>
+  <p:clrMapOvr>
+    <a:masterClrMapping/>
+  </p:clrMapOvr>
+  <mc:AlternateContent xmlns:mc="http://schemas.openxmlformats.org/markup-compatibility/2006" xmlns:p14="http://schemas.microsoft.com/office/powerpoint/2010/main">
+    <mc:Choice Requires="p14">
+      <p:transition spd="med" p14:dur="700">
+        <p:fade/>
+      </p:transition>
+    </mc:Choice>
+    <mc:Fallback xmlns="">
+      <p:transition spd="med">
+        <p:fade/>
+      </p:transition>
+    </mc:Fallback>
+  </mc:AlternateContent>
 </p:sld>
 </file>
 
 <file path=ppt/theme/theme1.xml><?xml version="1.0" encoding="utf-8"?>
-<a:theme xmlns:a="http://schemas.openxmlformats.org/drawingml/2006/main" name="Office Theme">
+<a:theme xmlns:a="http://schemas.openxmlformats.org/drawingml/2006/main" name="Project planning overview presentation">
   <a:themeElements>
-    <a:clrScheme name="Office">
+    <a:clrScheme name="Median">
       <a:dk1>
         <a:sysClr val="windowText" lastClr="000000"/>
       </a:dk1>
@@ -3407,100 +6538,48 @@
         <a:sysClr val="window" lastClr="FFFFFF"/>
       </a:lt1>
       <a:dk2>
-        <a:srgbClr val="44546A"/>
+        <a:srgbClr val="775F55"/>
       </a:dk2>
       <a:lt2>
-        <a:srgbClr val="E7E6E6"/>
+        <a:srgbClr val="EBDDC3"/>
       </a:lt2>
       <a:accent1>
-        <a:srgbClr val="4472C4"/>
+        <a:srgbClr val="94B6D2"/>
       </a:accent1>
       <a:accent2>
-        <a:srgbClr val="ED7D31"/>
+        <a:srgbClr val="DD8047"/>
       </a:accent2>
       <a:accent3>
-        <a:srgbClr val="A5A5A5"/>
+        <a:srgbClr val="A5AB81"/>
       </a:accent3>
       <a:accent4>
-        <a:srgbClr val="FFC000"/>
+        <a:srgbClr val="D8B25C"/>
       </a:accent4>
       <a:accent5>
-        <a:srgbClr val="5B9BD5"/>
+        <a:srgbClr val="7BA79D"/>
       </a:accent5>
       <a:accent6>
-        <a:srgbClr val="70AD47"/>
+        <a:srgbClr val="968C8C"/>
       </a:accent6>
       <a:hlink>
-        <a:srgbClr val="0563C1"/>
+        <a:srgbClr val="F7B615"/>
       </a:hlink>
       <a:folHlink>
-        <a:srgbClr val="954F72"/>
+        <a:srgbClr val="704404"/>
       </a:folHlink>
     </a:clrScheme>
-    <a:fontScheme name="Office">
+    <a:fontScheme name="Calibri">
       <a:majorFont>
-        <a:latin typeface="Calibri Light" panose="020F0302020204030204"/>
-        <a:ea typeface=""/>
-        <a:cs typeface=""/>
-        <a:font script="Jpan" typeface="游ゴシック Light"/>
-        <a:font script="Hang" typeface="맑은 고딕"/>
-        <a:font script="Hans" typeface="等线 Light"/>
-        <a:font script="Hant" typeface="新細明體"/>
-        <a:font script="Arab" typeface="Times New Roman"/>
-        <a:font script="Hebr" typeface="Times New Roman"/>
-        <a:font script="Thai" typeface="Angsana New"/>
-        <a:font script="Ethi" typeface="Nyala"/>
-        <a:font script="Beng" typeface="Vrinda"/>
-        <a:font script="Gujr" typeface="Shruti"/>
-        <a:font script="Khmr" typeface="MoolBoran"/>
-        <a:font script="Knda" typeface="Tunga"/>
-        <a:font script="Guru" typeface="Raavi"/>
-        <a:font script="Cans" typeface="Euphemia"/>
-        <a:font script="Cher" typeface="Plantagenet Cherokee"/>
-        <a:font script="Yiii" typeface="Microsoft Yi Baiti"/>
-        <a:font script="Tibt" typeface="Microsoft Himalaya"/>
-        <a:font script="Thaa" typeface="MV Boli"/>
-        <a:font script="Deva" typeface="Mangal"/>
-        <a:font script="Telu" typeface="Gautami"/>
-        <a:font script="Taml" typeface="Latha"/>
-        <a:font script="Syrc" typeface="Estrangelo Edessa"/>
-        <a:font script="Orya" typeface="Kalinga"/>
-        <a:font script="Mlym" typeface="Kartika"/>
-        <a:font script="Laoo" typeface="DokChampa"/>
-        <a:font script="Sinh" typeface="Iskoola Pota"/>
-        <a:font script="Mong" typeface="Mongolian Baiti"/>
-        <a:font script="Viet" typeface="Times New Roman"/>
-        <a:font script="Uigh" typeface="Microsoft Uighur"/>
-        <a:font script="Geor" typeface="Sylfaen"/>
-        <a:font script="Armn" typeface="Arial"/>
-        <a:font script="Bugi" typeface="Leelawadee UI"/>
-        <a:font script="Bopo" typeface="Microsoft JhengHei"/>
-        <a:font script="Java" typeface="Javanese Text"/>
-        <a:font script="Lisu" typeface="Segoe UI"/>
-        <a:font script="Mymr" typeface="Myanmar Text"/>
-        <a:font script="Nkoo" typeface="Ebrima"/>
-        <a:font script="Olck" typeface="Nirmala UI"/>
-        <a:font script="Osma" typeface="Ebrima"/>
-        <a:font script="Phag" typeface="Phagspa"/>
-        <a:font script="Syrn" typeface="Estrangelo Edessa"/>
-        <a:font script="Syrj" typeface="Estrangelo Edessa"/>
-        <a:font script="Syre" typeface="Estrangelo Edessa"/>
-        <a:font script="Sora" typeface="Nirmala UI"/>
-        <a:font script="Tale" typeface="Microsoft Tai Le"/>
-        <a:font script="Talu" typeface="Microsoft New Tai Lue"/>
-        <a:font script="Tfng" typeface="Ebrima"/>
-      </a:majorFont>
-      <a:minorFont>
         <a:latin typeface="Calibri" panose="020F0502020204030204"/>
         <a:ea typeface=""/>
         <a:cs typeface=""/>
-        <a:font script="Jpan" typeface="游ゴシック"/>
+        <a:font script="Jpan" typeface="ＭＳ ゴシック"/>
         <a:font script="Hang" typeface="맑은 고딕"/>
-        <a:font script="Hans" typeface="等线"/>
+        <a:font script="Hans" typeface="宋体"/>
         <a:font script="Hant" typeface="新細明體"/>
-        <a:font script="Arab" typeface="Arial"/>
-        <a:font script="Hebr" typeface="Arial"/>
-        <a:font script="Thai" typeface="Cordia New"/>
+        <a:font script="Arab" typeface="Tahoma"/>
+        <a:font script="Hebr" typeface="Gisha"/>
+        <a:font script="Thai" typeface="DilleniaUPC"/>
         <a:font script="Ethi" typeface="Nyala"/>
         <a:font script="Beng" typeface="Vrinda"/>
         <a:font script="Gujr" typeface="Shruti"/>
@@ -3521,26 +6600,44 @@
         <a:font script="Laoo" typeface="DokChampa"/>
         <a:font script="Sinh" typeface="Iskoola Pota"/>
         <a:font script="Mong" typeface="Mongolian Baiti"/>
-        <a:font script="Viet" typeface="Arial"/>
+        <a:font script="Viet" typeface="Tahoma"/>
         <a:font script="Uigh" typeface="Microsoft Uighur"/>
         <a:font script="Geor" typeface="Sylfaen"/>
-        <a:font script="Armn" typeface="Arial"/>
-        <a:font script="Bugi" typeface="Leelawadee UI"/>
-        <a:font script="Bopo" typeface="Microsoft JhengHei"/>
-        <a:font script="Java" typeface="Javanese Text"/>
-        <a:font script="Lisu" typeface="Segoe UI"/>
-        <a:font script="Mymr" typeface="Myanmar Text"/>
-        <a:font script="Nkoo" typeface="Ebrima"/>
-        <a:font script="Olck" typeface="Nirmala UI"/>
-        <a:font script="Osma" typeface="Ebrima"/>
-        <a:font script="Phag" typeface="Phagspa"/>
-        <a:font script="Syrn" typeface="Estrangelo Edessa"/>
-        <a:font script="Syrj" typeface="Estrangelo Edessa"/>
-        <a:font script="Syre" typeface="Estrangelo Edessa"/>
-        <a:font script="Sora" typeface="Nirmala UI"/>
-        <a:font script="Tale" typeface="Microsoft Tai Le"/>
-        <a:font script="Talu" typeface="Microsoft New Tai Lue"/>
-        <a:font script="Tfng" typeface="Ebrima"/>
+      </a:majorFont>
+      <a:minorFont>
+        <a:latin typeface="Calibri" panose="020F0502020204030204"/>
+        <a:ea typeface=""/>
+        <a:cs typeface=""/>
+        <a:font script="Jpan" typeface="ＭＳ ゴシック"/>
+        <a:font script="Hang" typeface="맑은 고딕"/>
+        <a:font script="Hans" typeface="宋体"/>
+        <a:font script="Hant" typeface="新細明體"/>
+        <a:font script="Arab" typeface="Tahoma"/>
+        <a:font script="Hebr" typeface="Gisha"/>
+        <a:font script="Thai" typeface="DilleniaUPC"/>
+        <a:font script="Ethi" typeface="Nyala"/>
+        <a:font script="Beng" typeface="Vrinda"/>
+        <a:font script="Gujr" typeface="Shruti"/>
+        <a:font script="Khmr" typeface="DaunPenh"/>
+        <a:font script="Knda" typeface="Tunga"/>
+        <a:font script="Guru" typeface="Raavi"/>
+        <a:font script="Cans" typeface="Euphemia"/>
+        <a:font script="Cher" typeface="Plantagenet Cherokee"/>
+        <a:font script="Yiii" typeface="Microsoft Yi Baiti"/>
+        <a:font script="Tibt" typeface="Microsoft Himalaya"/>
+        <a:font script="Thaa" typeface="MV Boli"/>
+        <a:font script="Deva" typeface="Mangal"/>
+        <a:font script="Telu" typeface="Gautami"/>
+        <a:font script="Taml" typeface="Latha"/>
+        <a:font script="Syrc" typeface="Estrangelo Edessa"/>
+        <a:font script="Orya" typeface="Kalinga"/>
+        <a:font script="Mlym" typeface="Kartika"/>
+        <a:font script="Laoo" typeface="DokChampa"/>
+        <a:font script="Sinh" typeface="Iskoola Pota"/>
+        <a:font script="Mong" typeface="Mongolian Baiti"/>
+        <a:font script="Viet" typeface="Verdana"/>
+        <a:font script="Uigh" typeface="Microsoft Uighur"/>
+        <a:font script="Geor" typeface="Sylfaen"/>
       </a:minorFont>
     </a:fontScheme>
     <a:fmtScheme name="Office">
@@ -3645,48 +6742,665 @@
         <a:solidFill>
           <a:schemeClr val="phClr"/>
         </a:solidFill>
+        <a:gradFill rotWithShape="1">
+          <a:gsLst>
+            <a:gs pos="0">
+              <a:schemeClr val="phClr">
+                <a:tint val="40000"/>
+                <a:satMod val="350000"/>
+              </a:schemeClr>
+            </a:gs>
+            <a:gs pos="40000">
+              <a:schemeClr val="phClr">
+                <a:tint val="45000"/>
+                <a:shade val="99000"/>
+                <a:satMod val="350000"/>
+              </a:schemeClr>
+            </a:gs>
+            <a:gs pos="100000">
+              <a:schemeClr val="phClr">
+                <a:shade val="20000"/>
+                <a:satMod val="255000"/>
+              </a:schemeClr>
+            </a:gs>
+          </a:gsLst>
+          <a:path path="circle">
+            <a:fillToRect l="50000" t="-80000" r="50000" b="180000"/>
+          </a:path>
+        </a:gradFill>
+        <a:blipFill rotWithShape="1">
+          <a:blip xmlns:r="http://schemas.openxmlformats.org/officeDocument/2006/relationships" r:embed="rId1">
+            <a:duotone>
+              <a:schemeClr val="phClr">
+                <a:shade val="12000"/>
+                <a:satMod val="240000"/>
+              </a:schemeClr>
+              <a:schemeClr val="phClr">
+                <a:tint val="98000"/>
+              </a:schemeClr>
+            </a:duotone>
+          </a:blip>
+          <a:tile tx="0" ty="0" sx="100000" sy="100000" flip="none" algn="ctr"/>
+        </a:blipFill>
+      </a:bgFillStyleLst>
+    </a:fmtScheme>
+  </a:themeElements>
+  <a:objectDefaults>
+    <a:spDef>
+      <a:spPr>
         <a:solidFill>
-          <a:schemeClr val="phClr">
-            <a:tint val="95000"/>
-            <a:satMod val="170000"/>
+          <a:schemeClr val="accent1">
+            <a:lumMod val="50000"/>
           </a:schemeClr>
+        </a:solidFill>
+      </a:spPr>
+      <a:bodyPr rtlCol="0" anchor="ctr"/>
+      <a:lstStyle>
+        <a:defPPr algn="ctr">
+          <a:defRPr dirty="0" err="1" smtClean="0"/>
+        </a:defPPr>
+      </a:lstStyle>
+      <a:style>
+        <a:lnRef idx="2">
+          <a:schemeClr val="accent1">
+            <a:shade val="50000"/>
+          </a:schemeClr>
+        </a:lnRef>
+        <a:fillRef idx="1">
+          <a:schemeClr val="accent1"/>
+        </a:fillRef>
+        <a:effectRef idx="0">
+          <a:schemeClr val="accent1"/>
+        </a:effectRef>
+        <a:fontRef idx="minor">
+          <a:schemeClr val="lt1"/>
+        </a:fontRef>
+      </a:style>
+    </a:spDef>
+    <a:lnDef>
+      <a:spPr>
+        <a:ln w="28575"/>
+      </a:spPr>
+      <a:bodyPr/>
+      <a:lstStyle/>
+      <a:style>
+        <a:lnRef idx="1">
+          <a:schemeClr val="accent1"/>
+        </a:lnRef>
+        <a:fillRef idx="0">
+          <a:schemeClr val="accent1"/>
+        </a:fillRef>
+        <a:effectRef idx="0">
+          <a:schemeClr val="accent1"/>
+        </a:effectRef>
+        <a:fontRef idx="minor">
+          <a:schemeClr val="tx1"/>
+        </a:fontRef>
+      </a:style>
+    </a:lnDef>
+    <a:txDef>
+      <a:spPr>
+        <a:noFill/>
+        <a:ln>
+          <a:solidFill>
+            <a:schemeClr val="accent1">
+              <a:lumMod val="20000"/>
+              <a:lumOff val="80000"/>
+            </a:schemeClr>
+          </a:solidFill>
+        </a:ln>
+      </a:spPr>
+      <a:bodyPr wrap="square" rtlCol="0" anchor="ctr" anchorCtr="1">
+        <a:spAutoFit/>
+      </a:bodyPr>
+      <a:lstStyle>
+        <a:defPPr>
+          <a:defRPr dirty="0" smtClean="0"/>
+        </a:defPPr>
+      </a:lstStyle>
+    </a:txDef>
+  </a:objectDefaults>
+  <a:extraClrSchemeLst/>
+  <a:extLst>
+    <a:ext uri="{05A4C25C-085E-4340-85A3-A5531E510DB2}">
+      <thm15:themeFamily xmlns:thm15="http://schemas.microsoft.com/office/thememl/2012/main" name="Business project planning overview presentation.potx" id="{0D6D6775-FC9F-484B-A889-C0FCD86449E3}" vid="{CBE6795F-D548-4056-89FC-5BC618C494F3}"/>
+    </a:ext>
+  </a:extLst>
+</a:theme>
+</file>
+
+<file path=ppt/theme/theme2.xml><?xml version="1.0" encoding="utf-8"?>
+<a:theme xmlns:a="http://schemas.openxmlformats.org/drawingml/2006/main" name="Office Theme">
+  <a:themeElements>
+    <a:clrScheme name="Median">
+      <a:dk1>
+        <a:sysClr val="windowText" lastClr="000000"/>
+      </a:dk1>
+      <a:lt1>
+        <a:sysClr val="window" lastClr="FFFFFF"/>
+      </a:lt1>
+      <a:dk2>
+        <a:srgbClr val="775F55"/>
+      </a:dk2>
+      <a:lt2>
+        <a:srgbClr val="EBDDC3"/>
+      </a:lt2>
+      <a:accent1>
+        <a:srgbClr val="94B6D2"/>
+      </a:accent1>
+      <a:accent2>
+        <a:srgbClr val="DD8047"/>
+      </a:accent2>
+      <a:accent3>
+        <a:srgbClr val="A5AB81"/>
+      </a:accent3>
+      <a:accent4>
+        <a:srgbClr val="D8B25C"/>
+      </a:accent4>
+      <a:accent5>
+        <a:srgbClr val="7BA79D"/>
+      </a:accent5>
+      <a:accent6>
+        <a:srgbClr val="968C8C"/>
+      </a:accent6>
+      <a:hlink>
+        <a:srgbClr val="F7B615"/>
+      </a:hlink>
+      <a:folHlink>
+        <a:srgbClr val="704404"/>
+      </a:folHlink>
+    </a:clrScheme>
+    <a:fontScheme name="Calibri">
+      <a:majorFont>
+        <a:latin typeface="Calibri" panose="020F0502020204030204"/>
+        <a:ea typeface=""/>
+        <a:cs typeface=""/>
+        <a:font script="Jpan" typeface="ＭＳ ゴシック"/>
+        <a:font script="Hang" typeface="맑은 고딕"/>
+        <a:font script="Hans" typeface="宋体"/>
+        <a:font script="Hant" typeface="新細明體"/>
+        <a:font script="Arab" typeface="Tahoma"/>
+        <a:font script="Hebr" typeface="Gisha"/>
+        <a:font script="Thai" typeface="DilleniaUPC"/>
+        <a:font script="Ethi" typeface="Nyala"/>
+        <a:font script="Beng" typeface="Vrinda"/>
+        <a:font script="Gujr" typeface="Shruti"/>
+        <a:font script="Khmr" typeface="DaunPenh"/>
+        <a:font script="Knda" typeface="Tunga"/>
+        <a:font script="Guru" typeface="Raavi"/>
+        <a:font script="Cans" typeface="Euphemia"/>
+        <a:font script="Cher" typeface="Plantagenet Cherokee"/>
+        <a:font script="Yiii" typeface="Microsoft Yi Baiti"/>
+        <a:font script="Tibt" typeface="Microsoft Himalaya"/>
+        <a:font script="Thaa" typeface="MV Boli"/>
+        <a:font script="Deva" typeface="Mangal"/>
+        <a:font script="Telu" typeface="Gautami"/>
+        <a:font script="Taml" typeface="Latha"/>
+        <a:font script="Syrc" typeface="Estrangelo Edessa"/>
+        <a:font script="Orya" typeface="Kalinga"/>
+        <a:font script="Mlym" typeface="Kartika"/>
+        <a:font script="Laoo" typeface="DokChampa"/>
+        <a:font script="Sinh" typeface="Iskoola Pota"/>
+        <a:font script="Mong" typeface="Mongolian Baiti"/>
+        <a:font script="Viet" typeface="Tahoma"/>
+        <a:font script="Uigh" typeface="Microsoft Uighur"/>
+        <a:font script="Geor" typeface="Sylfaen"/>
+      </a:majorFont>
+      <a:minorFont>
+        <a:latin typeface="Calibri" panose="020F0502020204030204"/>
+        <a:ea typeface=""/>
+        <a:cs typeface=""/>
+        <a:font script="Jpan" typeface="ＭＳ ゴシック"/>
+        <a:font script="Hang" typeface="맑은 고딕"/>
+        <a:font script="Hans" typeface="宋体"/>
+        <a:font script="Hant" typeface="新細明體"/>
+        <a:font script="Arab" typeface="Tahoma"/>
+        <a:font script="Hebr" typeface="Gisha"/>
+        <a:font script="Thai" typeface="DilleniaUPC"/>
+        <a:font script="Ethi" typeface="Nyala"/>
+        <a:font script="Beng" typeface="Vrinda"/>
+        <a:font script="Gujr" typeface="Shruti"/>
+        <a:font script="Khmr" typeface="DaunPenh"/>
+        <a:font script="Knda" typeface="Tunga"/>
+        <a:font script="Guru" typeface="Raavi"/>
+        <a:font script="Cans" typeface="Euphemia"/>
+        <a:font script="Cher" typeface="Plantagenet Cherokee"/>
+        <a:font script="Yiii" typeface="Microsoft Yi Baiti"/>
+        <a:font script="Tibt" typeface="Microsoft Himalaya"/>
+        <a:font script="Thaa" typeface="MV Boli"/>
+        <a:font script="Deva" typeface="Mangal"/>
+        <a:font script="Telu" typeface="Gautami"/>
+        <a:font script="Taml" typeface="Latha"/>
+        <a:font script="Syrc" typeface="Estrangelo Edessa"/>
+        <a:font script="Orya" typeface="Kalinga"/>
+        <a:font script="Mlym" typeface="Kartika"/>
+        <a:font script="Laoo" typeface="DokChampa"/>
+        <a:font script="Sinh" typeface="Iskoola Pota"/>
+        <a:font script="Mong" typeface="Mongolian Baiti"/>
+        <a:font script="Viet" typeface="Verdana"/>
+        <a:font script="Uigh" typeface="Microsoft Uighur"/>
+        <a:font script="Geor" typeface="Sylfaen"/>
+      </a:minorFont>
+    </a:fontScheme>
+    <a:fmtScheme name="Office">
+      <a:fillStyleLst>
+        <a:solidFill>
+          <a:schemeClr val="phClr"/>
         </a:solidFill>
         <a:gradFill rotWithShape="1">
           <a:gsLst>
             <a:gs pos="0">
               <a:schemeClr val="phClr">
-                <a:tint val="93000"/>
-                <a:satMod val="150000"/>
-                <a:shade val="98000"/>
-                <a:lumMod val="102000"/>
+                <a:lumMod val="110000"/>
+                <a:satMod val="105000"/>
+                <a:tint val="67000"/>
               </a:schemeClr>
             </a:gs>
             <a:gs pos="50000">
               <a:schemeClr val="phClr">
-                <a:tint val="98000"/>
-                <a:satMod val="130000"/>
-                <a:shade val="90000"/>
-                <a:lumMod val="103000"/>
+                <a:lumMod val="105000"/>
+                <a:satMod val="103000"/>
+                <a:tint val="73000"/>
               </a:schemeClr>
             </a:gs>
             <a:gs pos="100000">
               <a:schemeClr val="phClr">
-                <a:shade val="63000"/>
-                <a:satMod val="120000"/>
+                <a:lumMod val="105000"/>
+                <a:satMod val="109000"/>
+                <a:tint val="81000"/>
               </a:schemeClr>
             </a:gs>
           </a:gsLst>
           <a:lin ang="5400000" scaled="0"/>
+        </a:gradFill>
+        <a:gradFill rotWithShape="1">
+          <a:gsLst>
+            <a:gs pos="0">
+              <a:schemeClr val="phClr">
+                <a:satMod val="103000"/>
+                <a:lumMod val="102000"/>
+                <a:tint val="94000"/>
+              </a:schemeClr>
+            </a:gs>
+            <a:gs pos="50000">
+              <a:schemeClr val="phClr">
+                <a:satMod val="110000"/>
+                <a:lumMod val="100000"/>
+                <a:shade val="100000"/>
+              </a:schemeClr>
+            </a:gs>
+            <a:gs pos="100000">
+              <a:schemeClr val="phClr">
+                <a:lumMod val="99000"/>
+                <a:satMod val="120000"/>
+                <a:shade val="78000"/>
+              </a:schemeClr>
+            </a:gs>
+          </a:gsLst>
+          <a:lin ang="5400000" scaled="0"/>
+        </a:gradFill>
+      </a:fillStyleLst>
+      <a:lnStyleLst>
+        <a:ln w="6350" cap="flat" cmpd="sng" algn="ctr">
+          <a:solidFill>
+            <a:schemeClr val="phClr"/>
+          </a:solidFill>
+          <a:prstDash val="solid"/>
+          <a:miter lim="800000"/>
+        </a:ln>
+        <a:ln w="12700" cap="flat" cmpd="sng" algn="ctr">
+          <a:solidFill>
+            <a:schemeClr val="phClr"/>
+          </a:solidFill>
+          <a:prstDash val="solid"/>
+          <a:miter lim="800000"/>
+        </a:ln>
+        <a:ln w="19050" cap="flat" cmpd="sng" algn="ctr">
+          <a:solidFill>
+            <a:schemeClr val="phClr"/>
+          </a:solidFill>
+          <a:prstDash val="solid"/>
+          <a:miter lim="800000"/>
+        </a:ln>
+      </a:lnStyleLst>
+      <a:effectStyleLst>
+        <a:effectStyle>
+          <a:effectLst/>
+        </a:effectStyle>
+        <a:effectStyle>
+          <a:effectLst/>
+        </a:effectStyle>
+        <a:effectStyle>
+          <a:effectLst>
+            <a:outerShdw blurRad="57150" dist="19050" dir="5400000" algn="ctr" rotWithShape="0">
+              <a:srgbClr val="000000">
+                <a:alpha val="63000"/>
+              </a:srgbClr>
+            </a:outerShdw>
+          </a:effectLst>
+        </a:effectStyle>
+      </a:effectStyleLst>
+      <a:bgFillStyleLst>
+        <a:solidFill>
+          <a:schemeClr val="phClr"/>
+        </a:solidFill>
+        <a:gradFill rotWithShape="1">
+          <a:gsLst>
+            <a:gs pos="0">
+              <a:schemeClr val="phClr">
+                <a:tint val="40000"/>
+                <a:satMod val="350000"/>
+              </a:schemeClr>
+            </a:gs>
+            <a:gs pos="40000">
+              <a:schemeClr val="phClr">
+                <a:tint val="45000"/>
+                <a:shade val="99000"/>
+                <a:satMod val="350000"/>
+              </a:schemeClr>
+            </a:gs>
+            <a:gs pos="100000">
+              <a:schemeClr val="phClr">
+                <a:shade val="20000"/>
+                <a:satMod val="255000"/>
+              </a:schemeClr>
+            </a:gs>
+          </a:gsLst>
+          <a:path path="circle">
+            <a:fillToRect l="50000" t="-80000" r="50000" b="180000"/>
+          </a:path>
+        </a:gradFill>
+        <a:gradFill rotWithShape="1">
+          <a:gsLst>
+            <a:gs pos="0">
+              <a:schemeClr val="phClr">
+                <a:tint val="80000"/>
+                <a:satMod val="300000"/>
+              </a:schemeClr>
+            </a:gs>
+            <a:gs pos="100000">
+              <a:schemeClr val="phClr">
+                <a:shade val="30000"/>
+                <a:satMod val="200000"/>
+              </a:schemeClr>
+            </a:gs>
+          </a:gsLst>
+          <a:path path="circle">
+            <a:fillToRect l="50000" t="50000" r="50000" b="50000"/>
+          </a:path>
         </a:gradFill>
       </a:bgFillStyleLst>
     </a:fmtScheme>
   </a:themeElements>
   <a:objectDefaults/>
   <a:extraClrSchemeLst/>
-  <a:extLst>
-    <a:ext uri="{05A4C25C-085E-4340-85A3-A5531E510DB2}">
-      <thm15:themeFamily xmlns:thm15="http://schemas.microsoft.com/office/thememl/2012/main" name="Office Theme" id="{62F939B6-93AF-4DB8-9C6B-D6C7DFDC589F}" vid="{4A3C46E8-61CC-4603-A589-7422A47A8E4A}"/>
-    </a:ext>
-  </a:extLst>
+</a:theme>
+</file>
+
+<file path=ppt/theme/theme3.xml><?xml version="1.0" encoding="utf-8"?>
+<a:theme xmlns:a="http://schemas.openxmlformats.org/drawingml/2006/main" name="Office Theme">
+  <a:themeElements>
+    <a:clrScheme name="Median">
+      <a:dk1>
+        <a:sysClr val="windowText" lastClr="000000"/>
+      </a:dk1>
+      <a:lt1>
+        <a:sysClr val="window" lastClr="FFFFFF"/>
+      </a:lt1>
+      <a:dk2>
+        <a:srgbClr val="775F55"/>
+      </a:dk2>
+      <a:lt2>
+        <a:srgbClr val="EBDDC3"/>
+      </a:lt2>
+      <a:accent1>
+        <a:srgbClr val="94B6D2"/>
+      </a:accent1>
+      <a:accent2>
+        <a:srgbClr val="DD8047"/>
+      </a:accent2>
+      <a:accent3>
+        <a:srgbClr val="A5AB81"/>
+      </a:accent3>
+      <a:accent4>
+        <a:srgbClr val="D8B25C"/>
+      </a:accent4>
+      <a:accent5>
+        <a:srgbClr val="7BA79D"/>
+      </a:accent5>
+      <a:accent6>
+        <a:srgbClr val="968C8C"/>
+      </a:accent6>
+      <a:hlink>
+        <a:srgbClr val="F7B615"/>
+      </a:hlink>
+      <a:folHlink>
+        <a:srgbClr val="704404"/>
+      </a:folHlink>
+    </a:clrScheme>
+    <a:fontScheme name="Calibri">
+      <a:majorFont>
+        <a:latin typeface="Calibri" panose="020F0502020204030204"/>
+        <a:ea typeface=""/>
+        <a:cs typeface=""/>
+        <a:font script="Jpan" typeface="ＭＳ ゴシック"/>
+        <a:font script="Hang" typeface="맑은 고딕"/>
+        <a:font script="Hans" typeface="宋体"/>
+        <a:font script="Hant" typeface="新細明體"/>
+        <a:font script="Arab" typeface="Tahoma"/>
+        <a:font script="Hebr" typeface="Gisha"/>
+        <a:font script="Thai" typeface="DilleniaUPC"/>
+        <a:font script="Ethi" typeface="Nyala"/>
+        <a:font script="Beng" typeface="Vrinda"/>
+        <a:font script="Gujr" typeface="Shruti"/>
+        <a:font script="Khmr" typeface="DaunPenh"/>
+        <a:font script="Knda" typeface="Tunga"/>
+        <a:font script="Guru" typeface="Raavi"/>
+        <a:font script="Cans" typeface="Euphemia"/>
+        <a:font script="Cher" typeface="Plantagenet Cherokee"/>
+        <a:font script="Yiii" typeface="Microsoft Yi Baiti"/>
+        <a:font script="Tibt" typeface="Microsoft Himalaya"/>
+        <a:font script="Thaa" typeface="MV Boli"/>
+        <a:font script="Deva" typeface="Mangal"/>
+        <a:font script="Telu" typeface="Gautami"/>
+        <a:font script="Taml" typeface="Latha"/>
+        <a:font script="Syrc" typeface="Estrangelo Edessa"/>
+        <a:font script="Orya" typeface="Kalinga"/>
+        <a:font script="Mlym" typeface="Kartika"/>
+        <a:font script="Laoo" typeface="DokChampa"/>
+        <a:font script="Sinh" typeface="Iskoola Pota"/>
+        <a:font script="Mong" typeface="Mongolian Baiti"/>
+        <a:font script="Viet" typeface="Tahoma"/>
+        <a:font script="Uigh" typeface="Microsoft Uighur"/>
+        <a:font script="Geor" typeface="Sylfaen"/>
+      </a:majorFont>
+      <a:minorFont>
+        <a:latin typeface="Calibri" panose="020F0502020204030204"/>
+        <a:ea typeface=""/>
+        <a:cs typeface=""/>
+        <a:font script="Jpan" typeface="ＭＳ ゴシック"/>
+        <a:font script="Hang" typeface="맑은 고딕"/>
+        <a:font script="Hans" typeface="宋体"/>
+        <a:font script="Hant" typeface="新細明體"/>
+        <a:font script="Arab" typeface="Tahoma"/>
+        <a:font script="Hebr" typeface="Gisha"/>
+        <a:font script="Thai" typeface="DilleniaUPC"/>
+        <a:font script="Ethi" typeface="Nyala"/>
+        <a:font script="Beng" typeface="Vrinda"/>
+        <a:font script="Gujr" typeface="Shruti"/>
+        <a:font script="Khmr" typeface="DaunPenh"/>
+        <a:font script="Knda" typeface="Tunga"/>
+        <a:font script="Guru" typeface="Raavi"/>
+        <a:font script="Cans" typeface="Euphemia"/>
+        <a:font script="Cher" typeface="Plantagenet Cherokee"/>
+        <a:font script="Yiii" typeface="Microsoft Yi Baiti"/>
+        <a:font script="Tibt" typeface="Microsoft Himalaya"/>
+        <a:font script="Thaa" typeface="MV Boli"/>
+        <a:font script="Deva" typeface="Mangal"/>
+        <a:font script="Telu" typeface="Gautami"/>
+        <a:font script="Taml" typeface="Latha"/>
+        <a:font script="Syrc" typeface="Estrangelo Edessa"/>
+        <a:font script="Orya" typeface="Kalinga"/>
+        <a:font script="Mlym" typeface="Kartika"/>
+        <a:font script="Laoo" typeface="DokChampa"/>
+        <a:font script="Sinh" typeface="Iskoola Pota"/>
+        <a:font script="Mong" typeface="Mongolian Baiti"/>
+        <a:font script="Viet" typeface="Verdana"/>
+        <a:font script="Uigh" typeface="Microsoft Uighur"/>
+        <a:font script="Geor" typeface="Sylfaen"/>
+      </a:minorFont>
+    </a:fontScheme>
+    <a:fmtScheme name="Office">
+      <a:fillStyleLst>
+        <a:solidFill>
+          <a:schemeClr val="phClr"/>
+        </a:solidFill>
+        <a:gradFill rotWithShape="1">
+          <a:gsLst>
+            <a:gs pos="0">
+              <a:schemeClr val="phClr">
+                <a:lumMod val="110000"/>
+                <a:satMod val="105000"/>
+                <a:tint val="67000"/>
+              </a:schemeClr>
+            </a:gs>
+            <a:gs pos="50000">
+              <a:schemeClr val="phClr">
+                <a:lumMod val="105000"/>
+                <a:satMod val="103000"/>
+                <a:tint val="73000"/>
+              </a:schemeClr>
+            </a:gs>
+            <a:gs pos="100000">
+              <a:schemeClr val="phClr">
+                <a:lumMod val="105000"/>
+                <a:satMod val="109000"/>
+                <a:tint val="81000"/>
+              </a:schemeClr>
+            </a:gs>
+          </a:gsLst>
+          <a:lin ang="5400000" scaled="0"/>
+        </a:gradFill>
+        <a:gradFill rotWithShape="1">
+          <a:gsLst>
+            <a:gs pos="0">
+              <a:schemeClr val="phClr">
+                <a:satMod val="103000"/>
+                <a:lumMod val="102000"/>
+                <a:tint val="94000"/>
+              </a:schemeClr>
+            </a:gs>
+            <a:gs pos="50000">
+              <a:schemeClr val="phClr">
+                <a:satMod val="110000"/>
+                <a:lumMod val="100000"/>
+                <a:shade val="100000"/>
+              </a:schemeClr>
+            </a:gs>
+            <a:gs pos="100000">
+              <a:schemeClr val="phClr">
+                <a:lumMod val="99000"/>
+                <a:satMod val="120000"/>
+                <a:shade val="78000"/>
+              </a:schemeClr>
+            </a:gs>
+          </a:gsLst>
+          <a:lin ang="5400000" scaled="0"/>
+        </a:gradFill>
+      </a:fillStyleLst>
+      <a:lnStyleLst>
+        <a:ln w="6350" cap="flat" cmpd="sng" algn="ctr">
+          <a:solidFill>
+            <a:schemeClr val="phClr"/>
+          </a:solidFill>
+          <a:prstDash val="solid"/>
+          <a:miter lim="800000"/>
+        </a:ln>
+        <a:ln w="12700" cap="flat" cmpd="sng" algn="ctr">
+          <a:solidFill>
+            <a:schemeClr val="phClr"/>
+          </a:solidFill>
+          <a:prstDash val="solid"/>
+          <a:miter lim="800000"/>
+        </a:ln>
+        <a:ln w="19050" cap="flat" cmpd="sng" algn="ctr">
+          <a:solidFill>
+            <a:schemeClr val="phClr"/>
+          </a:solidFill>
+          <a:prstDash val="solid"/>
+          <a:miter lim="800000"/>
+        </a:ln>
+      </a:lnStyleLst>
+      <a:effectStyleLst>
+        <a:effectStyle>
+          <a:effectLst/>
+        </a:effectStyle>
+        <a:effectStyle>
+          <a:effectLst/>
+        </a:effectStyle>
+        <a:effectStyle>
+          <a:effectLst>
+            <a:outerShdw blurRad="57150" dist="19050" dir="5400000" algn="ctr" rotWithShape="0">
+              <a:srgbClr val="000000">
+                <a:alpha val="63000"/>
+              </a:srgbClr>
+            </a:outerShdw>
+          </a:effectLst>
+        </a:effectStyle>
+      </a:effectStyleLst>
+      <a:bgFillStyleLst>
+        <a:solidFill>
+          <a:schemeClr val="phClr"/>
+        </a:solidFill>
+        <a:gradFill rotWithShape="1">
+          <a:gsLst>
+            <a:gs pos="0">
+              <a:schemeClr val="phClr">
+                <a:tint val="40000"/>
+                <a:satMod val="350000"/>
+              </a:schemeClr>
+            </a:gs>
+            <a:gs pos="40000">
+              <a:schemeClr val="phClr">
+                <a:tint val="45000"/>
+                <a:shade val="99000"/>
+                <a:satMod val="350000"/>
+              </a:schemeClr>
+            </a:gs>
+            <a:gs pos="100000">
+              <a:schemeClr val="phClr">
+                <a:shade val="20000"/>
+                <a:satMod val="255000"/>
+              </a:schemeClr>
+            </a:gs>
+          </a:gsLst>
+          <a:path path="circle">
+            <a:fillToRect l="50000" t="-80000" r="50000" b="180000"/>
+          </a:path>
+        </a:gradFill>
+        <a:gradFill rotWithShape="1">
+          <a:gsLst>
+            <a:gs pos="0">
+              <a:schemeClr val="phClr">
+                <a:tint val="80000"/>
+                <a:satMod val="300000"/>
+              </a:schemeClr>
+            </a:gs>
+            <a:gs pos="100000">
+              <a:schemeClr val="phClr">
+                <a:shade val="30000"/>
+                <a:satMod val="200000"/>
+              </a:schemeClr>
+            </a:gs>
+          </a:gsLst>
+          <a:path path="circle">
+            <a:fillToRect l="50000" t="50000" r="50000" b="50000"/>
+          </a:path>
+        </a:gradFill>
+      </a:bgFillStyleLst>
+    </a:fmtScheme>
+  </a:themeElements>
+  <a:objectDefaults/>
+  <a:extraClrSchemeLst/>
 </a:theme>
 </file>